--- a/figures/Chapter 2 - Introductory Data Structures/2.1 Array Lists.pptx
+++ b/figures/Chapter 2 - Introductory Data Structures/2.1 Array Lists.pptx
@@ -160,10 +160,9 @@
           </a:lstStyle>
           <a:p>
             <a:r>
-              <a:rPr lang="en-US" smtClean="0"/>
+              <a:rPr lang="en-US"/>
               <a:t>Click to edit Master title style</a:t>
             </a:r>
-            <a:endParaRPr lang="en-US"/>
           </a:p>
         </p:txBody>
       </p:sp>
@@ -225,10 +224,9 @@
           </a:lstStyle>
           <a:p>
             <a:r>
-              <a:rPr lang="en-US" smtClean="0"/>
+              <a:rPr lang="en-US"/>
               <a:t>Click to edit Master subtitle style</a:t>
             </a:r>
-            <a:endParaRPr lang="en-US"/>
           </a:p>
         </p:txBody>
       </p:sp>
@@ -249,7 +247,7 @@
           <a:p>
             <a:fld id="{5F8C1D27-7054-4C6B-8816-BEAA3AD2E28B}" type="datetimeFigureOut">
               <a:rPr lang="en-US" smtClean="0"/>
-              <a:t>7/2/2016</a:t>
+              <a:t>5/8/18</a:t>
             </a:fld>
             <a:endParaRPr lang="en-US"/>
           </a:p>
@@ -343,10 +341,9 @@
           <a:lstStyle/>
           <a:p>
             <a:r>
-              <a:rPr lang="en-US" smtClean="0"/>
+              <a:rPr lang="en-US"/>
               <a:t>Click to edit Master title style</a:t>
             </a:r>
-            <a:endParaRPr lang="en-US"/>
           </a:p>
         </p:txBody>
       </p:sp>
@@ -367,38 +364,37 @@
           <a:p>
             <a:pPr lvl="0"/>
             <a:r>
-              <a:rPr lang="en-US" smtClean="0"/>
+              <a:rPr lang="en-US"/>
               <a:t>Click to edit Master text styles</a:t>
             </a:r>
           </a:p>
           <a:p>
             <a:pPr lvl="1"/>
             <a:r>
-              <a:rPr lang="en-US" smtClean="0"/>
+              <a:rPr lang="en-US"/>
               <a:t>Second level</a:t>
             </a:r>
           </a:p>
           <a:p>
             <a:pPr lvl="2"/>
             <a:r>
-              <a:rPr lang="en-US" smtClean="0"/>
+              <a:rPr lang="en-US"/>
               <a:t>Third level</a:t>
             </a:r>
           </a:p>
           <a:p>
             <a:pPr lvl="3"/>
             <a:r>
-              <a:rPr lang="en-US" smtClean="0"/>
+              <a:rPr lang="en-US"/>
               <a:t>Fourth level</a:t>
             </a:r>
           </a:p>
           <a:p>
             <a:pPr lvl="4"/>
             <a:r>
-              <a:rPr lang="en-US" smtClean="0"/>
+              <a:rPr lang="en-US"/>
               <a:t>Fifth level</a:t>
             </a:r>
-            <a:endParaRPr lang="en-US"/>
           </a:p>
         </p:txBody>
       </p:sp>
@@ -419,7 +415,7 @@
           <a:p>
             <a:fld id="{5F8C1D27-7054-4C6B-8816-BEAA3AD2E28B}" type="datetimeFigureOut">
               <a:rPr lang="en-US" smtClean="0"/>
-              <a:t>7/2/2016</a:t>
+              <a:t>5/8/18</a:t>
             </a:fld>
             <a:endParaRPr lang="en-US"/>
           </a:p>
@@ -518,10 +514,9 @@
           <a:lstStyle/>
           <a:p>
             <a:r>
-              <a:rPr lang="en-US" smtClean="0"/>
+              <a:rPr lang="en-US"/>
               <a:t>Click to edit Master title style</a:t>
             </a:r>
-            <a:endParaRPr lang="en-US"/>
           </a:p>
         </p:txBody>
       </p:sp>
@@ -547,38 +542,37 @@
           <a:p>
             <a:pPr lvl="0"/>
             <a:r>
-              <a:rPr lang="en-US" smtClean="0"/>
+              <a:rPr lang="en-US"/>
               <a:t>Click to edit Master text styles</a:t>
             </a:r>
           </a:p>
           <a:p>
             <a:pPr lvl="1"/>
             <a:r>
-              <a:rPr lang="en-US" smtClean="0"/>
+              <a:rPr lang="en-US"/>
               <a:t>Second level</a:t>
             </a:r>
           </a:p>
           <a:p>
             <a:pPr lvl="2"/>
             <a:r>
-              <a:rPr lang="en-US" smtClean="0"/>
+              <a:rPr lang="en-US"/>
               <a:t>Third level</a:t>
             </a:r>
           </a:p>
           <a:p>
             <a:pPr lvl="3"/>
             <a:r>
-              <a:rPr lang="en-US" smtClean="0"/>
+              <a:rPr lang="en-US"/>
               <a:t>Fourth level</a:t>
             </a:r>
           </a:p>
           <a:p>
             <a:pPr lvl="4"/>
             <a:r>
-              <a:rPr lang="en-US" smtClean="0"/>
+              <a:rPr lang="en-US"/>
               <a:t>Fifth level</a:t>
             </a:r>
-            <a:endParaRPr lang="en-US"/>
           </a:p>
         </p:txBody>
       </p:sp>
@@ -599,7 +593,7 @@
           <a:p>
             <a:fld id="{5F8C1D27-7054-4C6B-8816-BEAA3AD2E28B}" type="datetimeFigureOut">
               <a:rPr lang="en-US" smtClean="0"/>
-              <a:t>7/2/2016</a:t>
+              <a:t>5/8/18</a:t>
             </a:fld>
             <a:endParaRPr lang="en-US"/>
           </a:p>
@@ -693,10 +687,9 @@
           <a:lstStyle/>
           <a:p>
             <a:r>
-              <a:rPr lang="en-US" smtClean="0"/>
+              <a:rPr lang="en-US"/>
               <a:t>Click to edit Master title style</a:t>
             </a:r>
-            <a:endParaRPr lang="en-US"/>
           </a:p>
         </p:txBody>
       </p:sp>
@@ -717,38 +710,37 @@
           <a:p>
             <a:pPr lvl="0"/>
             <a:r>
-              <a:rPr lang="en-US" smtClean="0"/>
+              <a:rPr lang="en-US"/>
               <a:t>Click to edit Master text styles</a:t>
             </a:r>
           </a:p>
           <a:p>
             <a:pPr lvl="1"/>
             <a:r>
-              <a:rPr lang="en-US" smtClean="0"/>
+              <a:rPr lang="en-US"/>
               <a:t>Second level</a:t>
             </a:r>
           </a:p>
           <a:p>
             <a:pPr lvl="2"/>
             <a:r>
-              <a:rPr lang="en-US" smtClean="0"/>
+              <a:rPr lang="en-US"/>
               <a:t>Third level</a:t>
             </a:r>
           </a:p>
           <a:p>
             <a:pPr lvl="3"/>
             <a:r>
-              <a:rPr lang="en-US" smtClean="0"/>
+              <a:rPr lang="en-US"/>
               <a:t>Fourth level</a:t>
             </a:r>
           </a:p>
           <a:p>
             <a:pPr lvl="4"/>
             <a:r>
-              <a:rPr lang="en-US" smtClean="0"/>
+              <a:rPr lang="en-US"/>
               <a:t>Fifth level</a:t>
             </a:r>
-            <a:endParaRPr lang="en-US"/>
           </a:p>
         </p:txBody>
       </p:sp>
@@ -769,7 +761,7 @@
           <a:p>
             <a:fld id="{5F8C1D27-7054-4C6B-8816-BEAA3AD2E28B}" type="datetimeFigureOut">
               <a:rPr lang="en-US" smtClean="0"/>
-              <a:t>7/2/2016</a:t>
+              <a:t>5/8/18</a:t>
             </a:fld>
             <a:endParaRPr lang="en-US"/>
           </a:p>
@@ -872,10 +864,9 @@
           </a:lstStyle>
           <a:p>
             <a:r>
-              <a:rPr lang="en-US" smtClean="0"/>
+              <a:rPr lang="en-US"/>
               <a:t>Click to edit Master title style</a:t>
             </a:r>
-            <a:endParaRPr lang="en-US"/>
           </a:p>
         </p:txBody>
       </p:sp>
@@ -992,7 +983,7 @@
           <a:p>
             <a:pPr lvl="0"/>
             <a:r>
-              <a:rPr lang="en-US" smtClean="0"/>
+              <a:rPr lang="en-US"/>
               <a:t>Click to edit Master text styles</a:t>
             </a:r>
           </a:p>
@@ -1015,7 +1006,7 @@
           <a:p>
             <a:fld id="{5F8C1D27-7054-4C6B-8816-BEAA3AD2E28B}" type="datetimeFigureOut">
               <a:rPr lang="en-US" smtClean="0"/>
-              <a:t>7/2/2016</a:t>
+              <a:t>5/8/18</a:t>
             </a:fld>
             <a:endParaRPr lang="en-US"/>
           </a:p>
@@ -1109,10 +1100,9 @@
           <a:lstStyle/>
           <a:p>
             <a:r>
-              <a:rPr lang="en-US" smtClean="0"/>
+              <a:rPr lang="en-US"/>
               <a:t>Click to edit Master title style</a:t>
             </a:r>
-            <a:endParaRPr lang="en-US"/>
           </a:p>
         </p:txBody>
       </p:sp>
@@ -1138,38 +1128,37 @@
           <a:p>
             <a:pPr lvl="0"/>
             <a:r>
-              <a:rPr lang="en-US" smtClean="0"/>
+              <a:rPr lang="en-US"/>
               <a:t>Click to edit Master text styles</a:t>
             </a:r>
           </a:p>
           <a:p>
             <a:pPr lvl="1"/>
             <a:r>
-              <a:rPr lang="en-US" smtClean="0"/>
+              <a:rPr lang="en-US"/>
               <a:t>Second level</a:t>
             </a:r>
           </a:p>
           <a:p>
             <a:pPr lvl="2"/>
             <a:r>
-              <a:rPr lang="en-US" smtClean="0"/>
+              <a:rPr lang="en-US"/>
               <a:t>Third level</a:t>
             </a:r>
           </a:p>
           <a:p>
             <a:pPr lvl="3"/>
             <a:r>
-              <a:rPr lang="en-US" smtClean="0"/>
+              <a:rPr lang="en-US"/>
               <a:t>Fourth level</a:t>
             </a:r>
           </a:p>
           <a:p>
             <a:pPr lvl="4"/>
             <a:r>
-              <a:rPr lang="en-US" smtClean="0"/>
+              <a:rPr lang="en-US"/>
               <a:t>Fifth level</a:t>
             </a:r>
-            <a:endParaRPr lang="en-US"/>
           </a:p>
         </p:txBody>
       </p:sp>
@@ -1195,38 +1184,37 @@
           <a:p>
             <a:pPr lvl="0"/>
             <a:r>
-              <a:rPr lang="en-US" smtClean="0"/>
+              <a:rPr lang="en-US"/>
               <a:t>Click to edit Master text styles</a:t>
             </a:r>
           </a:p>
           <a:p>
             <a:pPr lvl="1"/>
             <a:r>
-              <a:rPr lang="en-US" smtClean="0"/>
+              <a:rPr lang="en-US"/>
               <a:t>Second level</a:t>
             </a:r>
           </a:p>
           <a:p>
             <a:pPr lvl="2"/>
             <a:r>
-              <a:rPr lang="en-US" smtClean="0"/>
+              <a:rPr lang="en-US"/>
               <a:t>Third level</a:t>
             </a:r>
           </a:p>
           <a:p>
             <a:pPr lvl="3"/>
             <a:r>
-              <a:rPr lang="en-US" smtClean="0"/>
+              <a:rPr lang="en-US"/>
               <a:t>Fourth level</a:t>
             </a:r>
           </a:p>
           <a:p>
             <a:pPr lvl="4"/>
             <a:r>
-              <a:rPr lang="en-US" smtClean="0"/>
+              <a:rPr lang="en-US"/>
               <a:t>Fifth level</a:t>
             </a:r>
-            <a:endParaRPr lang="en-US"/>
           </a:p>
         </p:txBody>
       </p:sp>
@@ -1247,7 +1235,7 @@
           <a:p>
             <a:fld id="{5F8C1D27-7054-4C6B-8816-BEAA3AD2E28B}" type="datetimeFigureOut">
               <a:rPr lang="en-US" smtClean="0"/>
-              <a:t>7/2/2016</a:t>
+              <a:t>5/8/18</a:t>
             </a:fld>
             <a:endParaRPr lang="en-US"/>
           </a:p>
@@ -1346,10 +1334,9 @@
           <a:lstStyle/>
           <a:p>
             <a:r>
-              <a:rPr lang="en-US" smtClean="0"/>
+              <a:rPr lang="en-US"/>
               <a:t>Click to edit Master title style</a:t>
             </a:r>
-            <a:endParaRPr lang="en-US"/>
           </a:p>
         </p:txBody>
       </p:sp>
@@ -1412,7 +1399,7 @@
           <a:p>
             <a:pPr lvl="0"/>
             <a:r>
-              <a:rPr lang="en-US" smtClean="0"/>
+              <a:rPr lang="en-US"/>
               <a:t>Click to edit Master text styles</a:t>
             </a:r>
           </a:p>
@@ -1440,38 +1427,37 @@
           <a:p>
             <a:pPr lvl="0"/>
             <a:r>
-              <a:rPr lang="en-US" smtClean="0"/>
+              <a:rPr lang="en-US"/>
               <a:t>Click to edit Master text styles</a:t>
             </a:r>
           </a:p>
           <a:p>
             <a:pPr lvl="1"/>
             <a:r>
-              <a:rPr lang="en-US" smtClean="0"/>
+              <a:rPr lang="en-US"/>
               <a:t>Second level</a:t>
             </a:r>
           </a:p>
           <a:p>
             <a:pPr lvl="2"/>
             <a:r>
-              <a:rPr lang="en-US" smtClean="0"/>
+              <a:rPr lang="en-US"/>
               <a:t>Third level</a:t>
             </a:r>
           </a:p>
           <a:p>
             <a:pPr lvl="3"/>
             <a:r>
-              <a:rPr lang="en-US" smtClean="0"/>
+              <a:rPr lang="en-US"/>
               <a:t>Fourth level</a:t>
             </a:r>
           </a:p>
           <a:p>
             <a:pPr lvl="4"/>
             <a:r>
-              <a:rPr lang="en-US" smtClean="0"/>
+              <a:rPr lang="en-US"/>
               <a:t>Fifth level</a:t>
             </a:r>
-            <a:endParaRPr lang="en-US"/>
           </a:p>
         </p:txBody>
       </p:sp>
@@ -1534,7 +1520,7 @@
           <a:p>
             <a:pPr lvl="0"/>
             <a:r>
-              <a:rPr lang="en-US" smtClean="0"/>
+              <a:rPr lang="en-US"/>
               <a:t>Click to edit Master text styles</a:t>
             </a:r>
           </a:p>
@@ -1562,38 +1548,37 @@
           <a:p>
             <a:pPr lvl="0"/>
             <a:r>
-              <a:rPr lang="en-US" smtClean="0"/>
+              <a:rPr lang="en-US"/>
               <a:t>Click to edit Master text styles</a:t>
             </a:r>
           </a:p>
           <a:p>
             <a:pPr lvl="1"/>
             <a:r>
-              <a:rPr lang="en-US" smtClean="0"/>
+              <a:rPr lang="en-US"/>
               <a:t>Second level</a:t>
             </a:r>
           </a:p>
           <a:p>
             <a:pPr lvl="2"/>
             <a:r>
-              <a:rPr lang="en-US" smtClean="0"/>
+              <a:rPr lang="en-US"/>
               <a:t>Third level</a:t>
             </a:r>
           </a:p>
           <a:p>
             <a:pPr lvl="3"/>
             <a:r>
-              <a:rPr lang="en-US" smtClean="0"/>
+              <a:rPr lang="en-US"/>
               <a:t>Fourth level</a:t>
             </a:r>
           </a:p>
           <a:p>
             <a:pPr lvl="4"/>
             <a:r>
-              <a:rPr lang="en-US" smtClean="0"/>
+              <a:rPr lang="en-US"/>
               <a:t>Fifth level</a:t>
             </a:r>
-            <a:endParaRPr lang="en-US"/>
           </a:p>
         </p:txBody>
       </p:sp>
@@ -1614,7 +1599,7 @@
           <a:p>
             <a:fld id="{5F8C1D27-7054-4C6B-8816-BEAA3AD2E28B}" type="datetimeFigureOut">
               <a:rPr lang="en-US" smtClean="0"/>
-              <a:t>7/2/2016</a:t>
+              <a:t>5/8/18</a:t>
             </a:fld>
             <a:endParaRPr lang="en-US"/>
           </a:p>
@@ -1708,10 +1693,9 @@
           <a:lstStyle/>
           <a:p>
             <a:r>
-              <a:rPr lang="en-US" smtClean="0"/>
+              <a:rPr lang="en-US"/>
               <a:t>Click to edit Master title style</a:t>
             </a:r>
-            <a:endParaRPr lang="en-US"/>
           </a:p>
         </p:txBody>
       </p:sp>
@@ -1732,7 +1716,7 @@
           <a:p>
             <a:fld id="{5F8C1D27-7054-4C6B-8816-BEAA3AD2E28B}" type="datetimeFigureOut">
               <a:rPr lang="en-US" smtClean="0"/>
-              <a:t>7/2/2016</a:t>
+              <a:t>5/8/18</a:t>
             </a:fld>
             <a:endParaRPr lang="en-US"/>
           </a:p>
@@ -1827,7 +1811,7 @@
           <a:p>
             <a:fld id="{5F8C1D27-7054-4C6B-8816-BEAA3AD2E28B}" type="datetimeFigureOut">
               <a:rPr lang="en-US" smtClean="0"/>
-              <a:t>7/2/2016</a:t>
+              <a:t>5/8/18</a:t>
             </a:fld>
             <a:endParaRPr lang="en-US"/>
           </a:p>
@@ -1930,10 +1914,9 @@
           </a:lstStyle>
           <a:p>
             <a:r>
-              <a:rPr lang="en-US" smtClean="0"/>
+              <a:rPr lang="en-US"/>
               <a:t>Click to edit Master title style</a:t>
             </a:r>
-            <a:endParaRPr lang="en-US"/>
           </a:p>
         </p:txBody>
       </p:sp>
@@ -1987,38 +1970,37 @@
           <a:p>
             <a:pPr lvl="0"/>
             <a:r>
-              <a:rPr lang="en-US" smtClean="0"/>
+              <a:rPr lang="en-US"/>
               <a:t>Click to edit Master text styles</a:t>
             </a:r>
           </a:p>
           <a:p>
             <a:pPr lvl="1"/>
             <a:r>
-              <a:rPr lang="en-US" smtClean="0"/>
+              <a:rPr lang="en-US"/>
               <a:t>Second level</a:t>
             </a:r>
           </a:p>
           <a:p>
             <a:pPr lvl="2"/>
             <a:r>
-              <a:rPr lang="en-US" smtClean="0"/>
+              <a:rPr lang="en-US"/>
               <a:t>Third level</a:t>
             </a:r>
           </a:p>
           <a:p>
             <a:pPr lvl="3"/>
             <a:r>
-              <a:rPr lang="en-US" smtClean="0"/>
+              <a:rPr lang="en-US"/>
               <a:t>Fourth level</a:t>
             </a:r>
           </a:p>
           <a:p>
             <a:pPr lvl="4"/>
             <a:r>
-              <a:rPr lang="en-US" smtClean="0"/>
+              <a:rPr lang="en-US"/>
               <a:t>Fifth level</a:t>
             </a:r>
-            <a:endParaRPr lang="en-US"/>
           </a:p>
         </p:txBody>
       </p:sp>
@@ -2081,7 +2063,7 @@
           <a:p>
             <a:pPr lvl="0"/>
             <a:r>
-              <a:rPr lang="en-US" smtClean="0"/>
+              <a:rPr lang="en-US"/>
               <a:t>Click to edit Master text styles</a:t>
             </a:r>
           </a:p>
@@ -2104,7 +2086,7 @@
           <a:p>
             <a:fld id="{5F8C1D27-7054-4C6B-8816-BEAA3AD2E28B}" type="datetimeFigureOut">
               <a:rPr lang="en-US" smtClean="0"/>
-              <a:t>7/2/2016</a:t>
+              <a:t>5/8/18</a:t>
             </a:fld>
             <a:endParaRPr lang="en-US"/>
           </a:p>
@@ -2207,10 +2189,9 @@
           </a:lstStyle>
           <a:p>
             <a:r>
-              <a:rPr lang="en-US" smtClean="0"/>
+              <a:rPr lang="en-US"/>
               <a:t>Click to edit Master title style</a:t>
             </a:r>
-            <a:endParaRPr lang="en-US"/>
           </a:p>
         </p:txBody>
       </p:sp>
@@ -2334,7 +2315,7 @@
           <a:p>
             <a:pPr lvl="0"/>
             <a:r>
-              <a:rPr lang="en-US" smtClean="0"/>
+              <a:rPr lang="en-US"/>
               <a:t>Click to edit Master text styles</a:t>
             </a:r>
           </a:p>
@@ -2357,7 +2338,7 @@
           <a:p>
             <a:fld id="{5F8C1D27-7054-4C6B-8816-BEAA3AD2E28B}" type="datetimeFigureOut">
               <a:rPr lang="en-US" smtClean="0"/>
-              <a:t>7/2/2016</a:t>
+              <a:t>5/8/18</a:t>
             </a:fld>
             <a:endParaRPr lang="en-US"/>
           </a:p>
@@ -2466,10 +2447,9 @@
           <a:lstStyle/>
           <a:p>
             <a:r>
-              <a:rPr lang="en-US" smtClean="0"/>
+              <a:rPr lang="en-US"/>
               <a:t>Click to edit Master title style</a:t>
             </a:r>
-            <a:endParaRPr lang="en-US"/>
           </a:p>
         </p:txBody>
       </p:sp>
@@ -2500,38 +2480,37 @@
           <a:p>
             <a:pPr lvl="0"/>
             <a:r>
-              <a:rPr lang="en-US" smtClean="0"/>
+              <a:rPr lang="en-US"/>
               <a:t>Click to edit Master text styles</a:t>
             </a:r>
           </a:p>
           <a:p>
             <a:pPr lvl="1"/>
             <a:r>
-              <a:rPr lang="en-US" smtClean="0"/>
+              <a:rPr lang="en-US"/>
               <a:t>Second level</a:t>
             </a:r>
           </a:p>
           <a:p>
             <a:pPr lvl="2"/>
             <a:r>
-              <a:rPr lang="en-US" smtClean="0"/>
+              <a:rPr lang="en-US"/>
               <a:t>Third level</a:t>
             </a:r>
           </a:p>
           <a:p>
             <a:pPr lvl="3"/>
             <a:r>
-              <a:rPr lang="en-US" smtClean="0"/>
+              <a:rPr lang="en-US"/>
               <a:t>Fourth level</a:t>
             </a:r>
           </a:p>
           <a:p>
             <a:pPr lvl="4"/>
             <a:r>
-              <a:rPr lang="en-US" smtClean="0"/>
+              <a:rPr lang="en-US"/>
               <a:t>Fifth level</a:t>
             </a:r>
-            <a:endParaRPr lang="en-US"/>
           </a:p>
         </p:txBody>
       </p:sp>
@@ -2570,7 +2549,7 @@
           <a:p>
             <a:fld id="{5F8C1D27-7054-4C6B-8816-BEAA3AD2E28B}" type="datetimeFigureOut">
               <a:rPr lang="en-US" smtClean="0"/>
-              <a:t>7/2/2016</a:t>
+              <a:t>5/8/18</a:t>
             </a:fld>
             <a:endParaRPr lang="en-US"/>
           </a:p>
@@ -3000,16 +2979,76 @@
                 <a:tableStyleId>{5C22544A-7EE6-4342-B048-85BDC9FD1C3A}</a:tableStyleId>
               </a:tblPr>
               <a:tblGrid>
-                <a:gridCol w="901522"/>
-                <a:gridCol w="901522"/>
-                <a:gridCol w="901522"/>
-                <a:gridCol w="901522"/>
-                <a:gridCol w="901522"/>
-                <a:gridCol w="901522"/>
-                <a:gridCol w="901522"/>
-                <a:gridCol w="901522"/>
-                <a:gridCol w="901522"/>
-                <a:gridCol w="901522"/>
+                <a:gridCol w="901522">
+                  <a:extLst>
+                    <a:ext uri="{9D8B030D-6E8A-4147-A177-3AD203B41FA5}">
+                      <a16:colId xmlns:a16="http://schemas.microsoft.com/office/drawing/2014/main" val="20000"/>
+                    </a:ext>
+                  </a:extLst>
+                </a:gridCol>
+                <a:gridCol w="901522">
+                  <a:extLst>
+                    <a:ext uri="{9D8B030D-6E8A-4147-A177-3AD203B41FA5}">
+                      <a16:colId xmlns:a16="http://schemas.microsoft.com/office/drawing/2014/main" val="20001"/>
+                    </a:ext>
+                  </a:extLst>
+                </a:gridCol>
+                <a:gridCol w="901522">
+                  <a:extLst>
+                    <a:ext uri="{9D8B030D-6E8A-4147-A177-3AD203B41FA5}">
+                      <a16:colId xmlns:a16="http://schemas.microsoft.com/office/drawing/2014/main" val="20002"/>
+                    </a:ext>
+                  </a:extLst>
+                </a:gridCol>
+                <a:gridCol w="901522">
+                  <a:extLst>
+                    <a:ext uri="{9D8B030D-6E8A-4147-A177-3AD203B41FA5}">
+                      <a16:colId xmlns:a16="http://schemas.microsoft.com/office/drawing/2014/main" val="20003"/>
+                    </a:ext>
+                  </a:extLst>
+                </a:gridCol>
+                <a:gridCol w="901522">
+                  <a:extLst>
+                    <a:ext uri="{9D8B030D-6E8A-4147-A177-3AD203B41FA5}">
+                      <a16:colId xmlns:a16="http://schemas.microsoft.com/office/drawing/2014/main" val="20004"/>
+                    </a:ext>
+                  </a:extLst>
+                </a:gridCol>
+                <a:gridCol w="901522">
+                  <a:extLst>
+                    <a:ext uri="{9D8B030D-6E8A-4147-A177-3AD203B41FA5}">
+                      <a16:colId xmlns:a16="http://schemas.microsoft.com/office/drawing/2014/main" val="20005"/>
+                    </a:ext>
+                  </a:extLst>
+                </a:gridCol>
+                <a:gridCol w="901522">
+                  <a:extLst>
+                    <a:ext uri="{9D8B030D-6E8A-4147-A177-3AD203B41FA5}">
+                      <a16:colId xmlns:a16="http://schemas.microsoft.com/office/drawing/2014/main" val="20006"/>
+                    </a:ext>
+                  </a:extLst>
+                </a:gridCol>
+                <a:gridCol w="901522">
+                  <a:extLst>
+                    <a:ext uri="{9D8B030D-6E8A-4147-A177-3AD203B41FA5}">
+                      <a16:colId xmlns:a16="http://schemas.microsoft.com/office/drawing/2014/main" val="20007"/>
+                    </a:ext>
+                  </a:extLst>
+                </a:gridCol>
+                <a:gridCol w="901522">
+                  <a:extLst>
+                    <a:ext uri="{9D8B030D-6E8A-4147-A177-3AD203B41FA5}">
+                      <a16:colId xmlns:a16="http://schemas.microsoft.com/office/drawing/2014/main" val="20008"/>
+                    </a:ext>
+                  </a:extLst>
+                </a:gridCol>
+                <a:gridCol w="901522">
+                  <a:extLst>
+                    <a:ext uri="{9D8B030D-6E8A-4147-A177-3AD203B41FA5}">
+                      <a16:colId xmlns:a16="http://schemas.microsoft.com/office/drawing/2014/main" val="20009"/>
+                    </a:ext>
+                  </a:extLst>
+                </a:gridCol>
               </a:tblGrid>
               <a:tr h="613987">
                 <a:tc>
@@ -3019,18 +3058,13 @@
                     <a:p>
                       <a:pPr algn="ctr"/>
                       <a:r>
-                        <a:rPr lang="en-US" sz="3200" dirty="0" smtClean="0">
+                        <a:rPr lang="en-US" sz="3200" dirty="0">
                           <a:solidFill>
                             <a:schemeClr val="tx1"/>
                           </a:solidFill>
                         </a:rPr>
                         <a:t>0</a:t>
                       </a:r>
-                      <a:endParaRPr lang="en-US" sz="3200" dirty="0">
-                        <a:solidFill>
-                          <a:schemeClr val="tx1"/>
-                        </a:solidFill>
-                      </a:endParaRPr>
                     </a:p>
                   </a:txBody>
                   <a:tcPr>
@@ -3090,18 +3124,13 @@
                     <a:p>
                       <a:pPr algn="ctr"/>
                       <a:r>
-                        <a:rPr lang="en-US" sz="3200" dirty="0" smtClean="0">
+                        <a:rPr lang="en-US" sz="3200" dirty="0">
                           <a:solidFill>
                             <a:schemeClr val="tx1"/>
                           </a:solidFill>
                         </a:rPr>
                         <a:t>1</a:t>
                       </a:r>
-                      <a:endParaRPr lang="en-US" sz="3200" dirty="0">
-                        <a:solidFill>
-                          <a:schemeClr val="tx1"/>
-                        </a:solidFill>
-                      </a:endParaRPr>
                     </a:p>
                   </a:txBody>
                   <a:tcPr>
@@ -3161,18 +3190,13 @@
                     <a:p>
                       <a:pPr algn="ctr"/>
                       <a:r>
-                        <a:rPr lang="en-US" sz="3200" dirty="0" smtClean="0">
+                        <a:rPr lang="en-US" sz="3200" dirty="0">
                           <a:solidFill>
                             <a:schemeClr val="tx1"/>
                           </a:solidFill>
                         </a:rPr>
                         <a:t>2</a:t>
                       </a:r>
-                      <a:endParaRPr lang="en-US" sz="3200" dirty="0">
-                        <a:solidFill>
-                          <a:schemeClr val="tx1"/>
-                        </a:solidFill>
-                      </a:endParaRPr>
                     </a:p>
                   </a:txBody>
                   <a:tcPr>
@@ -3232,18 +3256,13 @@
                     <a:p>
                       <a:pPr algn="ctr"/>
                       <a:r>
-                        <a:rPr lang="en-US" sz="3200" dirty="0" smtClean="0">
+                        <a:rPr lang="en-US" sz="3200" dirty="0">
                           <a:solidFill>
                             <a:schemeClr val="tx1"/>
                           </a:solidFill>
                         </a:rPr>
                         <a:t>3</a:t>
                       </a:r>
-                      <a:endParaRPr lang="en-US" sz="3200" dirty="0">
-                        <a:solidFill>
-                          <a:schemeClr val="tx1"/>
-                        </a:solidFill>
-                      </a:endParaRPr>
                     </a:p>
                   </a:txBody>
                   <a:tcPr>
@@ -3303,18 +3322,13 @@
                     <a:p>
                       <a:pPr algn="ctr"/>
                       <a:r>
-                        <a:rPr lang="en-US" sz="3200" dirty="0" smtClean="0">
+                        <a:rPr lang="en-US" sz="3200" dirty="0">
                           <a:solidFill>
                             <a:schemeClr val="tx1"/>
                           </a:solidFill>
                         </a:rPr>
                         <a:t>4</a:t>
                       </a:r>
-                      <a:endParaRPr lang="en-US" sz="3200" dirty="0">
-                        <a:solidFill>
-                          <a:schemeClr val="tx1"/>
-                        </a:solidFill>
-                      </a:endParaRPr>
                     </a:p>
                   </a:txBody>
                   <a:tcPr>
@@ -3374,18 +3388,13 @@
                     <a:p>
                       <a:pPr algn="ctr"/>
                       <a:r>
-                        <a:rPr lang="en-US" sz="3200" dirty="0" smtClean="0">
+                        <a:rPr lang="en-US" sz="3200" dirty="0">
                           <a:solidFill>
                             <a:schemeClr val="tx1"/>
                           </a:solidFill>
                         </a:rPr>
                         <a:t>5</a:t>
                       </a:r>
-                      <a:endParaRPr lang="en-US" sz="3200" dirty="0">
-                        <a:solidFill>
-                          <a:schemeClr val="tx1"/>
-                        </a:solidFill>
-                      </a:endParaRPr>
                     </a:p>
                   </a:txBody>
                   <a:tcPr>
@@ -3445,18 +3454,13 @@
                     <a:p>
                       <a:pPr algn="ctr"/>
                       <a:r>
-                        <a:rPr lang="en-US" sz="3200" dirty="0" smtClean="0">
+                        <a:rPr lang="en-US" sz="3200" dirty="0">
                           <a:solidFill>
                             <a:schemeClr val="tx1"/>
                           </a:solidFill>
                         </a:rPr>
                         <a:t>6</a:t>
                       </a:r>
-                      <a:endParaRPr lang="en-US" sz="3200" dirty="0">
-                        <a:solidFill>
-                          <a:schemeClr val="tx1"/>
-                        </a:solidFill>
-                      </a:endParaRPr>
                     </a:p>
                   </a:txBody>
                   <a:tcPr>
@@ -3516,18 +3520,13 @@
                     <a:p>
                       <a:pPr algn="ctr"/>
                       <a:r>
-                        <a:rPr lang="en-US" sz="3200" dirty="0" smtClean="0">
+                        <a:rPr lang="en-US" sz="3200" dirty="0">
                           <a:solidFill>
                             <a:schemeClr val="tx1"/>
                           </a:solidFill>
                         </a:rPr>
                         <a:t>7</a:t>
                       </a:r>
-                      <a:endParaRPr lang="en-US" sz="3200" dirty="0">
-                        <a:solidFill>
-                          <a:schemeClr val="tx1"/>
-                        </a:solidFill>
-                      </a:endParaRPr>
                     </a:p>
                   </a:txBody>
                   <a:tcPr>
@@ -3587,18 +3586,13 @@
                     <a:p>
                       <a:pPr algn="ctr"/>
                       <a:r>
-                        <a:rPr lang="en-US" sz="3200" dirty="0" smtClean="0">
+                        <a:rPr lang="en-US" sz="3200" dirty="0">
                           <a:solidFill>
                             <a:schemeClr val="tx1"/>
                           </a:solidFill>
                         </a:rPr>
                         <a:t>8</a:t>
                       </a:r>
-                      <a:endParaRPr lang="en-US" sz="3200" dirty="0">
-                        <a:solidFill>
-                          <a:schemeClr val="tx1"/>
-                        </a:solidFill>
-                      </a:endParaRPr>
                     </a:p>
                   </a:txBody>
                   <a:tcPr>
@@ -3658,18 +3652,13 @@
                     <a:p>
                       <a:pPr algn="ctr"/>
                       <a:r>
-                        <a:rPr lang="en-US" sz="3200" dirty="0" smtClean="0">
+                        <a:rPr lang="en-US" sz="3200" dirty="0">
                           <a:solidFill>
                             <a:schemeClr val="tx1"/>
                           </a:solidFill>
                         </a:rPr>
                         <a:t>9</a:t>
                       </a:r>
-                      <a:endParaRPr lang="en-US" sz="3200" dirty="0">
-                        <a:solidFill>
-                          <a:schemeClr val="tx1"/>
-                        </a:solidFill>
-                      </a:endParaRPr>
                     </a:p>
                   </a:txBody>
                   <a:tcPr>
@@ -3722,6 +3711,11 @@
                     </a:solidFill>
                   </a:tcPr>
                 </a:tc>
+                <a:extLst>
+                  <a:ext uri="{0D108BD9-81ED-4DB2-BD59-A6C34878D82A}">
+                    <a16:rowId xmlns:a16="http://schemas.microsoft.com/office/drawing/2014/main" val="10000"/>
+                  </a:ext>
+                </a:extLst>
               </a:tr>
             </a:tbl>
           </a:graphicData>
@@ -3782,16 +3776,76 @@
                 <a:tableStyleId>{5C22544A-7EE6-4342-B048-85BDC9FD1C3A}</a:tableStyleId>
               </a:tblPr>
               <a:tblGrid>
-                <a:gridCol w="901522"/>
-                <a:gridCol w="901522"/>
-                <a:gridCol w="901522"/>
-                <a:gridCol w="901522"/>
-                <a:gridCol w="901522"/>
-                <a:gridCol w="901522"/>
-                <a:gridCol w="901522"/>
-                <a:gridCol w="901522"/>
-                <a:gridCol w="901522"/>
-                <a:gridCol w="901522"/>
+                <a:gridCol w="901522">
+                  <a:extLst>
+                    <a:ext uri="{9D8B030D-6E8A-4147-A177-3AD203B41FA5}">
+                      <a16:colId xmlns:a16="http://schemas.microsoft.com/office/drawing/2014/main" val="20000"/>
+                    </a:ext>
+                  </a:extLst>
+                </a:gridCol>
+                <a:gridCol w="901522">
+                  <a:extLst>
+                    <a:ext uri="{9D8B030D-6E8A-4147-A177-3AD203B41FA5}">
+                      <a16:colId xmlns:a16="http://schemas.microsoft.com/office/drawing/2014/main" val="20001"/>
+                    </a:ext>
+                  </a:extLst>
+                </a:gridCol>
+                <a:gridCol w="901522">
+                  <a:extLst>
+                    <a:ext uri="{9D8B030D-6E8A-4147-A177-3AD203B41FA5}">
+                      <a16:colId xmlns:a16="http://schemas.microsoft.com/office/drawing/2014/main" val="20002"/>
+                    </a:ext>
+                  </a:extLst>
+                </a:gridCol>
+                <a:gridCol w="901522">
+                  <a:extLst>
+                    <a:ext uri="{9D8B030D-6E8A-4147-A177-3AD203B41FA5}">
+                      <a16:colId xmlns:a16="http://schemas.microsoft.com/office/drawing/2014/main" val="20003"/>
+                    </a:ext>
+                  </a:extLst>
+                </a:gridCol>
+                <a:gridCol w="901522">
+                  <a:extLst>
+                    <a:ext uri="{9D8B030D-6E8A-4147-A177-3AD203B41FA5}">
+                      <a16:colId xmlns:a16="http://schemas.microsoft.com/office/drawing/2014/main" val="20004"/>
+                    </a:ext>
+                  </a:extLst>
+                </a:gridCol>
+                <a:gridCol w="901522">
+                  <a:extLst>
+                    <a:ext uri="{9D8B030D-6E8A-4147-A177-3AD203B41FA5}">
+                      <a16:colId xmlns:a16="http://schemas.microsoft.com/office/drawing/2014/main" val="20005"/>
+                    </a:ext>
+                  </a:extLst>
+                </a:gridCol>
+                <a:gridCol w="901522">
+                  <a:extLst>
+                    <a:ext uri="{9D8B030D-6E8A-4147-A177-3AD203B41FA5}">
+                      <a16:colId xmlns:a16="http://schemas.microsoft.com/office/drawing/2014/main" val="20006"/>
+                    </a:ext>
+                  </a:extLst>
+                </a:gridCol>
+                <a:gridCol w="901522">
+                  <a:extLst>
+                    <a:ext uri="{9D8B030D-6E8A-4147-A177-3AD203B41FA5}">
+                      <a16:colId xmlns:a16="http://schemas.microsoft.com/office/drawing/2014/main" val="20007"/>
+                    </a:ext>
+                  </a:extLst>
+                </a:gridCol>
+                <a:gridCol w="901522">
+                  <a:extLst>
+                    <a:ext uri="{9D8B030D-6E8A-4147-A177-3AD203B41FA5}">
+                      <a16:colId xmlns:a16="http://schemas.microsoft.com/office/drawing/2014/main" val="20008"/>
+                    </a:ext>
+                  </a:extLst>
+                </a:gridCol>
+                <a:gridCol w="901522">
+                  <a:extLst>
+                    <a:ext uri="{9D8B030D-6E8A-4147-A177-3AD203B41FA5}">
+                      <a16:colId xmlns:a16="http://schemas.microsoft.com/office/drawing/2014/main" val="20009"/>
+                    </a:ext>
+                  </a:extLst>
+                </a:gridCol>
               </a:tblGrid>
               <a:tr h="613987">
                 <a:tc>
@@ -3801,7 +3855,7 @@
                     <a:p>
                       <a:pPr algn="l"/>
                       <a:r>
-                        <a:rPr lang="en-US" sz="2000" i="0" dirty="0" smtClean="0">
+                        <a:rPr lang="en-US" sz="2000" i="0" dirty="0">
                           <a:solidFill>
                             <a:schemeClr val="tx1"/>
                           </a:solidFill>
@@ -3809,18 +3863,13 @@
                         <a:t>|</a:t>
                       </a:r>
                       <a:r>
-                        <a:rPr lang="en-US" sz="2000" i="1" dirty="0" smtClean="0">
+                        <a:rPr lang="en-US" sz="2000" i="1" dirty="0">
                           <a:solidFill>
                             <a:schemeClr val="tx1"/>
                           </a:solidFill>
                         </a:rPr>
                         <a:t>x</a:t>
                       </a:r>
-                      <a:endParaRPr lang="en-US" sz="2000" i="1" dirty="0">
-                        <a:solidFill>
-                          <a:schemeClr val="tx1"/>
-                        </a:solidFill>
-                      </a:endParaRPr>
                     </a:p>
                   </a:txBody>
                   <a:tcPr>
@@ -3872,7 +3921,7 @@
                     <a:p>
                       <a:pPr algn="l"/>
                       <a:r>
-                        <a:rPr lang="en-US" sz="2000" i="0" dirty="0" smtClean="0">
+                        <a:rPr lang="en-US" sz="2000" i="0" dirty="0">
                           <a:solidFill>
                             <a:schemeClr val="tx1"/>
                           </a:solidFill>
@@ -3880,7 +3929,7 @@
                         <a:t>|</a:t>
                       </a:r>
                       <a:r>
-                        <a:rPr lang="en-US" sz="2000" i="1" dirty="0" err="1" smtClean="0">
+                        <a:rPr lang="en-US" sz="2000" i="1" dirty="0" err="1">
                           <a:solidFill>
                             <a:schemeClr val="tx1"/>
                           </a:solidFill>
@@ -3888,7 +3937,7 @@
                         <a:t>x</a:t>
                       </a:r>
                       <a:r>
-                        <a:rPr lang="en-US" sz="2000" i="0" dirty="0" err="1" smtClean="0">
+                        <a:rPr lang="en-US" sz="2000" i="0" dirty="0" err="1">
                           <a:solidFill>
                             <a:schemeClr val="tx1"/>
                           </a:solidFill>
@@ -3896,7 +3945,7 @@
                         <a:t>+</a:t>
                       </a:r>
                       <a:r>
-                        <a:rPr lang="en-US" sz="2000" i="1" dirty="0" err="1" smtClean="0">
+                        <a:rPr lang="en-US" sz="2000" i="1" dirty="0" err="1">
                           <a:solidFill>
                             <a:schemeClr val="tx1"/>
                           </a:solidFill>
@@ -3959,7 +4008,7 @@
                     <a:p>
                       <a:pPr algn="l"/>
                       <a:r>
-                        <a:rPr lang="en-US" sz="2000" i="0" dirty="0" smtClean="0">
+                        <a:rPr lang="en-US" sz="2000" i="0" dirty="0">
                           <a:solidFill>
                             <a:schemeClr val="tx1"/>
                           </a:solidFill>
@@ -3967,7 +4016,7 @@
                         <a:t>|</a:t>
                       </a:r>
                       <a:r>
-                        <a:rPr lang="en-US" sz="2000" i="1" dirty="0" smtClean="0">
+                        <a:rPr lang="en-US" sz="2000" i="1" dirty="0">
                           <a:solidFill>
                             <a:schemeClr val="tx1"/>
                           </a:solidFill>
@@ -3975,7 +4024,7 @@
                         <a:t>x</a:t>
                       </a:r>
                       <a:r>
-                        <a:rPr lang="en-US" sz="2000" i="0" dirty="0" smtClean="0">
+                        <a:rPr lang="en-US" sz="2000" i="0" dirty="0">
                           <a:solidFill>
                             <a:schemeClr val="tx1"/>
                           </a:solidFill>
@@ -3983,18 +4032,13 @@
                         <a:t>+2</a:t>
                       </a:r>
                       <a:r>
-                        <a:rPr lang="en-US" sz="2000" i="1" dirty="0" smtClean="0">
+                        <a:rPr lang="en-US" sz="2000" i="1" dirty="0">
                           <a:solidFill>
                             <a:schemeClr val="tx1"/>
                           </a:solidFill>
                         </a:rPr>
                         <a:t>b</a:t>
                       </a:r>
-                      <a:endParaRPr lang="en-US" sz="2000" i="1" dirty="0">
-                        <a:solidFill>
-                          <a:schemeClr val="tx1"/>
-                        </a:solidFill>
-                      </a:endParaRPr>
                     </a:p>
                   </a:txBody>
                   <a:tcPr>
@@ -4046,7 +4090,7 @@
                     <a:p>
                       <a:pPr algn="l"/>
                       <a:r>
-                        <a:rPr lang="en-US" sz="2000" i="0" dirty="0" smtClean="0">
+                        <a:rPr lang="en-US" sz="2000" i="0" dirty="0">
                           <a:solidFill>
                             <a:schemeClr val="tx1"/>
                           </a:solidFill>
@@ -4054,7 +4098,7 @@
                         <a:t>|</a:t>
                       </a:r>
                       <a:r>
-                        <a:rPr lang="en-US" sz="2000" i="1" dirty="0" smtClean="0">
+                        <a:rPr lang="en-US" sz="2000" i="1" dirty="0">
                           <a:solidFill>
                             <a:schemeClr val="tx1"/>
                           </a:solidFill>
@@ -4062,7 +4106,7 @@
                         <a:t>x</a:t>
                       </a:r>
                       <a:r>
-                        <a:rPr lang="en-US" sz="2000" i="0" dirty="0" smtClean="0">
+                        <a:rPr lang="en-US" sz="2000" i="0" dirty="0">
                           <a:solidFill>
                             <a:schemeClr val="tx1"/>
                           </a:solidFill>
@@ -4070,18 +4114,13 @@
                         <a:t>+3</a:t>
                       </a:r>
                       <a:r>
-                        <a:rPr lang="en-US" sz="2000" i="1" dirty="0" smtClean="0">
+                        <a:rPr lang="en-US" sz="2000" i="1" dirty="0">
                           <a:solidFill>
                             <a:schemeClr val="tx1"/>
                           </a:solidFill>
                         </a:rPr>
                         <a:t>b</a:t>
                       </a:r>
-                      <a:endParaRPr lang="en-US" sz="2000" i="1" dirty="0">
-                        <a:solidFill>
-                          <a:schemeClr val="tx1"/>
-                        </a:solidFill>
-                      </a:endParaRPr>
                     </a:p>
                   </a:txBody>
                   <a:tcPr>
@@ -4133,7 +4172,7 @@
                     <a:p>
                       <a:pPr algn="l"/>
                       <a:r>
-                        <a:rPr lang="en-US" sz="2000" i="0" dirty="0" smtClean="0">
+                        <a:rPr lang="en-US" sz="2000" i="0" dirty="0">
                           <a:solidFill>
                             <a:schemeClr val="tx1"/>
                           </a:solidFill>
@@ -4141,7 +4180,7 @@
                         <a:t>|</a:t>
                       </a:r>
                       <a:r>
-                        <a:rPr lang="en-US" sz="2000" i="1" dirty="0" smtClean="0">
+                        <a:rPr lang="en-US" sz="2000" i="1" dirty="0">
                           <a:solidFill>
                             <a:schemeClr val="tx1"/>
                           </a:solidFill>
@@ -4149,7 +4188,7 @@
                         <a:t>x</a:t>
                       </a:r>
                       <a:r>
-                        <a:rPr lang="en-US" sz="2000" i="0" dirty="0" smtClean="0">
+                        <a:rPr lang="en-US" sz="2000" i="0" dirty="0">
                           <a:solidFill>
                             <a:schemeClr val="tx1"/>
                           </a:solidFill>
@@ -4157,18 +4196,13 @@
                         <a:t>+4</a:t>
                       </a:r>
                       <a:r>
-                        <a:rPr lang="en-US" sz="2000" i="1" dirty="0" smtClean="0">
+                        <a:rPr lang="en-US" sz="2000" i="1" dirty="0">
                           <a:solidFill>
                             <a:schemeClr val="tx1"/>
                           </a:solidFill>
                         </a:rPr>
                         <a:t>b</a:t>
                       </a:r>
-                      <a:endParaRPr lang="en-US" sz="2000" i="1" dirty="0">
-                        <a:solidFill>
-                          <a:schemeClr val="tx1"/>
-                        </a:solidFill>
-                      </a:endParaRPr>
                     </a:p>
                   </a:txBody>
                   <a:tcPr>
@@ -4220,7 +4254,7 @@
                     <a:p>
                       <a:pPr algn="l"/>
                       <a:r>
-                        <a:rPr lang="en-US" sz="2000" i="0" dirty="0" smtClean="0">
+                        <a:rPr lang="en-US" sz="2000" i="0" dirty="0">
                           <a:solidFill>
                             <a:schemeClr val="tx1"/>
                           </a:solidFill>
@@ -4228,7 +4262,7 @@
                         <a:t>|</a:t>
                       </a:r>
                       <a:r>
-                        <a:rPr lang="en-US" sz="2000" i="1" dirty="0" smtClean="0">
+                        <a:rPr lang="en-US" sz="2000" i="1" dirty="0">
                           <a:solidFill>
                             <a:schemeClr val="tx1"/>
                           </a:solidFill>
@@ -4236,7 +4270,7 @@
                         <a:t>x</a:t>
                       </a:r>
                       <a:r>
-                        <a:rPr lang="en-US" sz="2000" i="0" dirty="0" smtClean="0">
+                        <a:rPr lang="en-US" sz="2000" i="0" dirty="0">
                           <a:solidFill>
                             <a:schemeClr val="tx1"/>
                           </a:solidFill>
@@ -4244,18 +4278,13 @@
                         <a:t>+5</a:t>
                       </a:r>
                       <a:r>
-                        <a:rPr lang="en-US" sz="2000" i="1" dirty="0" smtClean="0">
+                        <a:rPr lang="en-US" sz="2000" i="1" dirty="0">
                           <a:solidFill>
                             <a:schemeClr val="tx1"/>
                           </a:solidFill>
                         </a:rPr>
                         <a:t>b</a:t>
                       </a:r>
-                      <a:endParaRPr lang="en-US" sz="2000" i="1" dirty="0">
-                        <a:solidFill>
-                          <a:schemeClr val="tx1"/>
-                        </a:solidFill>
-                      </a:endParaRPr>
                     </a:p>
                   </a:txBody>
                   <a:tcPr>
@@ -4307,7 +4336,7 @@
                     <a:p>
                       <a:pPr algn="l"/>
                       <a:r>
-                        <a:rPr lang="en-US" sz="2000" i="0" dirty="0" smtClean="0">
+                        <a:rPr lang="en-US" sz="2000" i="0" dirty="0">
                           <a:solidFill>
                             <a:schemeClr val="tx1"/>
                           </a:solidFill>
@@ -4315,7 +4344,7 @@
                         <a:t>|</a:t>
                       </a:r>
                       <a:r>
-                        <a:rPr lang="en-US" sz="2000" i="1" dirty="0" smtClean="0">
+                        <a:rPr lang="en-US" sz="2000" i="1" dirty="0">
                           <a:solidFill>
                             <a:schemeClr val="tx1"/>
                           </a:solidFill>
@@ -4323,7 +4352,7 @@
                         <a:t>x</a:t>
                       </a:r>
                       <a:r>
-                        <a:rPr lang="en-US" sz="2000" i="0" dirty="0" smtClean="0">
+                        <a:rPr lang="en-US" sz="2000" i="0" dirty="0">
                           <a:solidFill>
                             <a:schemeClr val="tx1"/>
                           </a:solidFill>
@@ -4331,18 +4360,13 @@
                         <a:t>+6</a:t>
                       </a:r>
                       <a:r>
-                        <a:rPr lang="en-US" sz="2000" i="1" dirty="0" smtClean="0">
+                        <a:rPr lang="en-US" sz="2000" i="1" dirty="0">
                           <a:solidFill>
                             <a:schemeClr val="tx1"/>
                           </a:solidFill>
                         </a:rPr>
                         <a:t>b</a:t>
                       </a:r>
-                      <a:endParaRPr lang="en-US" sz="2000" i="1" dirty="0">
-                        <a:solidFill>
-                          <a:schemeClr val="tx1"/>
-                        </a:solidFill>
-                      </a:endParaRPr>
                     </a:p>
                   </a:txBody>
                   <a:tcPr>
@@ -4394,7 +4418,7 @@
                     <a:p>
                       <a:pPr algn="l"/>
                       <a:r>
-                        <a:rPr lang="en-US" sz="2000" i="0" dirty="0" smtClean="0">
+                        <a:rPr lang="en-US" sz="2000" i="0" dirty="0">
                           <a:solidFill>
                             <a:schemeClr val="tx1"/>
                           </a:solidFill>
@@ -4402,7 +4426,7 @@
                         <a:t>|</a:t>
                       </a:r>
                       <a:r>
-                        <a:rPr lang="en-US" sz="2000" i="1" dirty="0" smtClean="0">
+                        <a:rPr lang="en-US" sz="2000" i="1" dirty="0">
                           <a:solidFill>
                             <a:schemeClr val="tx1"/>
                           </a:solidFill>
@@ -4410,7 +4434,7 @@
                         <a:t>x</a:t>
                       </a:r>
                       <a:r>
-                        <a:rPr lang="en-US" sz="2000" i="0" dirty="0" smtClean="0">
+                        <a:rPr lang="en-US" sz="2000" i="0" dirty="0">
                           <a:solidFill>
                             <a:schemeClr val="tx1"/>
                           </a:solidFill>
@@ -4418,18 +4442,13 @@
                         <a:t>+7</a:t>
                       </a:r>
                       <a:r>
-                        <a:rPr lang="en-US" sz="2000" i="1" dirty="0" smtClean="0">
+                        <a:rPr lang="en-US" sz="2000" i="1" dirty="0">
                           <a:solidFill>
                             <a:schemeClr val="tx1"/>
                           </a:solidFill>
                         </a:rPr>
                         <a:t>b</a:t>
                       </a:r>
-                      <a:endParaRPr lang="en-US" sz="2000" i="1" dirty="0">
-                        <a:solidFill>
-                          <a:schemeClr val="tx1"/>
-                        </a:solidFill>
-                      </a:endParaRPr>
                     </a:p>
                   </a:txBody>
                   <a:tcPr>
@@ -4481,7 +4500,7 @@
                     <a:p>
                       <a:pPr algn="l"/>
                       <a:r>
-                        <a:rPr lang="en-US" sz="2000" i="0" dirty="0" smtClean="0">
+                        <a:rPr lang="en-US" sz="2000" i="0" dirty="0">
                           <a:solidFill>
                             <a:schemeClr val="tx1"/>
                           </a:solidFill>
@@ -4489,7 +4508,7 @@
                         <a:t>|</a:t>
                       </a:r>
                       <a:r>
-                        <a:rPr lang="en-US" sz="2000" i="1" dirty="0" smtClean="0">
+                        <a:rPr lang="en-US" sz="2000" i="1" dirty="0">
                           <a:solidFill>
                             <a:schemeClr val="tx1"/>
                           </a:solidFill>
@@ -4497,7 +4516,7 @@
                         <a:t>x</a:t>
                       </a:r>
                       <a:r>
-                        <a:rPr lang="en-US" sz="2000" i="0" dirty="0" smtClean="0">
+                        <a:rPr lang="en-US" sz="2000" i="0" dirty="0">
                           <a:solidFill>
                             <a:schemeClr val="tx1"/>
                           </a:solidFill>
@@ -4505,18 +4524,13 @@
                         <a:t>+8</a:t>
                       </a:r>
                       <a:r>
-                        <a:rPr lang="en-US" sz="2000" i="1" dirty="0" smtClean="0">
+                        <a:rPr lang="en-US" sz="2000" i="1" dirty="0">
                           <a:solidFill>
                             <a:schemeClr val="tx1"/>
                           </a:solidFill>
                         </a:rPr>
                         <a:t>b</a:t>
                       </a:r>
-                      <a:endParaRPr lang="en-US" sz="2000" i="1" dirty="0">
-                        <a:solidFill>
-                          <a:schemeClr val="tx1"/>
-                        </a:solidFill>
-                      </a:endParaRPr>
                     </a:p>
                   </a:txBody>
                   <a:tcPr>
@@ -4568,7 +4582,7 @@
                     <a:p>
                       <a:pPr algn="l"/>
                       <a:r>
-                        <a:rPr lang="en-US" sz="2000" i="0" dirty="0" smtClean="0">
+                        <a:rPr lang="en-US" sz="2000" i="0" dirty="0">
                           <a:solidFill>
                             <a:schemeClr val="tx1"/>
                           </a:solidFill>
@@ -4576,7 +4590,7 @@
                         <a:t>|</a:t>
                       </a:r>
                       <a:r>
-                        <a:rPr lang="en-US" sz="2000" i="1" dirty="0" smtClean="0">
+                        <a:rPr lang="en-US" sz="2000" i="1" dirty="0">
                           <a:solidFill>
                             <a:schemeClr val="tx1"/>
                           </a:solidFill>
@@ -4584,7 +4598,7 @@
                         <a:t>x</a:t>
                       </a:r>
                       <a:r>
-                        <a:rPr lang="en-US" sz="2000" i="0" dirty="0" smtClean="0">
+                        <a:rPr lang="en-US" sz="2000" i="0" dirty="0">
                           <a:solidFill>
                             <a:schemeClr val="tx1"/>
                           </a:solidFill>
@@ -4592,18 +4606,13 @@
                         <a:t>+9</a:t>
                       </a:r>
                       <a:r>
-                        <a:rPr lang="en-US" sz="2000" i="1" dirty="0" smtClean="0">
+                        <a:rPr lang="en-US" sz="2000" i="1" dirty="0">
                           <a:solidFill>
                             <a:schemeClr val="tx1"/>
                           </a:solidFill>
                         </a:rPr>
                         <a:t>b</a:t>
                       </a:r>
-                      <a:endParaRPr lang="en-US" sz="2000" i="1" dirty="0">
-                        <a:solidFill>
-                          <a:schemeClr val="tx1"/>
-                        </a:solidFill>
-                      </a:endParaRPr>
                     </a:p>
                   </a:txBody>
                   <a:tcPr>
@@ -4648,6 +4657,11 @@
                     </a:solidFill>
                   </a:tcPr>
                 </a:tc>
+                <a:extLst>
+                  <a:ext uri="{0D108BD9-81ED-4DB2-BD59-A6C34878D82A}">
+                    <a16:rowId xmlns:a16="http://schemas.microsoft.com/office/drawing/2014/main" val="10000"/>
+                  </a:ext>
+                </a:extLst>
               </a:tr>
             </a:tbl>
           </a:graphicData>
@@ -4678,16 +4692,76 @@
                 <a:tableStyleId>{5C22544A-7EE6-4342-B048-85BDC9FD1C3A}</a:tableStyleId>
               </a:tblPr>
               <a:tblGrid>
-                <a:gridCol w="901522"/>
-                <a:gridCol w="901522"/>
-                <a:gridCol w="901522"/>
-                <a:gridCol w="901522"/>
-                <a:gridCol w="901522"/>
-                <a:gridCol w="901522"/>
-                <a:gridCol w="901522"/>
-                <a:gridCol w="901522"/>
-                <a:gridCol w="901522"/>
-                <a:gridCol w="901522"/>
+                <a:gridCol w="901522">
+                  <a:extLst>
+                    <a:ext uri="{9D8B030D-6E8A-4147-A177-3AD203B41FA5}">
+                      <a16:colId xmlns:a16="http://schemas.microsoft.com/office/drawing/2014/main" val="20000"/>
+                    </a:ext>
+                  </a:extLst>
+                </a:gridCol>
+                <a:gridCol w="901522">
+                  <a:extLst>
+                    <a:ext uri="{9D8B030D-6E8A-4147-A177-3AD203B41FA5}">
+                      <a16:colId xmlns:a16="http://schemas.microsoft.com/office/drawing/2014/main" val="20001"/>
+                    </a:ext>
+                  </a:extLst>
+                </a:gridCol>
+                <a:gridCol w="901522">
+                  <a:extLst>
+                    <a:ext uri="{9D8B030D-6E8A-4147-A177-3AD203B41FA5}">
+                      <a16:colId xmlns:a16="http://schemas.microsoft.com/office/drawing/2014/main" val="20002"/>
+                    </a:ext>
+                  </a:extLst>
+                </a:gridCol>
+                <a:gridCol w="901522">
+                  <a:extLst>
+                    <a:ext uri="{9D8B030D-6E8A-4147-A177-3AD203B41FA5}">
+                      <a16:colId xmlns:a16="http://schemas.microsoft.com/office/drawing/2014/main" val="20003"/>
+                    </a:ext>
+                  </a:extLst>
+                </a:gridCol>
+                <a:gridCol w="901522">
+                  <a:extLst>
+                    <a:ext uri="{9D8B030D-6E8A-4147-A177-3AD203B41FA5}">
+                      <a16:colId xmlns:a16="http://schemas.microsoft.com/office/drawing/2014/main" val="20004"/>
+                    </a:ext>
+                  </a:extLst>
+                </a:gridCol>
+                <a:gridCol w="901522">
+                  <a:extLst>
+                    <a:ext uri="{9D8B030D-6E8A-4147-A177-3AD203B41FA5}">
+                      <a16:colId xmlns:a16="http://schemas.microsoft.com/office/drawing/2014/main" val="20005"/>
+                    </a:ext>
+                  </a:extLst>
+                </a:gridCol>
+                <a:gridCol w="901522">
+                  <a:extLst>
+                    <a:ext uri="{9D8B030D-6E8A-4147-A177-3AD203B41FA5}">
+                      <a16:colId xmlns:a16="http://schemas.microsoft.com/office/drawing/2014/main" val="20006"/>
+                    </a:ext>
+                  </a:extLst>
+                </a:gridCol>
+                <a:gridCol w="901522">
+                  <a:extLst>
+                    <a:ext uri="{9D8B030D-6E8A-4147-A177-3AD203B41FA5}">
+                      <a16:colId xmlns:a16="http://schemas.microsoft.com/office/drawing/2014/main" val="20007"/>
+                    </a:ext>
+                  </a:extLst>
+                </a:gridCol>
+                <a:gridCol w="901522">
+                  <a:extLst>
+                    <a:ext uri="{9D8B030D-6E8A-4147-A177-3AD203B41FA5}">
+                      <a16:colId xmlns:a16="http://schemas.microsoft.com/office/drawing/2014/main" val="20008"/>
+                    </a:ext>
+                  </a:extLst>
+                </a:gridCol>
+                <a:gridCol w="901522">
+                  <a:extLst>
+                    <a:ext uri="{9D8B030D-6E8A-4147-A177-3AD203B41FA5}">
+                      <a16:colId xmlns:a16="http://schemas.microsoft.com/office/drawing/2014/main" val="20009"/>
+                    </a:ext>
+                  </a:extLst>
+                </a:gridCol>
               </a:tblGrid>
               <a:tr h="613987">
                 <a:tc>
@@ -4697,18 +4771,13 @@
                     <a:p>
                       <a:pPr algn="ctr"/>
                       <a:r>
-                        <a:rPr lang="en-US" sz="3200" dirty="0" smtClean="0">
+                        <a:rPr lang="en-US" sz="3200" dirty="0">
                           <a:solidFill>
                             <a:schemeClr val="tx1"/>
                           </a:solidFill>
                         </a:rPr>
                         <a:t>0</a:t>
                       </a:r>
-                      <a:endParaRPr lang="en-US" sz="3200" dirty="0">
-                        <a:solidFill>
-                          <a:schemeClr val="tx1"/>
-                        </a:solidFill>
-                      </a:endParaRPr>
                     </a:p>
                   </a:txBody>
                   <a:tcPr>
@@ -4768,18 +4837,13 @@
                     <a:p>
                       <a:pPr algn="ctr"/>
                       <a:r>
-                        <a:rPr lang="en-US" sz="3200" dirty="0" smtClean="0">
+                        <a:rPr lang="en-US" sz="3200" dirty="0">
                           <a:solidFill>
                             <a:schemeClr val="tx1"/>
                           </a:solidFill>
                         </a:rPr>
                         <a:t>1</a:t>
                       </a:r>
-                      <a:endParaRPr lang="en-US" sz="3200" dirty="0">
-                        <a:solidFill>
-                          <a:schemeClr val="tx1"/>
-                        </a:solidFill>
-                      </a:endParaRPr>
                     </a:p>
                   </a:txBody>
                   <a:tcPr>
@@ -4839,18 +4903,13 @@
                     <a:p>
                       <a:pPr algn="ctr"/>
                       <a:r>
-                        <a:rPr lang="en-US" sz="3200" dirty="0" smtClean="0">
+                        <a:rPr lang="en-US" sz="3200" dirty="0">
                           <a:solidFill>
                             <a:schemeClr val="tx1"/>
                           </a:solidFill>
                         </a:rPr>
                         <a:t>2</a:t>
                       </a:r>
-                      <a:endParaRPr lang="en-US" sz="3200" dirty="0">
-                        <a:solidFill>
-                          <a:schemeClr val="tx1"/>
-                        </a:solidFill>
-                      </a:endParaRPr>
                     </a:p>
                   </a:txBody>
                   <a:tcPr>
@@ -4910,18 +4969,13 @@
                     <a:p>
                       <a:pPr algn="ctr"/>
                       <a:r>
-                        <a:rPr lang="en-US" sz="3200" dirty="0" smtClean="0">
+                        <a:rPr lang="en-US" sz="3200" dirty="0">
                           <a:solidFill>
                             <a:schemeClr val="tx1"/>
                           </a:solidFill>
                         </a:rPr>
                         <a:t>3</a:t>
                       </a:r>
-                      <a:endParaRPr lang="en-US" sz="3200" dirty="0">
-                        <a:solidFill>
-                          <a:schemeClr val="tx1"/>
-                        </a:solidFill>
-                      </a:endParaRPr>
                     </a:p>
                   </a:txBody>
                   <a:tcPr>
@@ -4981,18 +5035,13 @@
                     <a:p>
                       <a:pPr algn="ctr"/>
                       <a:r>
-                        <a:rPr lang="en-US" sz="3200" dirty="0" smtClean="0">
+                        <a:rPr lang="en-US" sz="3200" dirty="0">
                           <a:solidFill>
                             <a:schemeClr val="tx1"/>
                           </a:solidFill>
                         </a:rPr>
                         <a:t>4</a:t>
                       </a:r>
-                      <a:endParaRPr lang="en-US" sz="3200" dirty="0">
-                        <a:solidFill>
-                          <a:schemeClr val="tx1"/>
-                        </a:solidFill>
-                      </a:endParaRPr>
                     </a:p>
                   </a:txBody>
                   <a:tcPr>
@@ -5052,18 +5101,13 @@
                     <a:p>
                       <a:pPr algn="ctr"/>
                       <a:r>
-                        <a:rPr lang="en-US" sz="3200" dirty="0" smtClean="0">
+                        <a:rPr lang="en-US" sz="3200" dirty="0">
                           <a:solidFill>
                             <a:schemeClr val="tx1"/>
                           </a:solidFill>
                         </a:rPr>
                         <a:t>5</a:t>
                       </a:r>
-                      <a:endParaRPr lang="en-US" sz="3200" dirty="0">
-                        <a:solidFill>
-                          <a:schemeClr val="tx1"/>
-                        </a:solidFill>
-                      </a:endParaRPr>
                     </a:p>
                   </a:txBody>
                   <a:tcPr>
@@ -5123,18 +5167,13 @@
                     <a:p>
                       <a:pPr algn="ctr"/>
                       <a:r>
-                        <a:rPr lang="en-US" sz="3200" dirty="0" smtClean="0">
+                        <a:rPr lang="en-US" sz="3200" dirty="0">
                           <a:solidFill>
                             <a:schemeClr val="tx1"/>
                           </a:solidFill>
                         </a:rPr>
                         <a:t>6</a:t>
                       </a:r>
-                      <a:endParaRPr lang="en-US" sz="3200" dirty="0">
-                        <a:solidFill>
-                          <a:schemeClr val="tx1"/>
-                        </a:solidFill>
-                      </a:endParaRPr>
                     </a:p>
                   </a:txBody>
                   <a:tcPr>
@@ -5194,18 +5233,13 @@
                     <a:p>
                       <a:pPr algn="ctr"/>
                       <a:r>
-                        <a:rPr lang="en-US" sz="3200" dirty="0" smtClean="0">
+                        <a:rPr lang="en-US" sz="3200" dirty="0">
                           <a:solidFill>
                             <a:schemeClr val="tx1"/>
                           </a:solidFill>
                         </a:rPr>
                         <a:t>7</a:t>
                       </a:r>
-                      <a:endParaRPr lang="en-US" sz="3200" dirty="0">
-                        <a:solidFill>
-                          <a:schemeClr val="tx1"/>
-                        </a:solidFill>
-                      </a:endParaRPr>
                     </a:p>
                   </a:txBody>
                   <a:tcPr>
@@ -5265,18 +5299,13 @@
                     <a:p>
                       <a:pPr algn="ctr"/>
                       <a:r>
-                        <a:rPr lang="en-US" sz="3200" dirty="0" smtClean="0">
+                        <a:rPr lang="en-US" sz="3200" dirty="0">
                           <a:solidFill>
                             <a:schemeClr val="tx1"/>
                           </a:solidFill>
                         </a:rPr>
                         <a:t>8</a:t>
                       </a:r>
-                      <a:endParaRPr lang="en-US" sz="3200" dirty="0">
-                        <a:solidFill>
-                          <a:schemeClr val="tx1"/>
-                        </a:solidFill>
-                      </a:endParaRPr>
                     </a:p>
                   </a:txBody>
                   <a:tcPr>
@@ -5336,18 +5365,13 @@
                     <a:p>
                       <a:pPr algn="ctr"/>
                       <a:r>
-                        <a:rPr lang="en-US" sz="3200" dirty="0" smtClean="0">
+                        <a:rPr lang="en-US" sz="3200" dirty="0">
                           <a:solidFill>
                             <a:schemeClr val="tx1"/>
                           </a:solidFill>
                         </a:rPr>
                         <a:t>9</a:t>
                       </a:r>
-                      <a:endParaRPr lang="en-US" sz="3200" dirty="0">
-                        <a:solidFill>
-                          <a:schemeClr val="tx1"/>
-                        </a:solidFill>
-                      </a:endParaRPr>
                     </a:p>
                   </a:txBody>
                   <a:tcPr>
@@ -5400,6 +5424,11 @@
                     </a:solidFill>
                   </a:tcPr>
                 </a:tc>
+                <a:extLst>
+                  <a:ext uri="{0D108BD9-81ED-4DB2-BD59-A6C34878D82A}">
+                    <a16:rowId xmlns:a16="http://schemas.microsoft.com/office/drawing/2014/main" val="10000"/>
+                  </a:ext>
+                </a:extLst>
               </a:tr>
             </a:tbl>
           </a:graphicData>
@@ -5444,7 +5473,7 @@
           <p:nvPr>
             <p:extLst>
               <p:ext uri="{D42A27DB-BD31-4B8C-83A1-F6EECF244321}">
-                <p14:modId xmlns:p14="http://schemas.microsoft.com/office/powerpoint/2010/main" val="2844925044"/>
+                <p14:modId xmlns:p14="http://schemas.microsoft.com/office/powerpoint/2010/main" val="4236612685"/>
               </p:ext>
             </p:extLst>
           </p:nvPr>
@@ -5460,11 +5489,41 @@
                 <a:tableStyleId>{5C22544A-7EE6-4342-B048-85BDC9FD1C3A}</a:tableStyleId>
               </a:tblPr>
               <a:tblGrid>
-                <a:gridCol w="901522"/>
-                <a:gridCol w="901522"/>
-                <a:gridCol w="901522"/>
-                <a:gridCol w="901522"/>
-                <a:gridCol w="901522"/>
+                <a:gridCol w="901522">
+                  <a:extLst>
+                    <a:ext uri="{9D8B030D-6E8A-4147-A177-3AD203B41FA5}">
+                      <a16:colId xmlns:a16="http://schemas.microsoft.com/office/drawing/2014/main" val="20000"/>
+                    </a:ext>
+                  </a:extLst>
+                </a:gridCol>
+                <a:gridCol w="901522">
+                  <a:extLst>
+                    <a:ext uri="{9D8B030D-6E8A-4147-A177-3AD203B41FA5}">
+                      <a16:colId xmlns:a16="http://schemas.microsoft.com/office/drawing/2014/main" val="20001"/>
+                    </a:ext>
+                  </a:extLst>
+                </a:gridCol>
+                <a:gridCol w="901522">
+                  <a:extLst>
+                    <a:ext uri="{9D8B030D-6E8A-4147-A177-3AD203B41FA5}">
+                      <a16:colId xmlns:a16="http://schemas.microsoft.com/office/drawing/2014/main" val="20002"/>
+                    </a:ext>
+                  </a:extLst>
+                </a:gridCol>
+                <a:gridCol w="901522">
+                  <a:extLst>
+                    <a:ext uri="{9D8B030D-6E8A-4147-A177-3AD203B41FA5}">
+                      <a16:colId xmlns:a16="http://schemas.microsoft.com/office/drawing/2014/main" val="20003"/>
+                    </a:ext>
+                  </a:extLst>
+                </a:gridCol>
+                <a:gridCol w="901522">
+                  <a:extLst>
+                    <a:ext uri="{9D8B030D-6E8A-4147-A177-3AD203B41FA5}">
+                      <a16:colId xmlns:a16="http://schemas.microsoft.com/office/drawing/2014/main" val="20004"/>
+                    </a:ext>
+                  </a:extLst>
+                </a:gridCol>
               </a:tblGrid>
               <a:tr h="613987">
                 <a:tc>
@@ -5474,18 +5533,13 @@
                     <a:p>
                       <a:pPr algn="ctr"/>
                       <a:r>
-                        <a:rPr lang="en-US" sz="3200" dirty="0" smtClean="0">
+                        <a:rPr lang="en-US" sz="3200" dirty="0">
                           <a:solidFill>
                             <a:srgbClr val="00B050"/>
                           </a:solidFill>
                         </a:rPr>
                         <a:t>a</a:t>
                       </a:r>
-                      <a:endParaRPr lang="en-US" sz="3200" dirty="0">
-                        <a:solidFill>
-                          <a:srgbClr val="00B050"/>
-                        </a:solidFill>
-                      </a:endParaRPr>
                     </a:p>
                   </a:txBody>
                   <a:tcPr>
@@ -5790,6 +5844,11 @@
                     </a:solidFill>
                   </a:tcPr>
                 </a:tc>
+                <a:extLst>
+                  <a:ext uri="{0D108BD9-81ED-4DB2-BD59-A6C34878D82A}">
+                    <a16:rowId xmlns:a16="http://schemas.microsoft.com/office/drawing/2014/main" val="10000"/>
+                  </a:ext>
+                </a:extLst>
               </a:tr>
             </a:tbl>
           </a:graphicData>
@@ -5804,7 +5863,7 @@
           <p:nvPr>
             <p:extLst>
               <p:ext uri="{D42A27DB-BD31-4B8C-83A1-F6EECF244321}">
-                <p14:modId xmlns:p14="http://schemas.microsoft.com/office/powerpoint/2010/main" val="919081702"/>
+                <p14:modId xmlns:p14="http://schemas.microsoft.com/office/powerpoint/2010/main" val="1494034818"/>
               </p:ext>
             </p:extLst>
           </p:nvPr>
@@ -5820,11 +5879,41 @@
                 <a:tableStyleId>{5C22544A-7EE6-4342-B048-85BDC9FD1C3A}</a:tableStyleId>
               </a:tblPr>
               <a:tblGrid>
-                <a:gridCol w="901522"/>
-                <a:gridCol w="901522"/>
-                <a:gridCol w="901522"/>
-                <a:gridCol w="901522"/>
-                <a:gridCol w="901522"/>
+                <a:gridCol w="901522">
+                  <a:extLst>
+                    <a:ext uri="{9D8B030D-6E8A-4147-A177-3AD203B41FA5}">
+                      <a16:colId xmlns:a16="http://schemas.microsoft.com/office/drawing/2014/main" val="20000"/>
+                    </a:ext>
+                  </a:extLst>
+                </a:gridCol>
+                <a:gridCol w="901522">
+                  <a:extLst>
+                    <a:ext uri="{9D8B030D-6E8A-4147-A177-3AD203B41FA5}">
+                      <a16:colId xmlns:a16="http://schemas.microsoft.com/office/drawing/2014/main" val="20001"/>
+                    </a:ext>
+                  </a:extLst>
+                </a:gridCol>
+                <a:gridCol w="901522">
+                  <a:extLst>
+                    <a:ext uri="{9D8B030D-6E8A-4147-A177-3AD203B41FA5}">
+                      <a16:colId xmlns:a16="http://schemas.microsoft.com/office/drawing/2014/main" val="20002"/>
+                    </a:ext>
+                  </a:extLst>
+                </a:gridCol>
+                <a:gridCol w="901522">
+                  <a:extLst>
+                    <a:ext uri="{9D8B030D-6E8A-4147-A177-3AD203B41FA5}">
+                      <a16:colId xmlns:a16="http://schemas.microsoft.com/office/drawing/2014/main" val="20003"/>
+                    </a:ext>
+                  </a:extLst>
+                </a:gridCol>
+                <a:gridCol w="901522">
+                  <a:extLst>
+                    <a:ext uri="{9D8B030D-6E8A-4147-A177-3AD203B41FA5}">
+                      <a16:colId xmlns:a16="http://schemas.microsoft.com/office/drawing/2014/main" val="20004"/>
+                    </a:ext>
+                  </a:extLst>
+                </a:gridCol>
               </a:tblGrid>
               <a:tr h="613987">
                 <a:tc>
@@ -5834,18 +5923,13 @@
                     <a:p>
                       <a:pPr algn="ctr"/>
                       <a:r>
-                        <a:rPr lang="en-US" sz="3200" dirty="0" smtClean="0">
+                        <a:rPr lang="en-US" sz="3200" dirty="0">
                           <a:solidFill>
                             <a:schemeClr val="tx1"/>
                           </a:solidFill>
                         </a:rPr>
                         <a:t>a</a:t>
                       </a:r>
-                      <a:endParaRPr lang="en-US" sz="3200" dirty="0">
-                        <a:solidFill>
-                          <a:schemeClr val="tx1"/>
-                        </a:solidFill>
-                      </a:endParaRPr>
                     </a:p>
                   </a:txBody>
                   <a:tcPr>
@@ -5905,18 +5989,13 @@
                     <a:p>
                       <a:pPr algn="ctr"/>
                       <a:r>
-                        <a:rPr lang="en-US" sz="3200" dirty="0" smtClean="0">
+                        <a:rPr lang="en-US" sz="3200" dirty="0">
                           <a:solidFill>
                             <a:srgbClr val="00B050"/>
                           </a:solidFill>
                         </a:rPr>
                         <a:t>b</a:t>
                       </a:r>
-                      <a:endParaRPr lang="en-US" sz="3200" dirty="0">
-                        <a:solidFill>
-                          <a:srgbClr val="00B050"/>
-                        </a:solidFill>
-                      </a:endParaRPr>
                     </a:p>
                   </a:txBody>
                   <a:tcPr>
@@ -6158,6 +6237,11 @@
                     </a:solidFill>
                   </a:tcPr>
                 </a:tc>
+                <a:extLst>
+                  <a:ext uri="{0D108BD9-81ED-4DB2-BD59-A6C34878D82A}">
+                    <a16:rowId xmlns:a16="http://schemas.microsoft.com/office/drawing/2014/main" val="10000"/>
+                  </a:ext>
+                </a:extLst>
               </a:tr>
             </a:tbl>
           </a:graphicData>
@@ -6172,7 +6256,7 @@
           <p:nvPr>
             <p:extLst>
               <p:ext uri="{D42A27DB-BD31-4B8C-83A1-F6EECF244321}">
-                <p14:modId xmlns:p14="http://schemas.microsoft.com/office/powerpoint/2010/main" val="2039923573"/>
+                <p14:modId xmlns:p14="http://schemas.microsoft.com/office/powerpoint/2010/main" val="1516428705"/>
               </p:ext>
             </p:extLst>
           </p:nvPr>
@@ -6188,11 +6272,41 @@
                 <a:tableStyleId>{5C22544A-7EE6-4342-B048-85BDC9FD1C3A}</a:tableStyleId>
               </a:tblPr>
               <a:tblGrid>
-                <a:gridCol w="901522"/>
-                <a:gridCol w="901522"/>
-                <a:gridCol w="901522"/>
-                <a:gridCol w="901522"/>
-                <a:gridCol w="901522"/>
+                <a:gridCol w="901522">
+                  <a:extLst>
+                    <a:ext uri="{9D8B030D-6E8A-4147-A177-3AD203B41FA5}">
+                      <a16:colId xmlns:a16="http://schemas.microsoft.com/office/drawing/2014/main" val="20000"/>
+                    </a:ext>
+                  </a:extLst>
+                </a:gridCol>
+                <a:gridCol w="901522">
+                  <a:extLst>
+                    <a:ext uri="{9D8B030D-6E8A-4147-A177-3AD203B41FA5}">
+                      <a16:colId xmlns:a16="http://schemas.microsoft.com/office/drawing/2014/main" val="20001"/>
+                    </a:ext>
+                  </a:extLst>
+                </a:gridCol>
+                <a:gridCol w="901522">
+                  <a:extLst>
+                    <a:ext uri="{9D8B030D-6E8A-4147-A177-3AD203B41FA5}">
+                      <a16:colId xmlns:a16="http://schemas.microsoft.com/office/drawing/2014/main" val="20002"/>
+                    </a:ext>
+                  </a:extLst>
+                </a:gridCol>
+                <a:gridCol w="901522">
+                  <a:extLst>
+                    <a:ext uri="{9D8B030D-6E8A-4147-A177-3AD203B41FA5}">
+                      <a16:colId xmlns:a16="http://schemas.microsoft.com/office/drawing/2014/main" val="20003"/>
+                    </a:ext>
+                  </a:extLst>
+                </a:gridCol>
+                <a:gridCol w="901522">
+                  <a:extLst>
+                    <a:ext uri="{9D8B030D-6E8A-4147-A177-3AD203B41FA5}">
+                      <a16:colId xmlns:a16="http://schemas.microsoft.com/office/drawing/2014/main" val="20004"/>
+                    </a:ext>
+                  </a:extLst>
+                </a:gridCol>
               </a:tblGrid>
               <a:tr h="613987">
                 <a:tc>
@@ -6202,18 +6316,13 @@
                     <a:p>
                       <a:pPr algn="ctr"/>
                       <a:r>
-                        <a:rPr lang="en-US" sz="3200" dirty="0" smtClean="0">
+                        <a:rPr lang="en-US" sz="3200" dirty="0">
                           <a:solidFill>
                             <a:schemeClr val="tx1"/>
                           </a:solidFill>
                         </a:rPr>
                         <a:t>a</a:t>
                       </a:r>
-                      <a:endParaRPr lang="en-US" sz="3200" dirty="0">
-                        <a:solidFill>
-                          <a:schemeClr val="tx1"/>
-                        </a:solidFill>
-                      </a:endParaRPr>
                     </a:p>
                   </a:txBody>
                   <a:tcPr>
@@ -6273,18 +6382,13 @@
                     <a:p>
                       <a:pPr algn="ctr"/>
                       <a:r>
-                        <a:rPr lang="en-US" sz="3200" dirty="0" smtClean="0">
+                        <a:rPr lang="en-US" sz="3200" dirty="0">
                           <a:solidFill>
                             <a:schemeClr val="tx1"/>
                           </a:solidFill>
                         </a:rPr>
                         <a:t>b</a:t>
                       </a:r>
-                      <a:endParaRPr lang="en-US" sz="3200" dirty="0">
-                        <a:solidFill>
-                          <a:schemeClr val="tx1"/>
-                        </a:solidFill>
-                      </a:endParaRPr>
                     </a:p>
                   </a:txBody>
                   <a:tcPr>
@@ -6344,18 +6448,13 @@
                     <a:p>
                       <a:pPr algn="ctr"/>
                       <a:r>
-                        <a:rPr lang="en-US" sz="3200" dirty="0" smtClean="0">
+                        <a:rPr lang="en-US" sz="3200" dirty="0">
                           <a:solidFill>
                             <a:srgbClr val="00B050"/>
                           </a:solidFill>
                         </a:rPr>
                         <a:t>c</a:t>
                       </a:r>
-                      <a:endParaRPr lang="en-US" sz="3200" dirty="0">
-                        <a:solidFill>
-                          <a:srgbClr val="00B050"/>
-                        </a:solidFill>
-                      </a:endParaRPr>
                     </a:p>
                   </a:txBody>
                   <a:tcPr>
@@ -6534,6 +6633,11 @@
                     </a:solidFill>
                   </a:tcPr>
                 </a:tc>
+                <a:extLst>
+                  <a:ext uri="{0D108BD9-81ED-4DB2-BD59-A6C34878D82A}">
+                    <a16:rowId xmlns:a16="http://schemas.microsoft.com/office/drawing/2014/main" val="10000"/>
+                  </a:ext>
+                </a:extLst>
               </a:tr>
             </a:tbl>
           </a:graphicData>
@@ -6548,7 +6652,7 @@
           <p:nvPr>
             <p:extLst>
               <p:ext uri="{D42A27DB-BD31-4B8C-83A1-F6EECF244321}">
-                <p14:modId xmlns:p14="http://schemas.microsoft.com/office/powerpoint/2010/main" val="3385962687"/>
+                <p14:modId xmlns:p14="http://schemas.microsoft.com/office/powerpoint/2010/main" val="1934267800"/>
               </p:ext>
             </p:extLst>
           </p:nvPr>
@@ -6564,11 +6668,41 @@
                 <a:tableStyleId>{5C22544A-7EE6-4342-B048-85BDC9FD1C3A}</a:tableStyleId>
               </a:tblPr>
               <a:tblGrid>
-                <a:gridCol w="901522"/>
-                <a:gridCol w="901522"/>
-                <a:gridCol w="901522"/>
-                <a:gridCol w="901522"/>
-                <a:gridCol w="901522"/>
+                <a:gridCol w="901522">
+                  <a:extLst>
+                    <a:ext uri="{9D8B030D-6E8A-4147-A177-3AD203B41FA5}">
+                      <a16:colId xmlns:a16="http://schemas.microsoft.com/office/drawing/2014/main" val="20000"/>
+                    </a:ext>
+                  </a:extLst>
+                </a:gridCol>
+                <a:gridCol w="901522">
+                  <a:extLst>
+                    <a:ext uri="{9D8B030D-6E8A-4147-A177-3AD203B41FA5}">
+                      <a16:colId xmlns:a16="http://schemas.microsoft.com/office/drawing/2014/main" val="20001"/>
+                    </a:ext>
+                  </a:extLst>
+                </a:gridCol>
+                <a:gridCol w="901522">
+                  <a:extLst>
+                    <a:ext uri="{9D8B030D-6E8A-4147-A177-3AD203B41FA5}">
+                      <a16:colId xmlns:a16="http://schemas.microsoft.com/office/drawing/2014/main" val="20002"/>
+                    </a:ext>
+                  </a:extLst>
+                </a:gridCol>
+                <a:gridCol w="901522">
+                  <a:extLst>
+                    <a:ext uri="{9D8B030D-6E8A-4147-A177-3AD203B41FA5}">
+                      <a16:colId xmlns:a16="http://schemas.microsoft.com/office/drawing/2014/main" val="20003"/>
+                    </a:ext>
+                  </a:extLst>
+                </a:gridCol>
+                <a:gridCol w="901522">
+                  <a:extLst>
+                    <a:ext uri="{9D8B030D-6E8A-4147-A177-3AD203B41FA5}">
+                      <a16:colId xmlns:a16="http://schemas.microsoft.com/office/drawing/2014/main" val="20004"/>
+                    </a:ext>
+                  </a:extLst>
+                </a:gridCol>
               </a:tblGrid>
               <a:tr h="613987">
                 <a:tc>
@@ -6578,18 +6712,13 @@
                     <a:p>
                       <a:pPr algn="ctr"/>
                       <a:r>
-                        <a:rPr lang="en-US" sz="3200" dirty="0" smtClean="0">
+                        <a:rPr lang="en-US" sz="3200" dirty="0">
                           <a:solidFill>
                             <a:schemeClr val="tx1"/>
                           </a:solidFill>
                         </a:rPr>
                         <a:t>a</a:t>
                       </a:r>
-                      <a:endParaRPr lang="en-US" sz="3200" dirty="0">
-                        <a:solidFill>
-                          <a:schemeClr val="tx1"/>
-                        </a:solidFill>
-                      </a:endParaRPr>
                     </a:p>
                   </a:txBody>
                   <a:tcPr>
@@ -6649,18 +6778,13 @@
                     <a:p>
                       <a:pPr algn="ctr"/>
                       <a:r>
-                        <a:rPr lang="en-US" sz="3200" dirty="0" smtClean="0">
+                        <a:rPr lang="en-US" sz="3200" dirty="0">
                           <a:solidFill>
                             <a:schemeClr val="tx1"/>
                           </a:solidFill>
                         </a:rPr>
                         <a:t>b</a:t>
                       </a:r>
-                      <a:endParaRPr lang="en-US" sz="3200" dirty="0">
-                        <a:solidFill>
-                          <a:schemeClr val="tx1"/>
-                        </a:solidFill>
-                      </a:endParaRPr>
                     </a:p>
                   </a:txBody>
                   <a:tcPr>
@@ -6720,18 +6844,13 @@
                     <a:p>
                       <a:pPr algn="ctr"/>
                       <a:r>
-                        <a:rPr lang="en-US" sz="3200" dirty="0" smtClean="0">
+                        <a:rPr lang="en-US" sz="3200" dirty="0">
                           <a:solidFill>
                             <a:schemeClr val="tx1"/>
                           </a:solidFill>
                         </a:rPr>
                         <a:t>c</a:t>
                       </a:r>
-                      <a:endParaRPr lang="en-US" sz="3200" dirty="0">
-                        <a:solidFill>
-                          <a:schemeClr val="tx1"/>
-                        </a:solidFill>
-                      </a:endParaRPr>
                     </a:p>
                   </a:txBody>
                   <a:tcPr>
@@ -6791,18 +6910,13 @@
                     <a:p>
                       <a:pPr algn="ctr"/>
                       <a:r>
-                        <a:rPr lang="en-US" sz="3200" dirty="0" smtClean="0">
+                        <a:rPr lang="en-US" sz="3200" dirty="0">
                           <a:solidFill>
                             <a:srgbClr val="00B050"/>
                           </a:solidFill>
                         </a:rPr>
                         <a:t>d</a:t>
                       </a:r>
-                      <a:endParaRPr lang="en-US" sz="3200" dirty="0">
-                        <a:solidFill>
-                          <a:srgbClr val="00B050"/>
-                        </a:solidFill>
-                      </a:endParaRPr>
                     </a:p>
                   </a:txBody>
                   <a:tcPr>
@@ -6918,6 +7032,11 @@
                     </a:solidFill>
                   </a:tcPr>
                 </a:tc>
+                <a:extLst>
+                  <a:ext uri="{0D108BD9-81ED-4DB2-BD59-A6C34878D82A}">
+                    <a16:rowId xmlns:a16="http://schemas.microsoft.com/office/drawing/2014/main" val="10000"/>
+                  </a:ext>
+                </a:extLst>
               </a:tr>
             </a:tbl>
           </a:graphicData>
@@ -6932,7 +7051,7 @@
           <p:nvPr>
             <p:extLst>
               <p:ext uri="{D42A27DB-BD31-4B8C-83A1-F6EECF244321}">
-                <p14:modId xmlns:p14="http://schemas.microsoft.com/office/powerpoint/2010/main" val="1189250417"/>
+                <p14:modId xmlns:p14="http://schemas.microsoft.com/office/powerpoint/2010/main" val="91710913"/>
               </p:ext>
             </p:extLst>
           </p:nvPr>
@@ -6948,11 +7067,41 @@
                 <a:tableStyleId>{5C22544A-7EE6-4342-B048-85BDC9FD1C3A}</a:tableStyleId>
               </a:tblPr>
               <a:tblGrid>
-                <a:gridCol w="901522"/>
-                <a:gridCol w="901522"/>
-                <a:gridCol w="901522"/>
-                <a:gridCol w="901522"/>
-                <a:gridCol w="901522"/>
+                <a:gridCol w="901522">
+                  <a:extLst>
+                    <a:ext uri="{9D8B030D-6E8A-4147-A177-3AD203B41FA5}">
+                      <a16:colId xmlns:a16="http://schemas.microsoft.com/office/drawing/2014/main" val="20000"/>
+                    </a:ext>
+                  </a:extLst>
+                </a:gridCol>
+                <a:gridCol w="901522">
+                  <a:extLst>
+                    <a:ext uri="{9D8B030D-6E8A-4147-A177-3AD203B41FA5}">
+                      <a16:colId xmlns:a16="http://schemas.microsoft.com/office/drawing/2014/main" val="20001"/>
+                    </a:ext>
+                  </a:extLst>
+                </a:gridCol>
+                <a:gridCol w="901522">
+                  <a:extLst>
+                    <a:ext uri="{9D8B030D-6E8A-4147-A177-3AD203B41FA5}">
+                      <a16:colId xmlns:a16="http://schemas.microsoft.com/office/drawing/2014/main" val="20002"/>
+                    </a:ext>
+                  </a:extLst>
+                </a:gridCol>
+                <a:gridCol w="901522">
+                  <a:extLst>
+                    <a:ext uri="{9D8B030D-6E8A-4147-A177-3AD203B41FA5}">
+                      <a16:colId xmlns:a16="http://schemas.microsoft.com/office/drawing/2014/main" val="20003"/>
+                    </a:ext>
+                  </a:extLst>
+                </a:gridCol>
+                <a:gridCol w="901522">
+                  <a:extLst>
+                    <a:ext uri="{9D8B030D-6E8A-4147-A177-3AD203B41FA5}">
+                      <a16:colId xmlns:a16="http://schemas.microsoft.com/office/drawing/2014/main" val="20004"/>
+                    </a:ext>
+                  </a:extLst>
+                </a:gridCol>
               </a:tblGrid>
               <a:tr h="613987">
                 <a:tc>
@@ -6962,18 +7111,13 @@
                     <a:p>
                       <a:pPr algn="ctr"/>
                       <a:r>
-                        <a:rPr lang="en-US" sz="3200" dirty="0" smtClean="0">
+                        <a:rPr lang="en-US" sz="3200" dirty="0">
                           <a:solidFill>
                             <a:schemeClr val="tx1"/>
                           </a:solidFill>
                         </a:rPr>
                         <a:t>a</a:t>
                       </a:r>
-                      <a:endParaRPr lang="en-US" sz="3200" dirty="0">
-                        <a:solidFill>
-                          <a:schemeClr val="tx1"/>
-                        </a:solidFill>
-                      </a:endParaRPr>
                     </a:p>
                   </a:txBody>
                   <a:tcPr>
@@ -7033,18 +7177,13 @@
                     <a:p>
                       <a:pPr algn="ctr"/>
                       <a:r>
-                        <a:rPr lang="en-US" sz="3200" dirty="0" smtClean="0">
+                        <a:rPr lang="en-US" sz="3200" dirty="0">
                           <a:solidFill>
                             <a:schemeClr val="tx1"/>
                           </a:solidFill>
                         </a:rPr>
                         <a:t>b</a:t>
                       </a:r>
-                      <a:endParaRPr lang="en-US" sz="3200" dirty="0">
-                        <a:solidFill>
-                          <a:schemeClr val="tx1"/>
-                        </a:solidFill>
-                      </a:endParaRPr>
                     </a:p>
                   </a:txBody>
                   <a:tcPr>
@@ -7104,18 +7243,13 @@
                     <a:p>
                       <a:pPr algn="ctr"/>
                       <a:r>
-                        <a:rPr lang="en-US" sz="3200" dirty="0" smtClean="0">
+                        <a:rPr lang="en-US" sz="3200" dirty="0">
                           <a:solidFill>
                             <a:schemeClr val="tx1"/>
                           </a:solidFill>
                         </a:rPr>
                         <a:t>c</a:t>
                       </a:r>
-                      <a:endParaRPr lang="en-US" sz="3200" dirty="0">
-                        <a:solidFill>
-                          <a:schemeClr val="tx1"/>
-                        </a:solidFill>
-                      </a:endParaRPr>
                     </a:p>
                   </a:txBody>
                   <a:tcPr>
@@ -7175,18 +7309,13 @@
                     <a:p>
                       <a:pPr algn="ctr"/>
                       <a:r>
-                        <a:rPr lang="en-US" sz="3200" dirty="0" smtClean="0">
+                        <a:rPr lang="en-US" sz="3200" dirty="0">
                           <a:solidFill>
                             <a:schemeClr val="tx1"/>
                           </a:solidFill>
                         </a:rPr>
                         <a:t>d</a:t>
                       </a:r>
-                      <a:endParaRPr lang="en-US" sz="3200" dirty="0">
-                        <a:solidFill>
-                          <a:schemeClr val="tx1"/>
-                        </a:solidFill>
-                      </a:endParaRPr>
                     </a:p>
                   </a:txBody>
                   <a:tcPr>
@@ -7246,18 +7375,13 @@
                     <a:p>
                       <a:pPr algn="ctr"/>
                       <a:r>
-                        <a:rPr lang="en-US" sz="3200" dirty="0" smtClean="0">
+                        <a:rPr lang="en-US" sz="3200" dirty="0">
                           <a:solidFill>
                             <a:srgbClr val="00B050"/>
                           </a:solidFill>
                         </a:rPr>
                         <a:t>e</a:t>
                       </a:r>
-                      <a:endParaRPr lang="en-US" sz="3200" dirty="0">
-                        <a:solidFill>
-                          <a:srgbClr val="00B050"/>
-                        </a:solidFill>
-                      </a:endParaRPr>
                     </a:p>
                   </a:txBody>
                   <a:tcPr>
@@ -7310,6 +7434,11 @@
                     </a:solidFill>
                   </a:tcPr>
                 </a:tc>
+                <a:extLst>
+                  <a:ext uri="{0D108BD9-81ED-4DB2-BD59-A6C34878D82A}">
+                    <a16:rowId xmlns:a16="http://schemas.microsoft.com/office/drawing/2014/main" val="10000"/>
+                  </a:ext>
+                </a:extLst>
               </a:tr>
             </a:tbl>
           </a:graphicData>
@@ -7324,7 +7453,7 @@
           <p:nvPr>
             <p:extLst>
               <p:ext uri="{D42A27DB-BD31-4B8C-83A1-F6EECF244321}">
-                <p14:modId xmlns:p14="http://schemas.microsoft.com/office/powerpoint/2010/main" val="3093806128"/>
+                <p14:modId xmlns:p14="http://schemas.microsoft.com/office/powerpoint/2010/main" val="131644146"/>
               </p:ext>
             </p:extLst>
           </p:nvPr>
@@ -7340,16 +7469,76 @@
                 <a:tableStyleId>{5C22544A-7EE6-4342-B048-85BDC9FD1C3A}</a:tableStyleId>
               </a:tblPr>
               <a:tblGrid>
-                <a:gridCol w="901522"/>
-                <a:gridCol w="901522"/>
-                <a:gridCol w="901522"/>
-                <a:gridCol w="901522"/>
-                <a:gridCol w="901522"/>
-                <a:gridCol w="901522"/>
-                <a:gridCol w="901522"/>
-                <a:gridCol w="901522"/>
-                <a:gridCol w="901522"/>
-                <a:gridCol w="901522"/>
+                <a:gridCol w="901522">
+                  <a:extLst>
+                    <a:ext uri="{9D8B030D-6E8A-4147-A177-3AD203B41FA5}">
+                      <a16:colId xmlns:a16="http://schemas.microsoft.com/office/drawing/2014/main" val="20000"/>
+                    </a:ext>
+                  </a:extLst>
+                </a:gridCol>
+                <a:gridCol w="901522">
+                  <a:extLst>
+                    <a:ext uri="{9D8B030D-6E8A-4147-A177-3AD203B41FA5}">
+                      <a16:colId xmlns:a16="http://schemas.microsoft.com/office/drawing/2014/main" val="20001"/>
+                    </a:ext>
+                  </a:extLst>
+                </a:gridCol>
+                <a:gridCol w="901522">
+                  <a:extLst>
+                    <a:ext uri="{9D8B030D-6E8A-4147-A177-3AD203B41FA5}">
+                      <a16:colId xmlns:a16="http://schemas.microsoft.com/office/drawing/2014/main" val="20002"/>
+                    </a:ext>
+                  </a:extLst>
+                </a:gridCol>
+                <a:gridCol w="901522">
+                  <a:extLst>
+                    <a:ext uri="{9D8B030D-6E8A-4147-A177-3AD203B41FA5}">
+                      <a16:colId xmlns:a16="http://schemas.microsoft.com/office/drawing/2014/main" val="20003"/>
+                    </a:ext>
+                  </a:extLst>
+                </a:gridCol>
+                <a:gridCol w="901522">
+                  <a:extLst>
+                    <a:ext uri="{9D8B030D-6E8A-4147-A177-3AD203B41FA5}">
+                      <a16:colId xmlns:a16="http://schemas.microsoft.com/office/drawing/2014/main" val="20004"/>
+                    </a:ext>
+                  </a:extLst>
+                </a:gridCol>
+                <a:gridCol w="901522">
+                  <a:extLst>
+                    <a:ext uri="{9D8B030D-6E8A-4147-A177-3AD203B41FA5}">
+                      <a16:colId xmlns:a16="http://schemas.microsoft.com/office/drawing/2014/main" val="20005"/>
+                    </a:ext>
+                  </a:extLst>
+                </a:gridCol>
+                <a:gridCol w="901522">
+                  <a:extLst>
+                    <a:ext uri="{9D8B030D-6E8A-4147-A177-3AD203B41FA5}">
+                      <a16:colId xmlns:a16="http://schemas.microsoft.com/office/drawing/2014/main" val="20006"/>
+                    </a:ext>
+                  </a:extLst>
+                </a:gridCol>
+                <a:gridCol w="901522">
+                  <a:extLst>
+                    <a:ext uri="{9D8B030D-6E8A-4147-A177-3AD203B41FA5}">
+                      <a16:colId xmlns:a16="http://schemas.microsoft.com/office/drawing/2014/main" val="20007"/>
+                    </a:ext>
+                  </a:extLst>
+                </a:gridCol>
+                <a:gridCol w="901522">
+                  <a:extLst>
+                    <a:ext uri="{9D8B030D-6E8A-4147-A177-3AD203B41FA5}">
+                      <a16:colId xmlns:a16="http://schemas.microsoft.com/office/drawing/2014/main" val="20008"/>
+                    </a:ext>
+                  </a:extLst>
+                </a:gridCol>
+                <a:gridCol w="901522">
+                  <a:extLst>
+                    <a:ext uri="{9D8B030D-6E8A-4147-A177-3AD203B41FA5}">
+                      <a16:colId xmlns:a16="http://schemas.microsoft.com/office/drawing/2014/main" val="20009"/>
+                    </a:ext>
+                  </a:extLst>
+                </a:gridCol>
               </a:tblGrid>
               <a:tr h="613987">
                 <a:tc>
@@ -7359,18 +7548,13 @@
                     <a:p>
                       <a:pPr algn="ctr"/>
                       <a:r>
-                        <a:rPr lang="en-US" sz="3200" dirty="0" smtClean="0">
+                        <a:rPr lang="en-US" sz="3200" dirty="0">
                           <a:solidFill>
                             <a:schemeClr val="accent1"/>
                           </a:solidFill>
                         </a:rPr>
                         <a:t>a</a:t>
                       </a:r>
-                      <a:endParaRPr lang="en-US" sz="3200" dirty="0">
-                        <a:solidFill>
-                          <a:schemeClr val="accent1"/>
-                        </a:solidFill>
-                      </a:endParaRPr>
                     </a:p>
                   </a:txBody>
                   <a:tcPr>
@@ -7430,18 +7614,13 @@
                     <a:p>
                       <a:pPr algn="ctr"/>
                       <a:r>
-                        <a:rPr lang="en-US" sz="3200" dirty="0" smtClean="0">
+                        <a:rPr lang="en-US" sz="3200" dirty="0">
                           <a:solidFill>
                             <a:schemeClr val="accent1"/>
                           </a:solidFill>
                         </a:rPr>
                         <a:t>b</a:t>
                       </a:r>
-                      <a:endParaRPr lang="en-US" sz="3200" dirty="0">
-                        <a:solidFill>
-                          <a:schemeClr val="accent1"/>
-                        </a:solidFill>
-                      </a:endParaRPr>
                     </a:p>
                   </a:txBody>
                   <a:tcPr>
@@ -7501,18 +7680,13 @@
                     <a:p>
                       <a:pPr algn="ctr"/>
                       <a:r>
-                        <a:rPr lang="en-US" sz="3200" dirty="0" smtClean="0">
+                        <a:rPr lang="en-US" sz="3200" dirty="0">
                           <a:solidFill>
                             <a:schemeClr val="accent1"/>
                           </a:solidFill>
                         </a:rPr>
                         <a:t>c</a:t>
                       </a:r>
-                      <a:endParaRPr lang="en-US" sz="3200" dirty="0">
-                        <a:solidFill>
-                          <a:schemeClr val="accent1"/>
-                        </a:solidFill>
-                      </a:endParaRPr>
                     </a:p>
                   </a:txBody>
                   <a:tcPr>
@@ -7572,18 +7746,13 @@
                     <a:p>
                       <a:pPr algn="ctr"/>
                       <a:r>
-                        <a:rPr lang="en-US" sz="3200" dirty="0" smtClean="0">
+                        <a:rPr lang="en-US" sz="3200" dirty="0">
                           <a:solidFill>
                             <a:schemeClr val="accent1"/>
                           </a:solidFill>
                         </a:rPr>
                         <a:t>d</a:t>
                       </a:r>
-                      <a:endParaRPr lang="en-US" sz="3200" dirty="0">
-                        <a:solidFill>
-                          <a:schemeClr val="accent1"/>
-                        </a:solidFill>
-                      </a:endParaRPr>
                     </a:p>
                   </a:txBody>
                   <a:tcPr>
@@ -7643,18 +7812,13 @@
                     <a:p>
                       <a:pPr algn="ctr"/>
                       <a:r>
-                        <a:rPr lang="en-US" sz="3200" dirty="0" smtClean="0">
+                        <a:rPr lang="en-US" sz="3200" dirty="0">
                           <a:solidFill>
                             <a:schemeClr val="accent1"/>
                           </a:solidFill>
                         </a:rPr>
                         <a:t>e</a:t>
                       </a:r>
-                      <a:endParaRPr lang="en-US" sz="3200" dirty="0">
-                        <a:solidFill>
-                          <a:schemeClr val="accent1"/>
-                        </a:solidFill>
-                      </a:endParaRPr>
                     </a:p>
                   </a:txBody>
                   <a:tcPr>
@@ -8022,6 +8186,11 @@
                     </a:solidFill>
                   </a:tcPr>
                 </a:tc>
+                <a:extLst>
+                  <a:ext uri="{0D108BD9-81ED-4DB2-BD59-A6C34878D82A}">
+                    <a16:rowId xmlns:a16="http://schemas.microsoft.com/office/drawing/2014/main" val="10000"/>
+                  </a:ext>
+                </a:extLst>
               </a:tr>
             </a:tbl>
           </a:graphicData>
@@ -8050,11 +8219,11 @@
           <a:lstStyle/>
           <a:p>
             <a:r>
-              <a:rPr lang="en-US" sz="3200" dirty="0" smtClean="0"/>
+              <a:rPr lang="en-US" sz="3200" dirty="0"/>
               <a:t>Insert </a:t>
             </a:r>
             <a:r>
-              <a:rPr lang="en-US" sz="3200" dirty="0" smtClean="0">
+              <a:rPr lang="en-US" sz="3200" dirty="0">
                 <a:solidFill>
                   <a:srgbClr val="00B050"/>
                 </a:solidFill>
@@ -8087,11 +8256,11 @@
           <a:lstStyle/>
           <a:p>
             <a:r>
-              <a:rPr lang="en-US" sz="3200" dirty="0" smtClean="0"/>
+              <a:rPr lang="en-US" sz="3200" dirty="0"/>
               <a:t>Insert </a:t>
             </a:r>
             <a:r>
-              <a:rPr lang="en-US" sz="3200" dirty="0" smtClean="0">
+              <a:rPr lang="en-US" sz="3200" dirty="0">
                 <a:solidFill>
                   <a:srgbClr val="00B050"/>
                 </a:solidFill>
@@ -8124,11 +8293,11 @@
           <a:lstStyle/>
           <a:p>
             <a:r>
-              <a:rPr lang="en-US" sz="3200" dirty="0" smtClean="0"/>
+              <a:rPr lang="en-US" sz="3200" dirty="0"/>
               <a:t>Insert </a:t>
             </a:r>
             <a:r>
-              <a:rPr lang="en-US" sz="3200" dirty="0" smtClean="0">
+              <a:rPr lang="en-US" sz="3200" dirty="0">
                 <a:solidFill>
                   <a:srgbClr val="00B050"/>
                 </a:solidFill>
@@ -8161,11 +8330,11 @@
           <a:lstStyle/>
           <a:p>
             <a:r>
-              <a:rPr lang="en-US" sz="3200" dirty="0" smtClean="0"/>
+              <a:rPr lang="en-US" sz="3200" dirty="0"/>
               <a:t>Insert </a:t>
             </a:r>
             <a:r>
-              <a:rPr lang="en-US" sz="3200" dirty="0" smtClean="0">
+              <a:rPr lang="en-US" sz="3200" dirty="0">
                 <a:solidFill>
                   <a:srgbClr val="00B050"/>
                 </a:solidFill>
@@ -8198,11 +8367,11 @@
           <a:lstStyle/>
           <a:p>
             <a:r>
-              <a:rPr lang="en-US" sz="3200" dirty="0" smtClean="0"/>
+              <a:rPr lang="en-US" sz="3200" dirty="0"/>
               <a:t>Insert </a:t>
             </a:r>
             <a:r>
-              <a:rPr lang="en-US" sz="3200" dirty="0" smtClean="0">
+              <a:rPr lang="en-US" sz="3200" dirty="0">
                 <a:solidFill>
                   <a:srgbClr val="00B050"/>
                 </a:solidFill>
@@ -8235,11 +8404,11 @@
           <a:lstStyle/>
           <a:p>
             <a:r>
-              <a:rPr lang="en-US" sz="3200" dirty="0" smtClean="0"/>
+              <a:rPr lang="en-US" sz="3200" dirty="0"/>
               <a:t>Insert </a:t>
             </a:r>
             <a:r>
-              <a:rPr lang="en-US" sz="3200" dirty="0" smtClean="0">
+              <a:rPr lang="en-US" sz="3200" dirty="0">
                 <a:solidFill>
                   <a:srgbClr val="00B050"/>
                 </a:solidFill>
@@ -8258,7 +8427,7 @@
           <p:nvPr>
             <p:extLst>
               <p:ext uri="{D42A27DB-BD31-4B8C-83A1-F6EECF244321}">
-                <p14:modId xmlns:p14="http://schemas.microsoft.com/office/powerpoint/2010/main" val="1224200635"/>
+                <p14:modId xmlns:p14="http://schemas.microsoft.com/office/powerpoint/2010/main" val="1708728690"/>
               </p:ext>
             </p:extLst>
           </p:nvPr>
@@ -8274,16 +8443,76 @@
                 <a:tableStyleId>{5C22544A-7EE6-4342-B048-85BDC9FD1C3A}</a:tableStyleId>
               </a:tblPr>
               <a:tblGrid>
-                <a:gridCol w="901522"/>
-                <a:gridCol w="901522"/>
-                <a:gridCol w="901522"/>
-                <a:gridCol w="901522"/>
-                <a:gridCol w="901522"/>
-                <a:gridCol w="901522"/>
-                <a:gridCol w="901522"/>
-                <a:gridCol w="901522"/>
-                <a:gridCol w="901522"/>
-                <a:gridCol w="901522"/>
+                <a:gridCol w="901522">
+                  <a:extLst>
+                    <a:ext uri="{9D8B030D-6E8A-4147-A177-3AD203B41FA5}">
+                      <a16:colId xmlns:a16="http://schemas.microsoft.com/office/drawing/2014/main" val="20000"/>
+                    </a:ext>
+                  </a:extLst>
+                </a:gridCol>
+                <a:gridCol w="901522">
+                  <a:extLst>
+                    <a:ext uri="{9D8B030D-6E8A-4147-A177-3AD203B41FA5}">
+                      <a16:colId xmlns:a16="http://schemas.microsoft.com/office/drawing/2014/main" val="20001"/>
+                    </a:ext>
+                  </a:extLst>
+                </a:gridCol>
+                <a:gridCol w="901522">
+                  <a:extLst>
+                    <a:ext uri="{9D8B030D-6E8A-4147-A177-3AD203B41FA5}">
+                      <a16:colId xmlns:a16="http://schemas.microsoft.com/office/drawing/2014/main" val="20002"/>
+                    </a:ext>
+                  </a:extLst>
+                </a:gridCol>
+                <a:gridCol w="901522">
+                  <a:extLst>
+                    <a:ext uri="{9D8B030D-6E8A-4147-A177-3AD203B41FA5}">
+                      <a16:colId xmlns:a16="http://schemas.microsoft.com/office/drawing/2014/main" val="20003"/>
+                    </a:ext>
+                  </a:extLst>
+                </a:gridCol>
+                <a:gridCol w="901522">
+                  <a:extLst>
+                    <a:ext uri="{9D8B030D-6E8A-4147-A177-3AD203B41FA5}">
+                      <a16:colId xmlns:a16="http://schemas.microsoft.com/office/drawing/2014/main" val="20004"/>
+                    </a:ext>
+                  </a:extLst>
+                </a:gridCol>
+                <a:gridCol w="901522">
+                  <a:extLst>
+                    <a:ext uri="{9D8B030D-6E8A-4147-A177-3AD203B41FA5}">
+                      <a16:colId xmlns:a16="http://schemas.microsoft.com/office/drawing/2014/main" val="20005"/>
+                    </a:ext>
+                  </a:extLst>
+                </a:gridCol>
+                <a:gridCol w="901522">
+                  <a:extLst>
+                    <a:ext uri="{9D8B030D-6E8A-4147-A177-3AD203B41FA5}">
+                      <a16:colId xmlns:a16="http://schemas.microsoft.com/office/drawing/2014/main" val="20006"/>
+                    </a:ext>
+                  </a:extLst>
+                </a:gridCol>
+                <a:gridCol w="901522">
+                  <a:extLst>
+                    <a:ext uri="{9D8B030D-6E8A-4147-A177-3AD203B41FA5}">
+                      <a16:colId xmlns:a16="http://schemas.microsoft.com/office/drawing/2014/main" val="20007"/>
+                    </a:ext>
+                  </a:extLst>
+                </a:gridCol>
+                <a:gridCol w="901522">
+                  <a:extLst>
+                    <a:ext uri="{9D8B030D-6E8A-4147-A177-3AD203B41FA5}">
+                      <a16:colId xmlns:a16="http://schemas.microsoft.com/office/drawing/2014/main" val="20008"/>
+                    </a:ext>
+                  </a:extLst>
+                </a:gridCol>
+                <a:gridCol w="901522">
+                  <a:extLst>
+                    <a:ext uri="{9D8B030D-6E8A-4147-A177-3AD203B41FA5}">
+                      <a16:colId xmlns:a16="http://schemas.microsoft.com/office/drawing/2014/main" val="20009"/>
+                    </a:ext>
+                  </a:extLst>
+                </a:gridCol>
               </a:tblGrid>
               <a:tr h="613987">
                 <a:tc>
@@ -8293,18 +8522,13 @@
                     <a:p>
                       <a:pPr algn="ctr"/>
                       <a:r>
-                        <a:rPr lang="en-US" sz="3200" dirty="0" smtClean="0">
+                        <a:rPr lang="en-US" sz="3200" dirty="0">
                           <a:solidFill>
                             <a:schemeClr val="tx1"/>
                           </a:solidFill>
                         </a:rPr>
                         <a:t>a</a:t>
                       </a:r>
-                      <a:endParaRPr lang="en-US" sz="3200" dirty="0">
-                        <a:solidFill>
-                          <a:schemeClr val="tx1"/>
-                        </a:solidFill>
-                      </a:endParaRPr>
                     </a:p>
                   </a:txBody>
                   <a:tcPr>
@@ -8364,18 +8588,13 @@
                     <a:p>
                       <a:pPr algn="ctr"/>
                       <a:r>
-                        <a:rPr lang="en-US" sz="3200" dirty="0" smtClean="0">
+                        <a:rPr lang="en-US" sz="3200" dirty="0">
                           <a:solidFill>
                             <a:schemeClr val="tx1"/>
                           </a:solidFill>
                         </a:rPr>
                         <a:t>b</a:t>
                       </a:r>
-                      <a:endParaRPr lang="en-US" sz="3200" dirty="0">
-                        <a:solidFill>
-                          <a:schemeClr val="tx1"/>
-                        </a:solidFill>
-                      </a:endParaRPr>
                     </a:p>
                   </a:txBody>
                   <a:tcPr>
@@ -8435,18 +8654,13 @@
                     <a:p>
                       <a:pPr algn="ctr"/>
                       <a:r>
-                        <a:rPr lang="en-US" sz="3200" dirty="0" smtClean="0">
+                        <a:rPr lang="en-US" sz="3200" dirty="0">
                           <a:solidFill>
                             <a:schemeClr val="tx1"/>
                           </a:solidFill>
                         </a:rPr>
                         <a:t>c</a:t>
                       </a:r>
-                      <a:endParaRPr lang="en-US" sz="3200" dirty="0">
-                        <a:solidFill>
-                          <a:schemeClr val="tx1"/>
-                        </a:solidFill>
-                      </a:endParaRPr>
                     </a:p>
                   </a:txBody>
                   <a:tcPr>
@@ -8506,18 +8720,13 @@
                     <a:p>
                       <a:pPr algn="ctr"/>
                       <a:r>
-                        <a:rPr lang="en-US" sz="3200" dirty="0" smtClean="0">
+                        <a:rPr lang="en-US" sz="3200" dirty="0">
                           <a:solidFill>
                             <a:schemeClr val="tx1"/>
                           </a:solidFill>
                         </a:rPr>
                         <a:t>d</a:t>
                       </a:r>
-                      <a:endParaRPr lang="en-US" sz="3200" dirty="0">
-                        <a:solidFill>
-                          <a:schemeClr val="tx1"/>
-                        </a:solidFill>
-                      </a:endParaRPr>
                     </a:p>
                   </a:txBody>
                   <a:tcPr>
@@ -8577,18 +8786,13 @@
                     <a:p>
                       <a:pPr algn="ctr"/>
                       <a:r>
-                        <a:rPr lang="en-US" sz="3200" dirty="0" smtClean="0">
+                        <a:rPr lang="en-US" sz="3200" dirty="0">
                           <a:solidFill>
                             <a:schemeClr val="tx1"/>
                           </a:solidFill>
                         </a:rPr>
                         <a:t>e</a:t>
                       </a:r>
-                      <a:endParaRPr lang="en-US" sz="3200" dirty="0">
-                        <a:solidFill>
-                          <a:schemeClr val="tx1"/>
-                        </a:solidFill>
-                      </a:endParaRPr>
                     </a:p>
                   </a:txBody>
                   <a:tcPr>
@@ -8648,18 +8852,13 @@
                     <a:p>
                       <a:pPr algn="ctr"/>
                       <a:r>
-                        <a:rPr lang="en-US" sz="3200" dirty="0" smtClean="0">
+                        <a:rPr lang="en-US" sz="3200" dirty="0">
                           <a:solidFill>
                             <a:srgbClr val="00B050"/>
                           </a:solidFill>
                         </a:rPr>
                         <a:t>f</a:t>
                       </a:r>
-                      <a:endParaRPr lang="en-US" sz="3200" dirty="0">
-                        <a:solidFill>
-                          <a:srgbClr val="00B050"/>
-                        </a:solidFill>
-                      </a:endParaRPr>
                     </a:p>
                   </a:txBody>
                   <a:tcPr>
@@ -8964,6 +9163,11 @@
                     </a:solidFill>
                   </a:tcPr>
                 </a:tc>
+                <a:extLst>
+                  <a:ext uri="{0D108BD9-81ED-4DB2-BD59-A6C34878D82A}">
+                    <a16:rowId xmlns:a16="http://schemas.microsoft.com/office/drawing/2014/main" val="10000"/>
+                  </a:ext>
+                </a:extLst>
               </a:tr>
             </a:tbl>
           </a:graphicData>
@@ -9189,11 +9393,41 @@
                 <a:tableStyleId>{5C22544A-7EE6-4342-B048-85BDC9FD1C3A}</a:tableStyleId>
               </a:tblPr>
               <a:tblGrid>
-                <a:gridCol w="901522"/>
-                <a:gridCol w="901522"/>
-                <a:gridCol w="901522"/>
-                <a:gridCol w="901522"/>
-                <a:gridCol w="901522"/>
+                <a:gridCol w="901522">
+                  <a:extLst>
+                    <a:ext uri="{9D8B030D-6E8A-4147-A177-3AD203B41FA5}">
+                      <a16:colId xmlns:a16="http://schemas.microsoft.com/office/drawing/2014/main" val="20000"/>
+                    </a:ext>
+                  </a:extLst>
+                </a:gridCol>
+                <a:gridCol w="901522">
+                  <a:extLst>
+                    <a:ext uri="{9D8B030D-6E8A-4147-A177-3AD203B41FA5}">
+                      <a16:colId xmlns:a16="http://schemas.microsoft.com/office/drawing/2014/main" val="20001"/>
+                    </a:ext>
+                  </a:extLst>
+                </a:gridCol>
+                <a:gridCol w="901522">
+                  <a:extLst>
+                    <a:ext uri="{9D8B030D-6E8A-4147-A177-3AD203B41FA5}">
+                      <a16:colId xmlns:a16="http://schemas.microsoft.com/office/drawing/2014/main" val="20002"/>
+                    </a:ext>
+                  </a:extLst>
+                </a:gridCol>
+                <a:gridCol w="901522">
+                  <a:extLst>
+                    <a:ext uri="{9D8B030D-6E8A-4147-A177-3AD203B41FA5}">
+                      <a16:colId xmlns:a16="http://schemas.microsoft.com/office/drawing/2014/main" val="20003"/>
+                    </a:ext>
+                  </a:extLst>
+                </a:gridCol>
+                <a:gridCol w="901522">
+                  <a:extLst>
+                    <a:ext uri="{9D8B030D-6E8A-4147-A177-3AD203B41FA5}">
+                      <a16:colId xmlns:a16="http://schemas.microsoft.com/office/drawing/2014/main" val="20004"/>
+                    </a:ext>
+                  </a:extLst>
+                </a:gridCol>
               </a:tblGrid>
               <a:tr h="613987">
                 <a:tc>
@@ -9203,18 +9437,13 @@
                     <a:p>
                       <a:pPr algn="ctr"/>
                       <a:r>
-                        <a:rPr lang="en-US" sz="3200" dirty="0" smtClean="0">
+                        <a:rPr lang="en-US" sz="3200" dirty="0">
                           <a:solidFill>
                             <a:schemeClr val="tx1"/>
                           </a:solidFill>
                         </a:rPr>
                         <a:t>a</a:t>
                       </a:r>
-                      <a:endParaRPr lang="en-US" sz="3200" dirty="0">
-                        <a:solidFill>
-                          <a:schemeClr val="tx1"/>
-                        </a:solidFill>
-                      </a:endParaRPr>
                     </a:p>
                   </a:txBody>
                   <a:tcPr>
@@ -9519,6 +9748,11 @@
                     </a:solidFill>
                   </a:tcPr>
                 </a:tc>
+                <a:extLst>
+                  <a:ext uri="{0D108BD9-81ED-4DB2-BD59-A6C34878D82A}">
+                    <a16:rowId xmlns:a16="http://schemas.microsoft.com/office/drawing/2014/main" val="10000"/>
+                  </a:ext>
+                </a:extLst>
               </a:tr>
             </a:tbl>
           </a:graphicData>
@@ -9549,11 +9783,41 @@
                 <a:tableStyleId>{5C22544A-7EE6-4342-B048-85BDC9FD1C3A}</a:tableStyleId>
               </a:tblPr>
               <a:tblGrid>
-                <a:gridCol w="901522"/>
-                <a:gridCol w="901522"/>
-                <a:gridCol w="901522"/>
-                <a:gridCol w="901522"/>
-                <a:gridCol w="901522"/>
+                <a:gridCol w="901522">
+                  <a:extLst>
+                    <a:ext uri="{9D8B030D-6E8A-4147-A177-3AD203B41FA5}">
+                      <a16:colId xmlns:a16="http://schemas.microsoft.com/office/drawing/2014/main" val="20000"/>
+                    </a:ext>
+                  </a:extLst>
+                </a:gridCol>
+                <a:gridCol w="901522">
+                  <a:extLst>
+                    <a:ext uri="{9D8B030D-6E8A-4147-A177-3AD203B41FA5}">
+                      <a16:colId xmlns:a16="http://schemas.microsoft.com/office/drawing/2014/main" val="20001"/>
+                    </a:ext>
+                  </a:extLst>
+                </a:gridCol>
+                <a:gridCol w="901522">
+                  <a:extLst>
+                    <a:ext uri="{9D8B030D-6E8A-4147-A177-3AD203B41FA5}">
+                      <a16:colId xmlns:a16="http://schemas.microsoft.com/office/drawing/2014/main" val="20002"/>
+                    </a:ext>
+                  </a:extLst>
+                </a:gridCol>
+                <a:gridCol w="901522">
+                  <a:extLst>
+                    <a:ext uri="{9D8B030D-6E8A-4147-A177-3AD203B41FA5}">
+                      <a16:colId xmlns:a16="http://schemas.microsoft.com/office/drawing/2014/main" val="20003"/>
+                    </a:ext>
+                  </a:extLst>
+                </a:gridCol>
+                <a:gridCol w="901522">
+                  <a:extLst>
+                    <a:ext uri="{9D8B030D-6E8A-4147-A177-3AD203B41FA5}">
+                      <a16:colId xmlns:a16="http://schemas.microsoft.com/office/drawing/2014/main" val="20004"/>
+                    </a:ext>
+                  </a:extLst>
+                </a:gridCol>
               </a:tblGrid>
               <a:tr h="613987">
                 <a:tc>
@@ -9563,18 +9827,13 @@
                     <a:p>
                       <a:pPr algn="ctr"/>
                       <a:r>
-                        <a:rPr lang="en-US" sz="3200" dirty="0" smtClean="0">
+                        <a:rPr lang="en-US" sz="3200" dirty="0">
                           <a:solidFill>
                             <a:schemeClr val="tx1"/>
                           </a:solidFill>
                         </a:rPr>
                         <a:t>a</a:t>
                       </a:r>
-                      <a:endParaRPr lang="en-US" sz="3200" dirty="0">
-                        <a:solidFill>
-                          <a:schemeClr val="tx1"/>
-                        </a:solidFill>
-                      </a:endParaRPr>
                     </a:p>
                   </a:txBody>
                   <a:tcPr>
@@ -9634,18 +9893,13 @@
                     <a:p>
                       <a:pPr algn="ctr"/>
                       <a:r>
-                        <a:rPr lang="en-US" sz="3200" dirty="0" smtClean="0">
+                        <a:rPr lang="en-US" sz="3200" dirty="0">
                           <a:solidFill>
                             <a:schemeClr val="tx1"/>
                           </a:solidFill>
                         </a:rPr>
                         <a:t>b</a:t>
                       </a:r>
-                      <a:endParaRPr lang="en-US" sz="3200" dirty="0">
-                        <a:solidFill>
-                          <a:schemeClr val="tx1"/>
-                        </a:solidFill>
-                      </a:endParaRPr>
                     </a:p>
                   </a:txBody>
                   <a:tcPr>
@@ -9887,6 +10141,11 @@
                     </a:solidFill>
                   </a:tcPr>
                 </a:tc>
+                <a:extLst>
+                  <a:ext uri="{0D108BD9-81ED-4DB2-BD59-A6C34878D82A}">
+                    <a16:rowId xmlns:a16="http://schemas.microsoft.com/office/drawing/2014/main" val="10000"/>
+                  </a:ext>
+                </a:extLst>
               </a:tr>
             </a:tbl>
           </a:graphicData>
@@ -9917,11 +10176,41 @@
                 <a:tableStyleId>{5C22544A-7EE6-4342-B048-85BDC9FD1C3A}</a:tableStyleId>
               </a:tblPr>
               <a:tblGrid>
-                <a:gridCol w="901522"/>
-                <a:gridCol w="901522"/>
-                <a:gridCol w="901522"/>
-                <a:gridCol w="901522"/>
-                <a:gridCol w="901522"/>
+                <a:gridCol w="901522">
+                  <a:extLst>
+                    <a:ext uri="{9D8B030D-6E8A-4147-A177-3AD203B41FA5}">
+                      <a16:colId xmlns:a16="http://schemas.microsoft.com/office/drawing/2014/main" val="20000"/>
+                    </a:ext>
+                  </a:extLst>
+                </a:gridCol>
+                <a:gridCol w="901522">
+                  <a:extLst>
+                    <a:ext uri="{9D8B030D-6E8A-4147-A177-3AD203B41FA5}">
+                      <a16:colId xmlns:a16="http://schemas.microsoft.com/office/drawing/2014/main" val="20001"/>
+                    </a:ext>
+                  </a:extLst>
+                </a:gridCol>
+                <a:gridCol w="901522">
+                  <a:extLst>
+                    <a:ext uri="{9D8B030D-6E8A-4147-A177-3AD203B41FA5}">
+                      <a16:colId xmlns:a16="http://schemas.microsoft.com/office/drawing/2014/main" val="20002"/>
+                    </a:ext>
+                  </a:extLst>
+                </a:gridCol>
+                <a:gridCol w="901522">
+                  <a:extLst>
+                    <a:ext uri="{9D8B030D-6E8A-4147-A177-3AD203B41FA5}">
+                      <a16:colId xmlns:a16="http://schemas.microsoft.com/office/drawing/2014/main" val="20003"/>
+                    </a:ext>
+                  </a:extLst>
+                </a:gridCol>
+                <a:gridCol w="901522">
+                  <a:extLst>
+                    <a:ext uri="{9D8B030D-6E8A-4147-A177-3AD203B41FA5}">
+                      <a16:colId xmlns:a16="http://schemas.microsoft.com/office/drawing/2014/main" val="20004"/>
+                    </a:ext>
+                  </a:extLst>
+                </a:gridCol>
               </a:tblGrid>
               <a:tr h="613987">
                 <a:tc>
@@ -9931,18 +10220,13 @@
                     <a:p>
                       <a:pPr algn="ctr"/>
                       <a:r>
-                        <a:rPr lang="en-US" sz="3200" dirty="0" smtClean="0">
+                        <a:rPr lang="en-US" sz="3200" dirty="0">
                           <a:solidFill>
                             <a:schemeClr val="tx1"/>
                           </a:solidFill>
                         </a:rPr>
                         <a:t>a</a:t>
                       </a:r>
-                      <a:endParaRPr lang="en-US" sz="3200" dirty="0">
-                        <a:solidFill>
-                          <a:schemeClr val="tx1"/>
-                        </a:solidFill>
-                      </a:endParaRPr>
                     </a:p>
                   </a:txBody>
                   <a:tcPr>
@@ -10002,18 +10286,13 @@
                     <a:p>
                       <a:pPr algn="ctr"/>
                       <a:r>
-                        <a:rPr lang="en-US" sz="3200" dirty="0" smtClean="0">
+                        <a:rPr lang="en-US" sz="3200" dirty="0">
                           <a:solidFill>
                             <a:schemeClr val="tx1"/>
                           </a:solidFill>
                         </a:rPr>
                         <a:t>b</a:t>
                       </a:r>
-                      <a:endParaRPr lang="en-US" sz="3200" dirty="0">
-                        <a:solidFill>
-                          <a:schemeClr val="tx1"/>
-                        </a:solidFill>
-                      </a:endParaRPr>
                     </a:p>
                   </a:txBody>
                   <a:tcPr>
@@ -10073,18 +10352,13 @@
                     <a:p>
                       <a:pPr algn="ctr"/>
                       <a:r>
-                        <a:rPr lang="en-US" sz="3200" dirty="0" smtClean="0">
+                        <a:rPr lang="en-US" sz="3200" dirty="0">
                           <a:solidFill>
                             <a:schemeClr val="tx1"/>
                           </a:solidFill>
                         </a:rPr>
                         <a:t>c</a:t>
                       </a:r>
-                      <a:endParaRPr lang="en-US" sz="3200" dirty="0">
-                        <a:solidFill>
-                          <a:schemeClr val="tx1"/>
-                        </a:solidFill>
-                      </a:endParaRPr>
                     </a:p>
                   </a:txBody>
                   <a:tcPr>
@@ -10263,6 +10537,11 @@
                     </a:solidFill>
                   </a:tcPr>
                 </a:tc>
+                <a:extLst>
+                  <a:ext uri="{0D108BD9-81ED-4DB2-BD59-A6C34878D82A}">
+                    <a16:rowId xmlns:a16="http://schemas.microsoft.com/office/drawing/2014/main" val="10000"/>
+                  </a:ext>
+                </a:extLst>
               </a:tr>
             </a:tbl>
           </a:graphicData>
@@ -10293,11 +10572,41 @@
                 <a:tableStyleId>{5C22544A-7EE6-4342-B048-85BDC9FD1C3A}</a:tableStyleId>
               </a:tblPr>
               <a:tblGrid>
-                <a:gridCol w="901522"/>
-                <a:gridCol w="901522"/>
-                <a:gridCol w="901522"/>
-                <a:gridCol w="901522"/>
-                <a:gridCol w="901522"/>
+                <a:gridCol w="901522">
+                  <a:extLst>
+                    <a:ext uri="{9D8B030D-6E8A-4147-A177-3AD203B41FA5}">
+                      <a16:colId xmlns:a16="http://schemas.microsoft.com/office/drawing/2014/main" val="20000"/>
+                    </a:ext>
+                  </a:extLst>
+                </a:gridCol>
+                <a:gridCol w="901522">
+                  <a:extLst>
+                    <a:ext uri="{9D8B030D-6E8A-4147-A177-3AD203B41FA5}">
+                      <a16:colId xmlns:a16="http://schemas.microsoft.com/office/drawing/2014/main" val="20001"/>
+                    </a:ext>
+                  </a:extLst>
+                </a:gridCol>
+                <a:gridCol w="901522">
+                  <a:extLst>
+                    <a:ext uri="{9D8B030D-6E8A-4147-A177-3AD203B41FA5}">
+                      <a16:colId xmlns:a16="http://schemas.microsoft.com/office/drawing/2014/main" val="20002"/>
+                    </a:ext>
+                  </a:extLst>
+                </a:gridCol>
+                <a:gridCol w="901522">
+                  <a:extLst>
+                    <a:ext uri="{9D8B030D-6E8A-4147-A177-3AD203B41FA5}">
+                      <a16:colId xmlns:a16="http://schemas.microsoft.com/office/drawing/2014/main" val="20003"/>
+                    </a:ext>
+                  </a:extLst>
+                </a:gridCol>
+                <a:gridCol w="901522">
+                  <a:extLst>
+                    <a:ext uri="{9D8B030D-6E8A-4147-A177-3AD203B41FA5}">
+                      <a16:colId xmlns:a16="http://schemas.microsoft.com/office/drawing/2014/main" val="20004"/>
+                    </a:ext>
+                  </a:extLst>
+                </a:gridCol>
               </a:tblGrid>
               <a:tr h="613987">
                 <a:tc>
@@ -10307,18 +10616,13 @@
                     <a:p>
                       <a:pPr algn="ctr"/>
                       <a:r>
-                        <a:rPr lang="en-US" sz="3200" dirty="0" smtClean="0">
+                        <a:rPr lang="en-US" sz="3200" dirty="0">
                           <a:solidFill>
                             <a:schemeClr val="tx1"/>
                           </a:solidFill>
                         </a:rPr>
                         <a:t>a</a:t>
                       </a:r>
-                      <a:endParaRPr lang="en-US" sz="3200" dirty="0">
-                        <a:solidFill>
-                          <a:schemeClr val="tx1"/>
-                        </a:solidFill>
-                      </a:endParaRPr>
                     </a:p>
                   </a:txBody>
                   <a:tcPr>
@@ -10378,18 +10682,13 @@
                     <a:p>
                       <a:pPr algn="ctr"/>
                       <a:r>
-                        <a:rPr lang="en-US" sz="3200" dirty="0" smtClean="0">
+                        <a:rPr lang="en-US" sz="3200" dirty="0">
                           <a:solidFill>
                             <a:schemeClr val="tx1"/>
                           </a:solidFill>
                         </a:rPr>
                         <a:t>b</a:t>
                       </a:r>
-                      <a:endParaRPr lang="en-US" sz="3200" dirty="0">
-                        <a:solidFill>
-                          <a:schemeClr val="tx1"/>
-                        </a:solidFill>
-                      </a:endParaRPr>
                     </a:p>
                   </a:txBody>
                   <a:tcPr>
@@ -10449,18 +10748,13 @@
                     <a:p>
                       <a:pPr algn="ctr"/>
                       <a:r>
-                        <a:rPr lang="en-US" sz="3200" dirty="0" smtClean="0">
+                        <a:rPr lang="en-US" sz="3200" dirty="0">
                           <a:solidFill>
                             <a:schemeClr val="tx1"/>
                           </a:solidFill>
                         </a:rPr>
                         <a:t>c</a:t>
                       </a:r>
-                      <a:endParaRPr lang="en-US" sz="3200" dirty="0">
-                        <a:solidFill>
-                          <a:schemeClr val="tx1"/>
-                        </a:solidFill>
-                      </a:endParaRPr>
                     </a:p>
                   </a:txBody>
                   <a:tcPr>
@@ -10520,18 +10814,13 @@
                     <a:p>
                       <a:pPr algn="ctr"/>
                       <a:r>
-                        <a:rPr lang="en-US" sz="3200" dirty="0" smtClean="0">
+                        <a:rPr lang="en-US" sz="3200" dirty="0">
                           <a:solidFill>
                             <a:schemeClr val="tx1"/>
                           </a:solidFill>
                         </a:rPr>
                         <a:t>d</a:t>
                       </a:r>
-                      <a:endParaRPr lang="en-US" sz="3200" dirty="0">
-                        <a:solidFill>
-                          <a:schemeClr val="tx1"/>
-                        </a:solidFill>
-                      </a:endParaRPr>
                     </a:p>
                   </a:txBody>
                   <a:tcPr>
@@ -10647,6 +10936,11 @@
                     </a:solidFill>
                   </a:tcPr>
                 </a:tc>
+                <a:extLst>
+                  <a:ext uri="{0D108BD9-81ED-4DB2-BD59-A6C34878D82A}">
+                    <a16:rowId xmlns:a16="http://schemas.microsoft.com/office/drawing/2014/main" val="10000"/>
+                  </a:ext>
+                </a:extLst>
               </a:tr>
             </a:tbl>
           </a:graphicData>
@@ -10677,11 +10971,41 @@
                 <a:tableStyleId>{5C22544A-7EE6-4342-B048-85BDC9FD1C3A}</a:tableStyleId>
               </a:tblPr>
               <a:tblGrid>
-                <a:gridCol w="901522"/>
-                <a:gridCol w="901522"/>
-                <a:gridCol w="901522"/>
-                <a:gridCol w="901522"/>
-                <a:gridCol w="901522"/>
+                <a:gridCol w="901522">
+                  <a:extLst>
+                    <a:ext uri="{9D8B030D-6E8A-4147-A177-3AD203B41FA5}">
+                      <a16:colId xmlns:a16="http://schemas.microsoft.com/office/drawing/2014/main" val="20000"/>
+                    </a:ext>
+                  </a:extLst>
+                </a:gridCol>
+                <a:gridCol w="901522">
+                  <a:extLst>
+                    <a:ext uri="{9D8B030D-6E8A-4147-A177-3AD203B41FA5}">
+                      <a16:colId xmlns:a16="http://schemas.microsoft.com/office/drawing/2014/main" val="20001"/>
+                    </a:ext>
+                  </a:extLst>
+                </a:gridCol>
+                <a:gridCol w="901522">
+                  <a:extLst>
+                    <a:ext uri="{9D8B030D-6E8A-4147-A177-3AD203B41FA5}">
+                      <a16:colId xmlns:a16="http://schemas.microsoft.com/office/drawing/2014/main" val="20002"/>
+                    </a:ext>
+                  </a:extLst>
+                </a:gridCol>
+                <a:gridCol w="901522">
+                  <a:extLst>
+                    <a:ext uri="{9D8B030D-6E8A-4147-A177-3AD203B41FA5}">
+                      <a16:colId xmlns:a16="http://schemas.microsoft.com/office/drawing/2014/main" val="20003"/>
+                    </a:ext>
+                  </a:extLst>
+                </a:gridCol>
+                <a:gridCol w="901522">
+                  <a:extLst>
+                    <a:ext uri="{9D8B030D-6E8A-4147-A177-3AD203B41FA5}">
+                      <a16:colId xmlns:a16="http://schemas.microsoft.com/office/drawing/2014/main" val="20004"/>
+                    </a:ext>
+                  </a:extLst>
+                </a:gridCol>
               </a:tblGrid>
               <a:tr h="613987">
                 <a:tc>
@@ -10691,18 +11015,13 @@
                     <a:p>
                       <a:pPr algn="ctr"/>
                       <a:r>
-                        <a:rPr lang="en-US" sz="3200" dirty="0" smtClean="0">
+                        <a:rPr lang="en-US" sz="3200" dirty="0">
                           <a:solidFill>
                             <a:schemeClr val="tx1"/>
                           </a:solidFill>
                         </a:rPr>
                         <a:t>a</a:t>
                       </a:r>
-                      <a:endParaRPr lang="en-US" sz="3200" dirty="0">
-                        <a:solidFill>
-                          <a:schemeClr val="tx1"/>
-                        </a:solidFill>
-                      </a:endParaRPr>
                     </a:p>
                   </a:txBody>
                   <a:tcPr>
@@ -10762,18 +11081,13 @@
                     <a:p>
                       <a:pPr algn="ctr"/>
                       <a:r>
-                        <a:rPr lang="en-US" sz="3200" dirty="0" smtClean="0">
+                        <a:rPr lang="en-US" sz="3200" dirty="0">
                           <a:solidFill>
                             <a:schemeClr val="tx1"/>
                           </a:solidFill>
                         </a:rPr>
                         <a:t>b</a:t>
                       </a:r>
-                      <a:endParaRPr lang="en-US" sz="3200" dirty="0">
-                        <a:solidFill>
-                          <a:schemeClr val="tx1"/>
-                        </a:solidFill>
-                      </a:endParaRPr>
                     </a:p>
                   </a:txBody>
                   <a:tcPr>
@@ -10833,18 +11147,13 @@
                     <a:p>
                       <a:pPr algn="ctr"/>
                       <a:r>
-                        <a:rPr lang="en-US" sz="3200" dirty="0" smtClean="0">
+                        <a:rPr lang="en-US" sz="3200" dirty="0">
                           <a:solidFill>
                             <a:schemeClr val="tx1"/>
                           </a:solidFill>
                         </a:rPr>
                         <a:t>c</a:t>
                       </a:r>
-                      <a:endParaRPr lang="en-US" sz="3200" dirty="0">
-                        <a:solidFill>
-                          <a:schemeClr val="tx1"/>
-                        </a:solidFill>
-                      </a:endParaRPr>
                     </a:p>
                   </a:txBody>
                   <a:tcPr>
@@ -10904,18 +11213,13 @@
                     <a:p>
                       <a:pPr algn="ctr"/>
                       <a:r>
-                        <a:rPr lang="en-US" sz="3200" dirty="0" smtClean="0">
+                        <a:rPr lang="en-US" sz="3200" dirty="0">
                           <a:solidFill>
                             <a:schemeClr val="tx1"/>
                           </a:solidFill>
                         </a:rPr>
                         <a:t>d</a:t>
                       </a:r>
-                      <a:endParaRPr lang="en-US" sz="3200" dirty="0">
-                        <a:solidFill>
-                          <a:schemeClr val="tx1"/>
-                        </a:solidFill>
-                      </a:endParaRPr>
                     </a:p>
                   </a:txBody>
                   <a:tcPr>
@@ -10975,18 +11279,13 @@
                     <a:p>
                       <a:pPr algn="ctr"/>
                       <a:r>
-                        <a:rPr lang="en-US" sz="3200" dirty="0" smtClean="0">
+                        <a:rPr lang="en-US" sz="3200" dirty="0">
                           <a:solidFill>
                             <a:schemeClr val="tx1"/>
                           </a:solidFill>
                         </a:rPr>
                         <a:t>e</a:t>
                       </a:r>
-                      <a:endParaRPr lang="en-US" sz="3200" dirty="0">
-                        <a:solidFill>
-                          <a:schemeClr val="tx1"/>
-                        </a:solidFill>
-                      </a:endParaRPr>
                     </a:p>
                   </a:txBody>
                   <a:tcPr>
@@ -11039,6 +11338,11 @@
                     </a:solidFill>
                   </a:tcPr>
                 </a:tc>
+                <a:extLst>
+                  <a:ext uri="{0D108BD9-81ED-4DB2-BD59-A6C34878D82A}">
+                    <a16:rowId xmlns:a16="http://schemas.microsoft.com/office/drawing/2014/main" val="10000"/>
+                  </a:ext>
+                </a:extLst>
               </a:tr>
             </a:tbl>
           </a:graphicData>
@@ -11069,16 +11373,76 @@
                 <a:tableStyleId>{5C22544A-7EE6-4342-B048-85BDC9FD1C3A}</a:tableStyleId>
               </a:tblPr>
               <a:tblGrid>
-                <a:gridCol w="901522"/>
-                <a:gridCol w="901522"/>
-                <a:gridCol w="901522"/>
-                <a:gridCol w="901522"/>
-                <a:gridCol w="901522"/>
-                <a:gridCol w="901522"/>
-                <a:gridCol w="901522"/>
-                <a:gridCol w="901522"/>
-                <a:gridCol w="901522"/>
-                <a:gridCol w="901522"/>
+                <a:gridCol w="901522">
+                  <a:extLst>
+                    <a:ext uri="{9D8B030D-6E8A-4147-A177-3AD203B41FA5}">
+                      <a16:colId xmlns:a16="http://schemas.microsoft.com/office/drawing/2014/main" val="20000"/>
+                    </a:ext>
+                  </a:extLst>
+                </a:gridCol>
+                <a:gridCol w="901522">
+                  <a:extLst>
+                    <a:ext uri="{9D8B030D-6E8A-4147-A177-3AD203B41FA5}">
+                      <a16:colId xmlns:a16="http://schemas.microsoft.com/office/drawing/2014/main" val="20001"/>
+                    </a:ext>
+                  </a:extLst>
+                </a:gridCol>
+                <a:gridCol w="901522">
+                  <a:extLst>
+                    <a:ext uri="{9D8B030D-6E8A-4147-A177-3AD203B41FA5}">
+                      <a16:colId xmlns:a16="http://schemas.microsoft.com/office/drawing/2014/main" val="20002"/>
+                    </a:ext>
+                  </a:extLst>
+                </a:gridCol>
+                <a:gridCol w="901522">
+                  <a:extLst>
+                    <a:ext uri="{9D8B030D-6E8A-4147-A177-3AD203B41FA5}">
+                      <a16:colId xmlns:a16="http://schemas.microsoft.com/office/drawing/2014/main" val="20003"/>
+                    </a:ext>
+                  </a:extLst>
+                </a:gridCol>
+                <a:gridCol w="901522">
+                  <a:extLst>
+                    <a:ext uri="{9D8B030D-6E8A-4147-A177-3AD203B41FA5}">
+                      <a16:colId xmlns:a16="http://schemas.microsoft.com/office/drawing/2014/main" val="20004"/>
+                    </a:ext>
+                  </a:extLst>
+                </a:gridCol>
+                <a:gridCol w="901522">
+                  <a:extLst>
+                    <a:ext uri="{9D8B030D-6E8A-4147-A177-3AD203B41FA5}">
+                      <a16:colId xmlns:a16="http://schemas.microsoft.com/office/drawing/2014/main" val="20005"/>
+                    </a:ext>
+                  </a:extLst>
+                </a:gridCol>
+                <a:gridCol w="901522">
+                  <a:extLst>
+                    <a:ext uri="{9D8B030D-6E8A-4147-A177-3AD203B41FA5}">
+                      <a16:colId xmlns:a16="http://schemas.microsoft.com/office/drawing/2014/main" val="20006"/>
+                    </a:ext>
+                  </a:extLst>
+                </a:gridCol>
+                <a:gridCol w="901522">
+                  <a:extLst>
+                    <a:ext uri="{9D8B030D-6E8A-4147-A177-3AD203B41FA5}">
+                      <a16:colId xmlns:a16="http://schemas.microsoft.com/office/drawing/2014/main" val="20007"/>
+                    </a:ext>
+                  </a:extLst>
+                </a:gridCol>
+                <a:gridCol w="901522">
+                  <a:extLst>
+                    <a:ext uri="{9D8B030D-6E8A-4147-A177-3AD203B41FA5}">
+                      <a16:colId xmlns:a16="http://schemas.microsoft.com/office/drawing/2014/main" val="20008"/>
+                    </a:ext>
+                  </a:extLst>
+                </a:gridCol>
+                <a:gridCol w="901522">
+                  <a:extLst>
+                    <a:ext uri="{9D8B030D-6E8A-4147-A177-3AD203B41FA5}">
+                      <a16:colId xmlns:a16="http://schemas.microsoft.com/office/drawing/2014/main" val="20009"/>
+                    </a:ext>
+                  </a:extLst>
+                </a:gridCol>
               </a:tblGrid>
               <a:tr h="613987">
                 <a:tc>
@@ -11088,18 +11452,13 @@
                     <a:p>
                       <a:pPr algn="ctr"/>
                       <a:r>
-                        <a:rPr lang="en-US" sz="3200" dirty="0" smtClean="0">
+                        <a:rPr lang="en-US" sz="3200" dirty="0">
                           <a:solidFill>
                             <a:schemeClr val="tx1"/>
                           </a:solidFill>
                         </a:rPr>
                         <a:t>a</a:t>
                       </a:r>
-                      <a:endParaRPr lang="en-US" sz="3200" dirty="0">
-                        <a:solidFill>
-                          <a:schemeClr val="tx1"/>
-                        </a:solidFill>
-                      </a:endParaRPr>
                     </a:p>
                   </a:txBody>
                   <a:tcPr>
@@ -11159,18 +11518,13 @@
                     <a:p>
                       <a:pPr algn="ctr"/>
                       <a:r>
-                        <a:rPr lang="en-US" sz="3200" dirty="0" smtClean="0">
+                        <a:rPr lang="en-US" sz="3200" dirty="0">
                           <a:solidFill>
                             <a:schemeClr val="tx1"/>
                           </a:solidFill>
                         </a:rPr>
                         <a:t>b</a:t>
                       </a:r>
-                      <a:endParaRPr lang="en-US" sz="3200" dirty="0">
-                        <a:solidFill>
-                          <a:schemeClr val="tx1"/>
-                        </a:solidFill>
-                      </a:endParaRPr>
                     </a:p>
                   </a:txBody>
                   <a:tcPr>
@@ -11230,18 +11584,13 @@
                     <a:p>
                       <a:pPr algn="ctr"/>
                       <a:r>
-                        <a:rPr lang="en-US" sz="3200" dirty="0" smtClean="0">
+                        <a:rPr lang="en-US" sz="3200" dirty="0">
                           <a:solidFill>
                             <a:schemeClr val="tx1"/>
                           </a:solidFill>
                         </a:rPr>
                         <a:t>c</a:t>
                       </a:r>
-                      <a:endParaRPr lang="en-US" sz="3200" dirty="0">
-                        <a:solidFill>
-                          <a:schemeClr val="tx1"/>
-                        </a:solidFill>
-                      </a:endParaRPr>
                     </a:p>
                   </a:txBody>
                   <a:tcPr>
@@ -11301,18 +11650,13 @@
                     <a:p>
                       <a:pPr algn="ctr"/>
                       <a:r>
-                        <a:rPr lang="en-US" sz="3200" dirty="0" smtClean="0">
+                        <a:rPr lang="en-US" sz="3200" dirty="0">
                           <a:solidFill>
                             <a:schemeClr val="tx1"/>
                           </a:solidFill>
                         </a:rPr>
                         <a:t>d</a:t>
                       </a:r>
-                      <a:endParaRPr lang="en-US" sz="3200" dirty="0">
-                        <a:solidFill>
-                          <a:schemeClr val="tx1"/>
-                        </a:solidFill>
-                      </a:endParaRPr>
                     </a:p>
                   </a:txBody>
                   <a:tcPr>
@@ -11372,18 +11716,13 @@
                     <a:p>
                       <a:pPr algn="ctr"/>
                       <a:r>
-                        <a:rPr lang="en-US" sz="3200" dirty="0" smtClean="0">
+                        <a:rPr lang="en-US" sz="3200" dirty="0">
                           <a:solidFill>
                             <a:schemeClr val="tx1"/>
                           </a:solidFill>
                         </a:rPr>
                         <a:t>e</a:t>
                       </a:r>
-                      <a:endParaRPr lang="en-US" sz="3200" dirty="0">
-                        <a:solidFill>
-                          <a:schemeClr val="tx1"/>
-                        </a:solidFill>
-                      </a:endParaRPr>
                     </a:p>
                   </a:txBody>
                   <a:tcPr>
@@ -11751,6 +12090,11 @@
                     </a:solidFill>
                   </a:tcPr>
                 </a:tc>
+                <a:extLst>
+                  <a:ext uri="{0D108BD9-81ED-4DB2-BD59-A6C34878D82A}">
+                    <a16:rowId xmlns:a16="http://schemas.microsoft.com/office/drawing/2014/main" val="10000"/>
+                  </a:ext>
+                </a:extLst>
               </a:tr>
             </a:tbl>
           </a:graphicData>
@@ -11779,7 +12123,7 @@
           <a:lstStyle/>
           <a:p>
             <a:r>
-              <a:rPr lang="en-US" sz="3200" dirty="0" smtClean="0"/>
+              <a:rPr lang="en-US" sz="3200" dirty="0"/>
               <a:t>Insert a</a:t>
             </a:r>
           </a:p>
@@ -11808,7 +12152,7 @@
           <a:lstStyle/>
           <a:p>
             <a:r>
-              <a:rPr lang="en-US" sz="3200" dirty="0" smtClean="0"/>
+              <a:rPr lang="en-US" sz="3200" dirty="0"/>
               <a:t>Insert b</a:t>
             </a:r>
           </a:p>
@@ -11837,7 +12181,7 @@
           <a:lstStyle/>
           <a:p>
             <a:r>
-              <a:rPr lang="en-US" sz="3200" dirty="0" smtClean="0"/>
+              <a:rPr lang="en-US" sz="3200" dirty="0"/>
               <a:t>Insert c</a:t>
             </a:r>
           </a:p>
@@ -11866,7 +12210,7 @@
           <a:lstStyle/>
           <a:p>
             <a:r>
-              <a:rPr lang="en-US" sz="3200" dirty="0" smtClean="0"/>
+              <a:rPr lang="en-US" sz="3200" dirty="0"/>
               <a:t>Insert d</a:t>
             </a:r>
           </a:p>
@@ -11895,7 +12239,7 @@
           <a:lstStyle/>
           <a:p>
             <a:r>
-              <a:rPr lang="en-US" sz="3200" dirty="0" smtClean="0"/>
+              <a:rPr lang="en-US" sz="3200" dirty="0"/>
               <a:t>Insert e</a:t>
             </a:r>
           </a:p>
@@ -11924,7 +12268,7 @@
           <a:lstStyle/>
           <a:p>
             <a:r>
-              <a:rPr lang="en-US" sz="3200" dirty="0" smtClean="0"/>
+              <a:rPr lang="en-US" sz="3200" dirty="0"/>
               <a:t>Insert f</a:t>
             </a:r>
           </a:p>
@@ -11955,16 +12299,76 @@
                 <a:tableStyleId>{5C22544A-7EE6-4342-B048-85BDC9FD1C3A}</a:tableStyleId>
               </a:tblPr>
               <a:tblGrid>
-                <a:gridCol w="901522"/>
-                <a:gridCol w="901522"/>
-                <a:gridCol w="901522"/>
-                <a:gridCol w="901522"/>
-                <a:gridCol w="901522"/>
-                <a:gridCol w="901522"/>
-                <a:gridCol w="901522"/>
-                <a:gridCol w="901522"/>
-                <a:gridCol w="901522"/>
-                <a:gridCol w="901522"/>
+                <a:gridCol w="901522">
+                  <a:extLst>
+                    <a:ext uri="{9D8B030D-6E8A-4147-A177-3AD203B41FA5}">
+                      <a16:colId xmlns:a16="http://schemas.microsoft.com/office/drawing/2014/main" val="20000"/>
+                    </a:ext>
+                  </a:extLst>
+                </a:gridCol>
+                <a:gridCol w="901522">
+                  <a:extLst>
+                    <a:ext uri="{9D8B030D-6E8A-4147-A177-3AD203B41FA5}">
+                      <a16:colId xmlns:a16="http://schemas.microsoft.com/office/drawing/2014/main" val="20001"/>
+                    </a:ext>
+                  </a:extLst>
+                </a:gridCol>
+                <a:gridCol w="901522">
+                  <a:extLst>
+                    <a:ext uri="{9D8B030D-6E8A-4147-A177-3AD203B41FA5}">
+                      <a16:colId xmlns:a16="http://schemas.microsoft.com/office/drawing/2014/main" val="20002"/>
+                    </a:ext>
+                  </a:extLst>
+                </a:gridCol>
+                <a:gridCol w="901522">
+                  <a:extLst>
+                    <a:ext uri="{9D8B030D-6E8A-4147-A177-3AD203B41FA5}">
+                      <a16:colId xmlns:a16="http://schemas.microsoft.com/office/drawing/2014/main" val="20003"/>
+                    </a:ext>
+                  </a:extLst>
+                </a:gridCol>
+                <a:gridCol w="901522">
+                  <a:extLst>
+                    <a:ext uri="{9D8B030D-6E8A-4147-A177-3AD203B41FA5}">
+                      <a16:colId xmlns:a16="http://schemas.microsoft.com/office/drawing/2014/main" val="20004"/>
+                    </a:ext>
+                  </a:extLst>
+                </a:gridCol>
+                <a:gridCol w="901522">
+                  <a:extLst>
+                    <a:ext uri="{9D8B030D-6E8A-4147-A177-3AD203B41FA5}">
+                      <a16:colId xmlns:a16="http://schemas.microsoft.com/office/drawing/2014/main" val="20005"/>
+                    </a:ext>
+                  </a:extLst>
+                </a:gridCol>
+                <a:gridCol w="901522">
+                  <a:extLst>
+                    <a:ext uri="{9D8B030D-6E8A-4147-A177-3AD203B41FA5}">
+                      <a16:colId xmlns:a16="http://schemas.microsoft.com/office/drawing/2014/main" val="20006"/>
+                    </a:ext>
+                  </a:extLst>
+                </a:gridCol>
+                <a:gridCol w="901522">
+                  <a:extLst>
+                    <a:ext uri="{9D8B030D-6E8A-4147-A177-3AD203B41FA5}">
+                      <a16:colId xmlns:a16="http://schemas.microsoft.com/office/drawing/2014/main" val="20007"/>
+                    </a:ext>
+                  </a:extLst>
+                </a:gridCol>
+                <a:gridCol w="901522">
+                  <a:extLst>
+                    <a:ext uri="{9D8B030D-6E8A-4147-A177-3AD203B41FA5}">
+                      <a16:colId xmlns:a16="http://schemas.microsoft.com/office/drawing/2014/main" val="20008"/>
+                    </a:ext>
+                  </a:extLst>
+                </a:gridCol>
+                <a:gridCol w="901522">
+                  <a:extLst>
+                    <a:ext uri="{9D8B030D-6E8A-4147-A177-3AD203B41FA5}">
+                      <a16:colId xmlns:a16="http://schemas.microsoft.com/office/drawing/2014/main" val="20009"/>
+                    </a:ext>
+                  </a:extLst>
+                </a:gridCol>
               </a:tblGrid>
               <a:tr h="613987">
                 <a:tc>
@@ -11974,18 +12378,13 @@
                     <a:p>
                       <a:pPr algn="ctr"/>
                       <a:r>
-                        <a:rPr lang="en-US" sz="3200" dirty="0" smtClean="0">
+                        <a:rPr lang="en-US" sz="3200" dirty="0">
                           <a:solidFill>
                             <a:schemeClr val="tx1"/>
                           </a:solidFill>
                         </a:rPr>
                         <a:t>a</a:t>
                       </a:r>
-                      <a:endParaRPr lang="en-US" sz="3200" dirty="0">
-                        <a:solidFill>
-                          <a:schemeClr val="tx1"/>
-                        </a:solidFill>
-                      </a:endParaRPr>
                     </a:p>
                   </a:txBody>
                   <a:tcPr>
@@ -12045,18 +12444,13 @@
                     <a:p>
                       <a:pPr algn="ctr"/>
                       <a:r>
-                        <a:rPr lang="en-US" sz="3200" dirty="0" smtClean="0">
+                        <a:rPr lang="en-US" sz="3200" dirty="0">
                           <a:solidFill>
                             <a:schemeClr val="tx1"/>
                           </a:solidFill>
                         </a:rPr>
                         <a:t>b</a:t>
                       </a:r>
-                      <a:endParaRPr lang="en-US" sz="3200" dirty="0">
-                        <a:solidFill>
-                          <a:schemeClr val="tx1"/>
-                        </a:solidFill>
-                      </a:endParaRPr>
                     </a:p>
                   </a:txBody>
                   <a:tcPr>
@@ -12116,18 +12510,13 @@
                     <a:p>
                       <a:pPr algn="ctr"/>
                       <a:r>
-                        <a:rPr lang="en-US" sz="3200" dirty="0" smtClean="0">
+                        <a:rPr lang="en-US" sz="3200" dirty="0">
                           <a:solidFill>
                             <a:schemeClr val="tx1"/>
                           </a:solidFill>
                         </a:rPr>
                         <a:t>c</a:t>
                       </a:r>
-                      <a:endParaRPr lang="en-US" sz="3200" dirty="0">
-                        <a:solidFill>
-                          <a:schemeClr val="tx1"/>
-                        </a:solidFill>
-                      </a:endParaRPr>
                     </a:p>
                   </a:txBody>
                   <a:tcPr>
@@ -12187,18 +12576,13 @@
                     <a:p>
                       <a:pPr algn="ctr"/>
                       <a:r>
-                        <a:rPr lang="en-US" sz="3200" dirty="0" smtClean="0">
+                        <a:rPr lang="en-US" sz="3200" dirty="0">
                           <a:solidFill>
                             <a:schemeClr val="tx1"/>
                           </a:solidFill>
                         </a:rPr>
                         <a:t>d</a:t>
                       </a:r>
-                      <a:endParaRPr lang="en-US" sz="3200" dirty="0">
-                        <a:solidFill>
-                          <a:schemeClr val="tx1"/>
-                        </a:solidFill>
-                      </a:endParaRPr>
                     </a:p>
                   </a:txBody>
                   <a:tcPr>
@@ -12258,18 +12642,13 @@
                     <a:p>
                       <a:pPr algn="ctr"/>
                       <a:r>
-                        <a:rPr lang="en-US" sz="3200" dirty="0" smtClean="0">
+                        <a:rPr lang="en-US" sz="3200" dirty="0">
                           <a:solidFill>
                             <a:schemeClr val="tx1"/>
                           </a:solidFill>
                         </a:rPr>
                         <a:t>e</a:t>
                       </a:r>
-                      <a:endParaRPr lang="en-US" sz="3200" dirty="0">
-                        <a:solidFill>
-                          <a:schemeClr val="tx1"/>
-                        </a:solidFill>
-                      </a:endParaRPr>
                     </a:p>
                   </a:txBody>
                   <a:tcPr>
@@ -12329,18 +12708,13 @@
                     <a:p>
                       <a:pPr algn="ctr"/>
                       <a:r>
-                        <a:rPr lang="en-US" sz="3200" dirty="0" smtClean="0">
+                        <a:rPr lang="en-US" sz="3200" dirty="0">
                           <a:solidFill>
                             <a:schemeClr val="tx1"/>
                           </a:solidFill>
                         </a:rPr>
                         <a:t>f</a:t>
                       </a:r>
-                      <a:endParaRPr lang="en-US" sz="3200" dirty="0">
-                        <a:solidFill>
-                          <a:schemeClr val="tx1"/>
-                        </a:solidFill>
-                      </a:endParaRPr>
                     </a:p>
                   </a:txBody>
                   <a:tcPr>
@@ -12645,6 +13019,11 @@
                     </a:solidFill>
                   </a:tcPr>
                 </a:tc>
+                <a:extLst>
+                  <a:ext uri="{0D108BD9-81ED-4DB2-BD59-A6C34878D82A}">
+                    <a16:rowId xmlns:a16="http://schemas.microsoft.com/office/drawing/2014/main" val="10000"/>
+                  </a:ext>
+                </a:extLst>
               </a:tr>
             </a:tbl>
           </a:graphicData>
@@ -12705,11 +13084,41 @@
                 <a:tableStyleId>{5C22544A-7EE6-4342-B048-85BDC9FD1C3A}</a:tableStyleId>
               </a:tblPr>
               <a:tblGrid>
-                <a:gridCol w="901522"/>
-                <a:gridCol w="901522"/>
-                <a:gridCol w="901522"/>
-                <a:gridCol w="901522"/>
-                <a:gridCol w="901522"/>
+                <a:gridCol w="901522">
+                  <a:extLst>
+                    <a:ext uri="{9D8B030D-6E8A-4147-A177-3AD203B41FA5}">
+                      <a16:colId xmlns:a16="http://schemas.microsoft.com/office/drawing/2014/main" val="20000"/>
+                    </a:ext>
+                  </a:extLst>
+                </a:gridCol>
+                <a:gridCol w="901522">
+                  <a:extLst>
+                    <a:ext uri="{9D8B030D-6E8A-4147-A177-3AD203B41FA5}">
+                      <a16:colId xmlns:a16="http://schemas.microsoft.com/office/drawing/2014/main" val="20001"/>
+                    </a:ext>
+                  </a:extLst>
+                </a:gridCol>
+                <a:gridCol w="901522">
+                  <a:extLst>
+                    <a:ext uri="{9D8B030D-6E8A-4147-A177-3AD203B41FA5}">
+                      <a16:colId xmlns:a16="http://schemas.microsoft.com/office/drawing/2014/main" val="20002"/>
+                    </a:ext>
+                  </a:extLst>
+                </a:gridCol>
+                <a:gridCol w="901522">
+                  <a:extLst>
+                    <a:ext uri="{9D8B030D-6E8A-4147-A177-3AD203B41FA5}">
+                      <a16:colId xmlns:a16="http://schemas.microsoft.com/office/drawing/2014/main" val="20003"/>
+                    </a:ext>
+                  </a:extLst>
+                </a:gridCol>
+                <a:gridCol w="901522">
+                  <a:extLst>
+                    <a:ext uri="{9D8B030D-6E8A-4147-A177-3AD203B41FA5}">
+                      <a16:colId xmlns:a16="http://schemas.microsoft.com/office/drawing/2014/main" val="20004"/>
+                    </a:ext>
+                  </a:extLst>
+                </a:gridCol>
               </a:tblGrid>
               <a:tr h="613987">
                 <a:tc>
@@ -12719,18 +13128,13 @@
                     <a:p>
                       <a:pPr algn="ctr"/>
                       <a:r>
-                        <a:rPr lang="en-US" sz="3200" dirty="0" smtClean="0">
+                        <a:rPr lang="en-US" sz="3200" dirty="0">
                           <a:solidFill>
                             <a:schemeClr val="tx1"/>
                           </a:solidFill>
                         </a:rPr>
                         <a:t>a</a:t>
                       </a:r>
-                      <a:endParaRPr lang="en-US" sz="3200" dirty="0">
-                        <a:solidFill>
-                          <a:schemeClr val="tx1"/>
-                        </a:solidFill>
-                      </a:endParaRPr>
                     </a:p>
                   </a:txBody>
                   <a:tcPr>
@@ -12790,18 +13194,13 @@
                     <a:p>
                       <a:pPr algn="ctr"/>
                       <a:r>
-                        <a:rPr lang="en-US" sz="3200" dirty="0" smtClean="0">
+                        <a:rPr lang="en-US" sz="3200" dirty="0">
                           <a:solidFill>
                             <a:schemeClr val="tx1"/>
                           </a:solidFill>
                         </a:rPr>
                         <a:t>b</a:t>
                       </a:r>
-                      <a:endParaRPr lang="en-US" sz="3200" dirty="0">
-                        <a:solidFill>
-                          <a:schemeClr val="tx1"/>
-                        </a:solidFill>
-                      </a:endParaRPr>
                     </a:p>
                   </a:txBody>
                   <a:tcPr>
@@ -12861,18 +13260,13 @@
                     <a:p>
                       <a:pPr algn="ctr"/>
                       <a:r>
-                        <a:rPr lang="en-US" sz="3200" dirty="0" smtClean="0">
+                        <a:rPr lang="en-US" sz="3200" dirty="0">
                           <a:solidFill>
                             <a:schemeClr val="accent1"/>
                           </a:solidFill>
                         </a:rPr>
                         <a:t>c</a:t>
                       </a:r>
-                      <a:endParaRPr lang="en-US" sz="3200" dirty="0">
-                        <a:solidFill>
-                          <a:schemeClr val="accent1"/>
-                        </a:solidFill>
-                      </a:endParaRPr>
                     </a:p>
                   </a:txBody>
                   <a:tcPr>
@@ -13051,6 +13445,11 @@
                     </a:solidFill>
                   </a:tcPr>
                 </a:tc>
+                <a:extLst>
+                  <a:ext uri="{0D108BD9-81ED-4DB2-BD59-A6C34878D82A}">
+                    <a16:rowId xmlns:a16="http://schemas.microsoft.com/office/drawing/2014/main" val="10000"/>
+                  </a:ext>
+                </a:extLst>
               </a:tr>
             </a:tbl>
           </a:graphicData>
@@ -13156,11 +13555,41 @@
                 <a:tableStyleId>{5C22544A-7EE6-4342-B048-85BDC9FD1C3A}</a:tableStyleId>
               </a:tblPr>
               <a:tblGrid>
-                <a:gridCol w="901522"/>
-                <a:gridCol w="901522"/>
-                <a:gridCol w="901522"/>
-                <a:gridCol w="901522"/>
-                <a:gridCol w="901522"/>
+                <a:gridCol w="901522">
+                  <a:extLst>
+                    <a:ext uri="{9D8B030D-6E8A-4147-A177-3AD203B41FA5}">
+                      <a16:colId xmlns:a16="http://schemas.microsoft.com/office/drawing/2014/main" val="20000"/>
+                    </a:ext>
+                  </a:extLst>
+                </a:gridCol>
+                <a:gridCol w="901522">
+                  <a:extLst>
+                    <a:ext uri="{9D8B030D-6E8A-4147-A177-3AD203B41FA5}">
+                      <a16:colId xmlns:a16="http://schemas.microsoft.com/office/drawing/2014/main" val="20001"/>
+                    </a:ext>
+                  </a:extLst>
+                </a:gridCol>
+                <a:gridCol w="901522">
+                  <a:extLst>
+                    <a:ext uri="{9D8B030D-6E8A-4147-A177-3AD203B41FA5}">
+                      <a16:colId xmlns:a16="http://schemas.microsoft.com/office/drawing/2014/main" val="20002"/>
+                    </a:ext>
+                  </a:extLst>
+                </a:gridCol>
+                <a:gridCol w="901522">
+                  <a:extLst>
+                    <a:ext uri="{9D8B030D-6E8A-4147-A177-3AD203B41FA5}">
+                      <a16:colId xmlns:a16="http://schemas.microsoft.com/office/drawing/2014/main" val="20003"/>
+                    </a:ext>
+                  </a:extLst>
+                </a:gridCol>
+                <a:gridCol w="901522">
+                  <a:extLst>
+                    <a:ext uri="{9D8B030D-6E8A-4147-A177-3AD203B41FA5}">
+                      <a16:colId xmlns:a16="http://schemas.microsoft.com/office/drawing/2014/main" val="20004"/>
+                    </a:ext>
+                  </a:extLst>
+                </a:gridCol>
               </a:tblGrid>
               <a:tr h="613987">
                 <a:tc>
@@ -13170,18 +13599,13 @@
                     <a:p>
                       <a:pPr algn="ctr"/>
                       <a:r>
-                        <a:rPr lang="en-US" sz="3200" dirty="0" smtClean="0">
+                        <a:rPr lang="en-US" sz="3200" dirty="0">
                           <a:solidFill>
                             <a:schemeClr val="tx1"/>
                           </a:solidFill>
                         </a:rPr>
                         <a:t>a</a:t>
                       </a:r>
-                      <a:endParaRPr lang="en-US" sz="3200" dirty="0">
-                        <a:solidFill>
-                          <a:schemeClr val="tx1"/>
-                        </a:solidFill>
-                      </a:endParaRPr>
                     </a:p>
                   </a:txBody>
                   <a:tcPr>
@@ -13241,18 +13665,13 @@
                     <a:p>
                       <a:pPr algn="ctr"/>
                       <a:r>
-                        <a:rPr lang="en-US" sz="3200" dirty="0" smtClean="0">
+                        <a:rPr lang="en-US" sz="3200" dirty="0">
                           <a:solidFill>
                             <a:schemeClr val="accent1"/>
                           </a:solidFill>
                         </a:rPr>
                         <a:t>b</a:t>
                       </a:r>
-                      <a:endParaRPr lang="en-US" sz="3200" dirty="0">
-                        <a:solidFill>
-                          <a:schemeClr val="accent1"/>
-                        </a:solidFill>
-                      </a:endParaRPr>
                     </a:p>
                   </a:txBody>
                   <a:tcPr>
@@ -13375,18 +13794,13 @@
                     <a:p>
                       <a:pPr algn="ctr"/>
                       <a:r>
-                        <a:rPr lang="en-US" sz="3200" dirty="0" smtClean="0">
+                        <a:rPr lang="en-US" sz="3200" dirty="0">
                           <a:solidFill>
                             <a:schemeClr val="tx1"/>
                           </a:solidFill>
                         </a:rPr>
                         <a:t>c</a:t>
                       </a:r>
-                      <a:endParaRPr lang="en-US" sz="3200" dirty="0">
-                        <a:solidFill>
-                          <a:schemeClr val="tx1"/>
-                        </a:solidFill>
-                      </a:endParaRPr>
                     </a:p>
                   </a:txBody>
                   <a:tcPr>
@@ -13502,6 +13916,11 @@
                     </a:solidFill>
                   </a:tcPr>
                 </a:tc>
+                <a:extLst>
+                  <a:ext uri="{0D108BD9-81ED-4DB2-BD59-A6C34878D82A}">
+                    <a16:rowId xmlns:a16="http://schemas.microsoft.com/office/drawing/2014/main" val="10000"/>
+                  </a:ext>
+                </a:extLst>
               </a:tr>
             </a:tbl>
           </a:graphicData>
@@ -13605,11 +14024,41 @@
                 <a:tableStyleId>{5C22544A-7EE6-4342-B048-85BDC9FD1C3A}</a:tableStyleId>
               </a:tblPr>
               <a:tblGrid>
-                <a:gridCol w="901522"/>
-                <a:gridCol w="901522"/>
-                <a:gridCol w="901522"/>
-                <a:gridCol w="901522"/>
-                <a:gridCol w="901522"/>
+                <a:gridCol w="901522">
+                  <a:extLst>
+                    <a:ext uri="{9D8B030D-6E8A-4147-A177-3AD203B41FA5}">
+                      <a16:colId xmlns:a16="http://schemas.microsoft.com/office/drawing/2014/main" val="20000"/>
+                    </a:ext>
+                  </a:extLst>
+                </a:gridCol>
+                <a:gridCol w="901522">
+                  <a:extLst>
+                    <a:ext uri="{9D8B030D-6E8A-4147-A177-3AD203B41FA5}">
+                      <a16:colId xmlns:a16="http://schemas.microsoft.com/office/drawing/2014/main" val="20001"/>
+                    </a:ext>
+                  </a:extLst>
+                </a:gridCol>
+                <a:gridCol w="901522">
+                  <a:extLst>
+                    <a:ext uri="{9D8B030D-6E8A-4147-A177-3AD203B41FA5}">
+                      <a16:colId xmlns:a16="http://schemas.microsoft.com/office/drawing/2014/main" val="20002"/>
+                    </a:ext>
+                  </a:extLst>
+                </a:gridCol>
+                <a:gridCol w="901522">
+                  <a:extLst>
+                    <a:ext uri="{9D8B030D-6E8A-4147-A177-3AD203B41FA5}">
+                      <a16:colId xmlns:a16="http://schemas.microsoft.com/office/drawing/2014/main" val="20003"/>
+                    </a:ext>
+                  </a:extLst>
+                </a:gridCol>
+                <a:gridCol w="901522">
+                  <a:extLst>
+                    <a:ext uri="{9D8B030D-6E8A-4147-A177-3AD203B41FA5}">
+                      <a16:colId xmlns:a16="http://schemas.microsoft.com/office/drawing/2014/main" val="20004"/>
+                    </a:ext>
+                  </a:extLst>
+                </a:gridCol>
               </a:tblGrid>
               <a:tr h="613987">
                 <a:tc>
@@ -13619,18 +14068,13 @@
                     <a:p>
                       <a:pPr algn="ctr"/>
                       <a:r>
-                        <a:rPr lang="en-US" sz="3200" dirty="0" smtClean="0">
+                        <a:rPr lang="en-US" sz="3200" dirty="0">
                           <a:solidFill>
                             <a:schemeClr val="accent1"/>
                           </a:solidFill>
                         </a:rPr>
                         <a:t>a</a:t>
                       </a:r>
-                      <a:endParaRPr lang="en-US" sz="3200" dirty="0">
-                        <a:solidFill>
-                          <a:schemeClr val="accent1"/>
-                        </a:solidFill>
-                      </a:endParaRPr>
                     </a:p>
                   </a:txBody>
                   <a:tcPr>
@@ -13753,18 +14197,13 @@
                     <a:p>
                       <a:pPr algn="ctr"/>
                       <a:r>
-                        <a:rPr lang="en-US" sz="3200" dirty="0" smtClean="0">
+                        <a:rPr lang="en-US" sz="3200" dirty="0">
                           <a:solidFill>
                             <a:schemeClr val="tx1"/>
                           </a:solidFill>
                         </a:rPr>
                         <a:t>b</a:t>
                       </a:r>
-                      <a:endParaRPr lang="en-US" sz="3200" dirty="0">
-                        <a:solidFill>
-                          <a:schemeClr val="tx1"/>
-                        </a:solidFill>
-                      </a:endParaRPr>
                     </a:p>
                   </a:txBody>
                   <a:tcPr>
@@ -13824,18 +14263,13 @@
                     <a:p>
                       <a:pPr algn="ctr"/>
                       <a:r>
-                        <a:rPr lang="en-US" sz="3200" dirty="0" smtClean="0">
+                        <a:rPr lang="en-US" sz="3200" dirty="0">
                           <a:solidFill>
                             <a:schemeClr val="tx1"/>
                           </a:solidFill>
                         </a:rPr>
                         <a:t>c</a:t>
                       </a:r>
-                      <a:endParaRPr lang="en-US" sz="3200" dirty="0">
-                        <a:solidFill>
-                          <a:schemeClr val="tx1"/>
-                        </a:solidFill>
-                      </a:endParaRPr>
                     </a:p>
                   </a:txBody>
                   <a:tcPr>
@@ -13951,6 +14385,11 @@
                     </a:solidFill>
                   </a:tcPr>
                 </a:tc>
+                <a:extLst>
+                  <a:ext uri="{0D108BD9-81ED-4DB2-BD59-A6C34878D82A}">
+                    <a16:rowId xmlns:a16="http://schemas.microsoft.com/office/drawing/2014/main" val="10000"/>
+                  </a:ext>
+                </a:extLst>
               </a:tr>
             </a:tbl>
           </a:graphicData>
@@ -14054,11 +14493,41 @@
                 <a:tableStyleId>{5C22544A-7EE6-4342-B048-85BDC9FD1C3A}</a:tableStyleId>
               </a:tblPr>
               <a:tblGrid>
-                <a:gridCol w="901522"/>
-                <a:gridCol w="901522"/>
-                <a:gridCol w="901522"/>
-                <a:gridCol w="901522"/>
-                <a:gridCol w="901522"/>
+                <a:gridCol w="901522">
+                  <a:extLst>
+                    <a:ext uri="{9D8B030D-6E8A-4147-A177-3AD203B41FA5}">
+                      <a16:colId xmlns:a16="http://schemas.microsoft.com/office/drawing/2014/main" val="20000"/>
+                    </a:ext>
+                  </a:extLst>
+                </a:gridCol>
+                <a:gridCol w="901522">
+                  <a:extLst>
+                    <a:ext uri="{9D8B030D-6E8A-4147-A177-3AD203B41FA5}">
+                      <a16:colId xmlns:a16="http://schemas.microsoft.com/office/drawing/2014/main" val="20001"/>
+                    </a:ext>
+                  </a:extLst>
+                </a:gridCol>
+                <a:gridCol w="901522">
+                  <a:extLst>
+                    <a:ext uri="{9D8B030D-6E8A-4147-A177-3AD203B41FA5}">
+                      <a16:colId xmlns:a16="http://schemas.microsoft.com/office/drawing/2014/main" val="20002"/>
+                    </a:ext>
+                  </a:extLst>
+                </a:gridCol>
+                <a:gridCol w="901522">
+                  <a:extLst>
+                    <a:ext uri="{9D8B030D-6E8A-4147-A177-3AD203B41FA5}">
+                      <a16:colId xmlns:a16="http://schemas.microsoft.com/office/drawing/2014/main" val="20003"/>
+                    </a:ext>
+                  </a:extLst>
+                </a:gridCol>
+                <a:gridCol w="901522">
+                  <a:extLst>
+                    <a:ext uri="{9D8B030D-6E8A-4147-A177-3AD203B41FA5}">
+                      <a16:colId xmlns:a16="http://schemas.microsoft.com/office/drawing/2014/main" val="20004"/>
+                    </a:ext>
+                  </a:extLst>
+                </a:gridCol>
               </a:tblGrid>
               <a:tr h="613987">
                 <a:tc>
@@ -14131,18 +14600,13 @@
                     <a:p>
                       <a:pPr algn="ctr"/>
                       <a:r>
-                        <a:rPr lang="en-US" sz="3200" dirty="0" smtClean="0">
+                        <a:rPr lang="en-US" sz="3200" dirty="0">
                           <a:solidFill>
                             <a:schemeClr val="tx1"/>
                           </a:solidFill>
                         </a:rPr>
                         <a:t>a</a:t>
                       </a:r>
-                      <a:endParaRPr lang="en-US" sz="3200" dirty="0">
-                        <a:solidFill>
-                          <a:schemeClr val="tx1"/>
-                        </a:solidFill>
-                      </a:endParaRPr>
                     </a:p>
                   </a:txBody>
                   <a:tcPr>
@@ -14202,18 +14666,13 @@
                     <a:p>
                       <a:pPr algn="ctr"/>
                       <a:r>
-                        <a:rPr lang="en-US" sz="3200" dirty="0" smtClean="0">
+                        <a:rPr lang="en-US" sz="3200" dirty="0">
                           <a:solidFill>
                             <a:schemeClr val="tx1"/>
                           </a:solidFill>
                         </a:rPr>
                         <a:t>b</a:t>
                       </a:r>
-                      <a:endParaRPr lang="en-US" sz="3200" dirty="0">
-                        <a:solidFill>
-                          <a:schemeClr val="tx1"/>
-                        </a:solidFill>
-                      </a:endParaRPr>
                     </a:p>
                   </a:txBody>
                   <a:tcPr>
@@ -14273,18 +14732,13 @@
                     <a:p>
                       <a:pPr algn="ctr"/>
                       <a:r>
-                        <a:rPr lang="en-US" sz="3200" dirty="0" smtClean="0">
+                        <a:rPr lang="en-US" sz="3200" dirty="0">
                           <a:solidFill>
                             <a:schemeClr val="tx1"/>
                           </a:solidFill>
                         </a:rPr>
                         <a:t>c</a:t>
                       </a:r>
-                      <a:endParaRPr lang="en-US" sz="3200" dirty="0">
-                        <a:solidFill>
-                          <a:schemeClr val="tx1"/>
-                        </a:solidFill>
-                      </a:endParaRPr>
                     </a:p>
                   </a:txBody>
                   <a:tcPr>
@@ -14400,6 +14854,11 @@
                     </a:solidFill>
                   </a:tcPr>
                 </a:tc>
+                <a:extLst>
+                  <a:ext uri="{0D108BD9-81ED-4DB2-BD59-A6C34878D82A}">
+                    <a16:rowId xmlns:a16="http://schemas.microsoft.com/office/drawing/2014/main" val="10000"/>
+                  </a:ext>
+                </a:extLst>
               </a:tr>
             </a:tbl>
           </a:graphicData>
@@ -14430,11 +14889,41 @@
                 <a:tableStyleId>{5C22544A-7EE6-4342-B048-85BDC9FD1C3A}</a:tableStyleId>
               </a:tblPr>
               <a:tblGrid>
-                <a:gridCol w="901522"/>
-                <a:gridCol w="901522"/>
-                <a:gridCol w="901522"/>
-                <a:gridCol w="901522"/>
-                <a:gridCol w="901522"/>
+                <a:gridCol w="901522">
+                  <a:extLst>
+                    <a:ext uri="{9D8B030D-6E8A-4147-A177-3AD203B41FA5}">
+                      <a16:colId xmlns:a16="http://schemas.microsoft.com/office/drawing/2014/main" val="20000"/>
+                    </a:ext>
+                  </a:extLst>
+                </a:gridCol>
+                <a:gridCol w="901522">
+                  <a:extLst>
+                    <a:ext uri="{9D8B030D-6E8A-4147-A177-3AD203B41FA5}">
+                      <a16:colId xmlns:a16="http://schemas.microsoft.com/office/drawing/2014/main" val="20001"/>
+                    </a:ext>
+                  </a:extLst>
+                </a:gridCol>
+                <a:gridCol w="901522">
+                  <a:extLst>
+                    <a:ext uri="{9D8B030D-6E8A-4147-A177-3AD203B41FA5}">
+                      <a16:colId xmlns:a16="http://schemas.microsoft.com/office/drawing/2014/main" val="20002"/>
+                    </a:ext>
+                  </a:extLst>
+                </a:gridCol>
+                <a:gridCol w="901522">
+                  <a:extLst>
+                    <a:ext uri="{9D8B030D-6E8A-4147-A177-3AD203B41FA5}">
+                      <a16:colId xmlns:a16="http://schemas.microsoft.com/office/drawing/2014/main" val="20003"/>
+                    </a:ext>
+                  </a:extLst>
+                </a:gridCol>
+                <a:gridCol w="901522">
+                  <a:extLst>
+                    <a:ext uri="{9D8B030D-6E8A-4147-A177-3AD203B41FA5}">
+                      <a16:colId xmlns:a16="http://schemas.microsoft.com/office/drawing/2014/main" val="20004"/>
+                    </a:ext>
+                  </a:extLst>
+                </a:gridCol>
               </a:tblGrid>
               <a:tr h="613987">
                 <a:tc>
@@ -14444,18 +14933,13 @@
                     <a:p>
                       <a:pPr algn="ctr"/>
                       <a:r>
-                        <a:rPr lang="en-US" sz="3200" dirty="0" smtClean="0">
+                        <a:rPr lang="en-US" sz="3200" dirty="0">
                           <a:solidFill>
                             <a:srgbClr val="00B050"/>
                           </a:solidFill>
                         </a:rPr>
                         <a:t>d</a:t>
                       </a:r>
-                      <a:endParaRPr lang="en-US" sz="3200" dirty="0">
-                        <a:solidFill>
-                          <a:srgbClr val="00B050"/>
-                        </a:solidFill>
-                      </a:endParaRPr>
                     </a:p>
                   </a:txBody>
                   <a:tcPr>
@@ -14515,18 +14999,13 @@
                     <a:p>
                       <a:pPr algn="ctr"/>
                       <a:r>
-                        <a:rPr lang="en-US" sz="3200" dirty="0" smtClean="0">
+                        <a:rPr lang="en-US" sz="3200" dirty="0">
                           <a:solidFill>
                             <a:schemeClr val="tx1"/>
                           </a:solidFill>
                         </a:rPr>
                         <a:t>a</a:t>
                       </a:r>
-                      <a:endParaRPr lang="en-US" sz="3200" dirty="0">
-                        <a:solidFill>
-                          <a:schemeClr val="tx1"/>
-                        </a:solidFill>
-                      </a:endParaRPr>
                     </a:p>
                   </a:txBody>
                   <a:tcPr>
@@ -14586,18 +15065,13 @@
                     <a:p>
                       <a:pPr algn="ctr"/>
                       <a:r>
-                        <a:rPr lang="en-US" sz="3200" dirty="0" smtClean="0">
+                        <a:rPr lang="en-US" sz="3200" dirty="0">
                           <a:solidFill>
                             <a:schemeClr val="tx1"/>
                           </a:solidFill>
                         </a:rPr>
                         <a:t>b</a:t>
                       </a:r>
-                      <a:endParaRPr lang="en-US" sz="3200" dirty="0">
-                        <a:solidFill>
-                          <a:schemeClr val="tx1"/>
-                        </a:solidFill>
-                      </a:endParaRPr>
                     </a:p>
                   </a:txBody>
                   <a:tcPr>
@@ -14657,18 +15131,13 @@
                     <a:p>
                       <a:pPr algn="ctr"/>
                       <a:r>
-                        <a:rPr lang="en-US" sz="3200" dirty="0" smtClean="0">
+                        <a:rPr lang="en-US" sz="3200" dirty="0">
                           <a:solidFill>
                             <a:schemeClr val="tx1"/>
                           </a:solidFill>
                         </a:rPr>
                         <a:t>c</a:t>
                       </a:r>
-                      <a:endParaRPr lang="en-US" sz="3200" dirty="0">
-                        <a:solidFill>
-                          <a:schemeClr val="tx1"/>
-                        </a:solidFill>
-                      </a:endParaRPr>
                     </a:p>
                   </a:txBody>
                   <a:tcPr>
@@ -14784,6 +15253,11 @@
                     </a:solidFill>
                   </a:tcPr>
                 </a:tc>
+                <a:extLst>
+                  <a:ext uri="{0D108BD9-81ED-4DB2-BD59-A6C34878D82A}">
+                    <a16:rowId xmlns:a16="http://schemas.microsoft.com/office/drawing/2014/main" val="10000"/>
+                  </a:ext>
+                </a:extLst>
               </a:tr>
             </a:tbl>
           </a:graphicData>
@@ -14844,11 +15318,41 @@
                 <a:tableStyleId>{5C22544A-7EE6-4342-B048-85BDC9FD1C3A}</a:tableStyleId>
               </a:tblPr>
               <a:tblGrid>
-                <a:gridCol w="901522"/>
-                <a:gridCol w="901522"/>
-                <a:gridCol w="901522"/>
-                <a:gridCol w="901522"/>
-                <a:gridCol w="901522"/>
+                <a:gridCol w="901522">
+                  <a:extLst>
+                    <a:ext uri="{9D8B030D-6E8A-4147-A177-3AD203B41FA5}">
+                      <a16:colId xmlns:a16="http://schemas.microsoft.com/office/drawing/2014/main" val="20000"/>
+                    </a:ext>
+                  </a:extLst>
+                </a:gridCol>
+                <a:gridCol w="901522">
+                  <a:extLst>
+                    <a:ext uri="{9D8B030D-6E8A-4147-A177-3AD203B41FA5}">
+                      <a16:colId xmlns:a16="http://schemas.microsoft.com/office/drawing/2014/main" val="20001"/>
+                    </a:ext>
+                  </a:extLst>
+                </a:gridCol>
+                <a:gridCol w="901522">
+                  <a:extLst>
+                    <a:ext uri="{9D8B030D-6E8A-4147-A177-3AD203B41FA5}">
+                      <a16:colId xmlns:a16="http://schemas.microsoft.com/office/drawing/2014/main" val="20002"/>
+                    </a:ext>
+                  </a:extLst>
+                </a:gridCol>
+                <a:gridCol w="901522">
+                  <a:extLst>
+                    <a:ext uri="{9D8B030D-6E8A-4147-A177-3AD203B41FA5}">
+                      <a16:colId xmlns:a16="http://schemas.microsoft.com/office/drawing/2014/main" val="20003"/>
+                    </a:ext>
+                  </a:extLst>
+                </a:gridCol>
+                <a:gridCol w="901522">
+                  <a:extLst>
+                    <a:ext uri="{9D8B030D-6E8A-4147-A177-3AD203B41FA5}">
+                      <a16:colId xmlns:a16="http://schemas.microsoft.com/office/drawing/2014/main" val="20004"/>
+                    </a:ext>
+                  </a:extLst>
+                </a:gridCol>
               </a:tblGrid>
               <a:tr h="613987">
                 <a:tc>
@@ -14858,18 +15362,13 @@
                     <a:p>
                       <a:pPr algn="ctr"/>
                       <a:r>
-                        <a:rPr lang="en-US" sz="3200" dirty="0" smtClean="0">
+                        <a:rPr lang="en-US" sz="3200" dirty="0">
                           <a:solidFill>
                             <a:schemeClr val="tx1"/>
                           </a:solidFill>
                         </a:rPr>
                         <a:t>a</a:t>
                       </a:r>
-                      <a:endParaRPr lang="en-US" sz="3200" dirty="0">
-                        <a:solidFill>
-                          <a:schemeClr val="tx1"/>
-                        </a:solidFill>
-                      </a:endParaRPr>
                     </a:p>
                   </a:txBody>
                   <a:tcPr>
@@ -14929,18 +15428,13 @@
                     <a:p>
                       <a:pPr algn="ctr"/>
                       <a:r>
-                        <a:rPr lang="en-US" sz="3200" dirty="0" smtClean="0">
+                        <a:rPr lang="en-US" sz="3200" dirty="0">
                           <a:solidFill>
                             <a:schemeClr val="tx1"/>
                           </a:solidFill>
                         </a:rPr>
                         <a:t>b</a:t>
                       </a:r>
-                      <a:endParaRPr lang="en-US" sz="3200" dirty="0">
-                        <a:solidFill>
-                          <a:schemeClr val="tx1"/>
-                        </a:solidFill>
-                      </a:endParaRPr>
                     </a:p>
                   </a:txBody>
                   <a:tcPr>
@@ -15000,18 +15494,13 @@
                     <a:p>
                       <a:pPr algn="ctr"/>
                       <a:r>
-                        <a:rPr lang="en-US" sz="3200" dirty="0" smtClean="0">
+                        <a:rPr lang="en-US" sz="3200" dirty="0">
                           <a:solidFill>
                             <a:schemeClr val="tx1"/>
                           </a:solidFill>
                         </a:rPr>
                         <a:t>c</a:t>
                       </a:r>
-                      <a:endParaRPr lang="en-US" sz="3200" dirty="0">
-                        <a:solidFill>
-                          <a:schemeClr val="tx1"/>
-                        </a:solidFill>
-                      </a:endParaRPr>
                     </a:p>
                   </a:txBody>
                   <a:tcPr>
@@ -15071,18 +15560,13 @@
                     <a:p>
                       <a:pPr algn="ctr"/>
                       <a:r>
-                        <a:rPr lang="en-US" sz="3200" dirty="0" smtClean="0">
+                        <a:rPr lang="en-US" sz="3200" dirty="0">
                           <a:solidFill>
                             <a:schemeClr val="tx1"/>
                           </a:solidFill>
                         </a:rPr>
                         <a:t>d</a:t>
                       </a:r>
-                      <a:endParaRPr lang="en-US" sz="3200" dirty="0">
-                        <a:solidFill>
-                          <a:schemeClr val="tx1"/>
-                        </a:solidFill>
-                      </a:endParaRPr>
                     </a:p>
                   </a:txBody>
                   <a:tcPr>
@@ -15198,6 +15682,11 @@
                     </a:solidFill>
                   </a:tcPr>
                 </a:tc>
+                <a:extLst>
+                  <a:ext uri="{0D108BD9-81ED-4DB2-BD59-A6C34878D82A}">
+                    <a16:rowId xmlns:a16="http://schemas.microsoft.com/office/drawing/2014/main" val="10000"/>
+                  </a:ext>
+                </a:extLst>
               </a:tr>
             </a:tbl>
           </a:graphicData>
@@ -15228,11 +15717,41 @@
                 <a:tableStyleId>{5C22544A-7EE6-4342-B048-85BDC9FD1C3A}</a:tableStyleId>
               </a:tblPr>
               <a:tblGrid>
-                <a:gridCol w="901522"/>
-                <a:gridCol w="901522"/>
-                <a:gridCol w="901522"/>
-                <a:gridCol w="901522"/>
-                <a:gridCol w="901522"/>
+                <a:gridCol w="901522">
+                  <a:extLst>
+                    <a:ext uri="{9D8B030D-6E8A-4147-A177-3AD203B41FA5}">
+                      <a16:colId xmlns:a16="http://schemas.microsoft.com/office/drawing/2014/main" val="20000"/>
+                    </a:ext>
+                  </a:extLst>
+                </a:gridCol>
+                <a:gridCol w="901522">
+                  <a:extLst>
+                    <a:ext uri="{9D8B030D-6E8A-4147-A177-3AD203B41FA5}">
+                      <a16:colId xmlns:a16="http://schemas.microsoft.com/office/drawing/2014/main" val="20001"/>
+                    </a:ext>
+                  </a:extLst>
+                </a:gridCol>
+                <a:gridCol w="901522">
+                  <a:extLst>
+                    <a:ext uri="{9D8B030D-6E8A-4147-A177-3AD203B41FA5}">
+                      <a16:colId xmlns:a16="http://schemas.microsoft.com/office/drawing/2014/main" val="20002"/>
+                    </a:ext>
+                  </a:extLst>
+                </a:gridCol>
+                <a:gridCol w="901522">
+                  <a:extLst>
+                    <a:ext uri="{9D8B030D-6E8A-4147-A177-3AD203B41FA5}">
+                      <a16:colId xmlns:a16="http://schemas.microsoft.com/office/drawing/2014/main" val="20003"/>
+                    </a:ext>
+                  </a:extLst>
+                </a:gridCol>
+                <a:gridCol w="901522">
+                  <a:extLst>
+                    <a:ext uri="{9D8B030D-6E8A-4147-A177-3AD203B41FA5}">
+                      <a16:colId xmlns:a16="http://schemas.microsoft.com/office/drawing/2014/main" val="20004"/>
+                    </a:ext>
+                  </a:extLst>
+                </a:gridCol>
               </a:tblGrid>
               <a:tr h="613987">
                 <a:tc>
@@ -15242,18 +15761,13 @@
                     <a:p>
                       <a:pPr algn="ctr"/>
                       <a:r>
-                        <a:rPr lang="en-US" sz="3200" dirty="0" smtClean="0">
+                        <a:rPr lang="en-US" sz="3200" dirty="0">
                           <a:solidFill>
                             <a:schemeClr val="tx1"/>
                           </a:solidFill>
                         </a:rPr>
                         <a:t>a</a:t>
                       </a:r>
-                      <a:endParaRPr lang="en-US" sz="3200" dirty="0">
-                        <a:solidFill>
-                          <a:schemeClr val="tx1"/>
-                        </a:solidFill>
-                      </a:endParaRPr>
                     </a:p>
                   </a:txBody>
                   <a:tcPr>
@@ -15313,18 +15827,13 @@
                     <a:p>
                       <a:pPr algn="ctr"/>
                       <a:r>
-                        <a:rPr lang="en-US" sz="3200" dirty="0" smtClean="0">
+                        <a:rPr lang="en-US" sz="3200" dirty="0">
                           <a:solidFill>
                             <a:schemeClr val="tx1"/>
                           </a:solidFill>
                         </a:rPr>
                         <a:t>b</a:t>
                       </a:r>
-                      <a:endParaRPr lang="en-US" sz="3200" dirty="0">
-                        <a:solidFill>
-                          <a:schemeClr val="tx1"/>
-                        </a:solidFill>
-                      </a:endParaRPr>
                     </a:p>
                   </a:txBody>
                   <a:tcPr>
@@ -15384,18 +15893,13 @@
                     <a:p>
                       <a:pPr algn="ctr"/>
                       <a:r>
-                        <a:rPr lang="en-US" sz="3200" dirty="0" smtClean="0">
+                        <a:rPr lang="en-US" sz="3200" dirty="0">
                           <a:solidFill>
                             <a:schemeClr val="tx1"/>
                           </a:solidFill>
                         </a:rPr>
                         <a:t>c</a:t>
                       </a:r>
-                      <a:endParaRPr lang="en-US" sz="3200" dirty="0">
-                        <a:solidFill>
-                          <a:schemeClr val="tx1"/>
-                        </a:solidFill>
-                      </a:endParaRPr>
                     </a:p>
                   </a:txBody>
                   <a:tcPr>
@@ -15574,6 +16078,11 @@
                     </a:solidFill>
                   </a:tcPr>
                 </a:tc>
+                <a:extLst>
+                  <a:ext uri="{0D108BD9-81ED-4DB2-BD59-A6C34878D82A}">
+                    <a16:rowId xmlns:a16="http://schemas.microsoft.com/office/drawing/2014/main" val="10000"/>
+                  </a:ext>
+                </a:extLst>
               </a:tr>
             </a:tbl>
           </a:graphicData>
@@ -15704,11 +16213,41 @@
                 <a:tableStyleId>{5C22544A-7EE6-4342-B048-85BDC9FD1C3A}</a:tableStyleId>
               </a:tblPr>
               <a:tblGrid>
-                <a:gridCol w="901522"/>
-                <a:gridCol w="901522"/>
-                <a:gridCol w="901522"/>
-                <a:gridCol w="901522"/>
-                <a:gridCol w="901522"/>
+                <a:gridCol w="901522">
+                  <a:extLst>
+                    <a:ext uri="{9D8B030D-6E8A-4147-A177-3AD203B41FA5}">
+                      <a16:colId xmlns:a16="http://schemas.microsoft.com/office/drawing/2014/main" val="20000"/>
+                    </a:ext>
+                  </a:extLst>
+                </a:gridCol>
+                <a:gridCol w="901522">
+                  <a:extLst>
+                    <a:ext uri="{9D8B030D-6E8A-4147-A177-3AD203B41FA5}">
+                      <a16:colId xmlns:a16="http://schemas.microsoft.com/office/drawing/2014/main" val="20001"/>
+                    </a:ext>
+                  </a:extLst>
+                </a:gridCol>
+                <a:gridCol w="901522">
+                  <a:extLst>
+                    <a:ext uri="{9D8B030D-6E8A-4147-A177-3AD203B41FA5}">
+                      <a16:colId xmlns:a16="http://schemas.microsoft.com/office/drawing/2014/main" val="20002"/>
+                    </a:ext>
+                  </a:extLst>
+                </a:gridCol>
+                <a:gridCol w="901522">
+                  <a:extLst>
+                    <a:ext uri="{9D8B030D-6E8A-4147-A177-3AD203B41FA5}">
+                      <a16:colId xmlns:a16="http://schemas.microsoft.com/office/drawing/2014/main" val="20003"/>
+                    </a:ext>
+                  </a:extLst>
+                </a:gridCol>
+                <a:gridCol w="901522">
+                  <a:extLst>
+                    <a:ext uri="{9D8B030D-6E8A-4147-A177-3AD203B41FA5}">
+                      <a16:colId xmlns:a16="http://schemas.microsoft.com/office/drawing/2014/main" val="20004"/>
+                    </a:ext>
+                  </a:extLst>
+                </a:gridCol>
               </a:tblGrid>
               <a:tr h="613987">
                 <a:tc>
@@ -15718,18 +16257,13 @@
                     <a:p>
                       <a:pPr algn="ctr"/>
                       <a:r>
-                        <a:rPr lang="en-US" sz="3200" dirty="0" smtClean="0">
+                        <a:rPr lang="en-US" sz="3200" dirty="0">
                           <a:solidFill>
                             <a:schemeClr val="tx1"/>
                           </a:solidFill>
                         </a:rPr>
                         <a:t>a</a:t>
                       </a:r>
-                      <a:endParaRPr lang="en-US" sz="3200" dirty="0">
-                        <a:solidFill>
-                          <a:schemeClr val="tx1"/>
-                        </a:solidFill>
-                      </a:endParaRPr>
                     </a:p>
                   </a:txBody>
                   <a:tcPr>
@@ -15789,18 +16323,13 @@
                     <a:p>
                       <a:pPr algn="ctr"/>
                       <a:r>
-                        <a:rPr lang="en-US" sz="3200" dirty="0" smtClean="0">
+                        <a:rPr lang="en-US" sz="3200" dirty="0">
                           <a:solidFill>
                             <a:schemeClr val="tx1"/>
                           </a:solidFill>
                         </a:rPr>
                         <a:t>b</a:t>
                       </a:r>
-                      <a:endParaRPr lang="en-US" sz="3200" dirty="0">
-                        <a:solidFill>
-                          <a:schemeClr val="tx1"/>
-                        </a:solidFill>
-                      </a:endParaRPr>
                     </a:p>
                   </a:txBody>
                   <a:tcPr>
@@ -15860,18 +16389,13 @@
                     <a:p>
                       <a:pPr algn="ctr"/>
                       <a:r>
-                        <a:rPr lang="en-US" sz="3200" dirty="0" smtClean="0">
+                        <a:rPr lang="en-US" sz="3200" dirty="0">
                           <a:solidFill>
                             <a:schemeClr val="tx1"/>
                           </a:solidFill>
                         </a:rPr>
                         <a:t>c</a:t>
                       </a:r>
-                      <a:endParaRPr lang="en-US" sz="3200" dirty="0">
-                        <a:solidFill>
-                          <a:schemeClr val="tx1"/>
-                        </a:solidFill>
-                      </a:endParaRPr>
                     </a:p>
                   </a:txBody>
                   <a:tcPr>
@@ -15931,18 +16455,13 @@
                     <a:p>
                       <a:pPr algn="ctr"/>
                       <a:r>
-                        <a:rPr lang="en-US" sz="3200" dirty="0" smtClean="0">
+                        <a:rPr lang="en-US" sz="3200" dirty="0">
                           <a:solidFill>
                             <a:schemeClr val="tx1"/>
                           </a:solidFill>
                         </a:rPr>
                         <a:t>d</a:t>
                       </a:r>
-                      <a:endParaRPr lang="en-US" sz="3200" dirty="0">
-                        <a:solidFill>
-                          <a:schemeClr val="tx1"/>
-                        </a:solidFill>
-                      </a:endParaRPr>
                     </a:p>
                   </a:txBody>
                   <a:tcPr>
@@ -16002,18 +16521,13 @@
                     <a:p>
                       <a:pPr algn="ctr"/>
                       <a:r>
-                        <a:rPr lang="en-US" sz="3200" dirty="0" smtClean="0">
+                        <a:rPr lang="en-US" sz="3200" dirty="0">
                           <a:solidFill>
                             <a:schemeClr val="tx1"/>
                           </a:solidFill>
                         </a:rPr>
                         <a:t>e</a:t>
                       </a:r>
-                      <a:endParaRPr lang="en-US" sz="3200" dirty="0">
-                        <a:solidFill>
-                          <a:schemeClr val="tx1"/>
-                        </a:solidFill>
-                      </a:endParaRPr>
                     </a:p>
                   </a:txBody>
                   <a:tcPr>
@@ -16066,6 +16580,11 @@
                     </a:solidFill>
                   </a:tcPr>
                 </a:tc>
+                <a:extLst>
+                  <a:ext uri="{0D108BD9-81ED-4DB2-BD59-A6C34878D82A}">
+                    <a16:rowId xmlns:a16="http://schemas.microsoft.com/office/drawing/2014/main" val="10000"/>
+                  </a:ext>
+                </a:extLst>
               </a:tr>
             </a:tbl>
           </a:graphicData>
@@ -16096,11 +16615,41 @@
                 <a:tableStyleId>{5C22544A-7EE6-4342-B048-85BDC9FD1C3A}</a:tableStyleId>
               </a:tblPr>
               <a:tblGrid>
-                <a:gridCol w="901522"/>
-                <a:gridCol w="901522"/>
-                <a:gridCol w="901522"/>
-                <a:gridCol w="901522"/>
-                <a:gridCol w="901522"/>
+                <a:gridCol w="901522">
+                  <a:extLst>
+                    <a:ext uri="{9D8B030D-6E8A-4147-A177-3AD203B41FA5}">
+                      <a16:colId xmlns:a16="http://schemas.microsoft.com/office/drawing/2014/main" val="20000"/>
+                    </a:ext>
+                  </a:extLst>
+                </a:gridCol>
+                <a:gridCol w="901522">
+                  <a:extLst>
+                    <a:ext uri="{9D8B030D-6E8A-4147-A177-3AD203B41FA5}">
+                      <a16:colId xmlns:a16="http://schemas.microsoft.com/office/drawing/2014/main" val="20001"/>
+                    </a:ext>
+                  </a:extLst>
+                </a:gridCol>
+                <a:gridCol w="901522">
+                  <a:extLst>
+                    <a:ext uri="{9D8B030D-6E8A-4147-A177-3AD203B41FA5}">
+                      <a16:colId xmlns:a16="http://schemas.microsoft.com/office/drawing/2014/main" val="20002"/>
+                    </a:ext>
+                  </a:extLst>
+                </a:gridCol>
+                <a:gridCol w="901522">
+                  <a:extLst>
+                    <a:ext uri="{9D8B030D-6E8A-4147-A177-3AD203B41FA5}">
+                      <a16:colId xmlns:a16="http://schemas.microsoft.com/office/drawing/2014/main" val="20003"/>
+                    </a:ext>
+                  </a:extLst>
+                </a:gridCol>
+                <a:gridCol w="901522">
+                  <a:extLst>
+                    <a:ext uri="{9D8B030D-6E8A-4147-A177-3AD203B41FA5}">
+                      <a16:colId xmlns:a16="http://schemas.microsoft.com/office/drawing/2014/main" val="20004"/>
+                    </a:ext>
+                  </a:extLst>
+                </a:gridCol>
               </a:tblGrid>
               <a:tr h="613987">
                 <a:tc>
@@ -16110,18 +16659,13 @@
                     <a:p>
                       <a:pPr algn="ctr"/>
                       <a:r>
-                        <a:rPr lang="en-US" sz="3200" dirty="0" smtClean="0">
+                        <a:rPr lang="en-US" sz="3200" dirty="0">
                           <a:solidFill>
                             <a:schemeClr val="tx1"/>
                           </a:solidFill>
                         </a:rPr>
                         <a:t>a</a:t>
                       </a:r>
-                      <a:endParaRPr lang="en-US" sz="3200" dirty="0">
-                        <a:solidFill>
-                          <a:schemeClr val="tx1"/>
-                        </a:solidFill>
-                      </a:endParaRPr>
                     </a:p>
                   </a:txBody>
                   <a:tcPr>
@@ -16244,18 +16788,13 @@
                     <a:p>
                       <a:pPr algn="ctr"/>
                       <a:r>
-                        <a:rPr lang="en-US" sz="3200" dirty="0" smtClean="0">
+                        <a:rPr lang="en-US" sz="3200" dirty="0">
                           <a:solidFill>
                             <a:schemeClr val="tx1"/>
                           </a:solidFill>
                         </a:rPr>
                         <a:t>c</a:t>
                       </a:r>
-                      <a:endParaRPr lang="en-US" sz="3200" dirty="0">
-                        <a:solidFill>
-                          <a:schemeClr val="tx1"/>
-                        </a:solidFill>
-                      </a:endParaRPr>
                     </a:p>
                   </a:txBody>
                   <a:tcPr>
@@ -16315,18 +16854,13 @@
                     <a:p>
                       <a:pPr algn="ctr"/>
                       <a:r>
-                        <a:rPr lang="en-US" sz="3200" dirty="0" smtClean="0">
+                        <a:rPr lang="en-US" sz="3200" dirty="0">
                           <a:solidFill>
                             <a:schemeClr val="tx1"/>
                           </a:solidFill>
                         </a:rPr>
                         <a:t>d</a:t>
                       </a:r>
-                      <a:endParaRPr lang="en-US" sz="3200" dirty="0">
-                        <a:solidFill>
-                          <a:schemeClr val="tx1"/>
-                        </a:solidFill>
-                      </a:endParaRPr>
                     </a:p>
                   </a:txBody>
                   <a:tcPr>
@@ -16386,18 +16920,13 @@
                     <a:p>
                       <a:pPr algn="ctr"/>
                       <a:r>
-                        <a:rPr lang="en-US" sz="3200" dirty="0" smtClean="0">
+                        <a:rPr lang="en-US" sz="3200" dirty="0">
                           <a:solidFill>
                             <a:schemeClr val="tx1"/>
                           </a:solidFill>
                         </a:rPr>
                         <a:t>e</a:t>
                       </a:r>
-                      <a:endParaRPr lang="en-US" sz="3200" dirty="0">
-                        <a:solidFill>
-                          <a:schemeClr val="tx1"/>
-                        </a:solidFill>
-                      </a:endParaRPr>
                     </a:p>
                   </a:txBody>
                   <a:tcPr>
@@ -16450,6 +16979,11 @@
                     </a:solidFill>
                   </a:tcPr>
                 </a:tc>
+                <a:extLst>
+                  <a:ext uri="{0D108BD9-81ED-4DB2-BD59-A6C34878D82A}">
+                    <a16:rowId xmlns:a16="http://schemas.microsoft.com/office/drawing/2014/main" val="10000"/>
+                  </a:ext>
+                </a:extLst>
               </a:tr>
             </a:tbl>
           </a:graphicData>
@@ -16625,11 +17159,41 @@
                 <a:tableStyleId>{5C22544A-7EE6-4342-B048-85BDC9FD1C3A}</a:tableStyleId>
               </a:tblPr>
               <a:tblGrid>
-                <a:gridCol w="901522"/>
-                <a:gridCol w="901522"/>
-                <a:gridCol w="901522"/>
-                <a:gridCol w="901522"/>
-                <a:gridCol w="901522"/>
+                <a:gridCol w="901522">
+                  <a:extLst>
+                    <a:ext uri="{9D8B030D-6E8A-4147-A177-3AD203B41FA5}">
+                      <a16:colId xmlns:a16="http://schemas.microsoft.com/office/drawing/2014/main" val="20000"/>
+                    </a:ext>
+                  </a:extLst>
+                </a:gridCol>
+                <a:gridCol w="901522">
+                  <a:extLst>
+                    <a:ext uri="{9D8B030D-6E8A-4147-A177-3AD203B41FA5}">
+                      <a16:colId xmlns:a16="http://schemas.microsoft.com/office/drawing/2014/main" val="20001"/>
+                    </a:ext>
+                  </a:extLst>
+                </a:gridCol>
+                <a:gridCol w="901522">
+                  <a:extLst>
+                    <a:ext uri="{9D8B030D-6E8A-4147-A177-3AD203B41FA5}">
+                      <a16:colId xmlns:a16="http://schemas.microsoft.com/office/drawing/2014/main" val="20002"/>
+                    </a:ext>
+                  </a:extLst>
+                </a:gridCol>
+                <a:gridCol w="901522">
+                  <a:extLst>
+                    <a:ext uri="{9D8B030D-6E8A-4147-A177-3AD203B41FA5}">
+                      <a16:colId xmlns:a16="http://schemas.microsoft.com/office/drawing/2014/main" val="20003"/>
+                    </a:ext>
+                  </a:extLst>
+                </a:gridCol>
+                <a:gridCol w="901522">
+                  <a:extLst>
+                    <a:ext uri="{9D8B030D-6E8A-4147-A177-3AD203B41FA5}">
+                      <a16:colId xmlns:a16="http://schemas.microsoft.com/office/drawing/2014/main" val="20004"/>
+                    </a:ext>
+                  </a:extLst>
+                </a:gridCol>
               </a:tblGrid>
               <a:tr h="613987">
                 <a:tc>
@@ -16639,18 +17203,13 @@
                     <a:p>
                       <a:pPr algn="ctr"/>
                       <a:r>
-                        <a:rPr lang="en-US" sz="3200" dirty="0" smtClean="0">
+                        <a:rPr lang="en-US" sz="3200" dirty="0">
                           <a:solidFill>
                             <a:schemeClr val="tx1"/>
                           </a:solidFill>
                         </a:rPr>
                         <a:t>a</a:t>
                       </a:r>
-                      <a:endParaRPr lang="en-US" sz="3200" dirty="0">
-                        <a:solidFill>
-                          <a:schemeClr val="tx1"/>
-                        </a:solidFill>
-                      </a:endParaRPr>
                     </a:p>
                   </a:txBody>
                   <a:tcPr>
@@ -16710,18 +17269,13 @@
                     <a:p>
                       <a:pPr algn="ctr"/>
                       <a:r>
-                        <a:rPr lang="en-US" sz="3200" dirty="0" smtClean="0">
+                        <a:rPr lang="en-US" sz="3200" dirty="0">
                           <a:solidFill>
                             <a:schemeClr val="tx1"/>
                           </a:solidFill>
                         </a:rPr>
                         <a:t>c</a:t>
                       </a:r>
-                      <a:endParaRPr lang="en-US" sz="3200" dirty="0">
-                        <a:solidFill>
-                          <a:schemeClr val="tx1"/>
-                        </a:solidFill>
-                      </a:endParaRPr>
                     </a:p>
                   </a:txBody>
                   <a:tcPr>
@@ -16844,18 +17398,13 @@
                     <a:p>
                       <a:pPr algn="ctr"/>
                       <a:r>
-                        <a:rPr lang="en-US" sz="3200" dirty="0" smtClean="0">
+                        <a:rPr lang="en-US" sz="3200" dirty="0">
                           <a:solidFill>
                             <a:schemeClr val="tx1"/>
                           </a:solidFill>
                         </a:rPr>
                         <a:t>d</a:t>
                       </a:r>
-                      <a:endParaRPr lang="en-US" sz="3200" dirty="0">
-                        <a:solidFill>
-                          <a:schemeClr val="tx1"/>
-                        </a:solidFill>
-                      </a:endParaRPr>
                     </a:p>
                   </a:txBody>
                   <a:tcPr>
@@ -16915,18 +17464,13 @@
                     <a:p>
                       <a:pPr algn="ctr"/>
                       <a:r>
-                        <a:rPr lang="en-US" sz="3200" dirty="0" smtClean="0">
+                        <a:rPr lang="en-US" sz="3200" dirty="0">
                           <a:solidFill>
                             <a:schemeClr val="tx1"/>
                           </a:solidFill>
                         </a:rPr>
                         <a:t>e</a:t>
                       </a:r>
-                      <a:endParaRPr lang="en-US" sz="3200" dirty="0">
-                        <a:solidFill>
-                          <a:schemeClr val="tx1"/>
-                        </a:solidFill>
-                      </a:endParaRPr>
                     </a:p>
                   </a:txBody>
                   <a:tcPr>
@@ -16979,6 +17523,11 @@
                     </a:solidFill>
                   </a:tcPr>
                 </a:tc>
+                <a:extLst>
+                  <a:ext uri="{0D108BD9-81ED-4DB2-BD59-A6C34878D82A}">
+                    <a16:rowId xmlns:a16="http://schemas.microsoft.com/office/drawing/2014/main" val="10000"/>
+                  </a:ext>
+                </a:extLst>
               </a:tr>
             </a:tbl>
           </a:graphicData>
@@ -17084,11 +17633,41 @@
                 <a:tableStyleId>{5C22544A-7EE6-4342-B048-85BDC9FD1C3A}</a:tableStyleId>
               </a:tblPr>
               <a:tblGrid>
-                <a:gridCol w="901522"/>
-                <a:gridCol w="901522"/>
-                <a:gridCol w="901522"/>
-                <a:gridCol w="901522"/>
-                <a:gridCol w="901522"/>
+                <a:gridCol w="901522">
+                  <a:extLst>
+                    <a:ext uri="{9D8B030D-6E8A-4147-A177-3AD203B41FA5}">
+                      <a16:colId xmlns:a16="http://schemas.microsoft.com/office/drawing/2014/main" val="20000"/>
+                    </a:ext>
+                  </a:extLst>
+                </a:gridCol>
+                <a:gridCol w="901522">
+                  <a:extLst>
+                    <a:ext uri="{9D8B030D-6E8A-4147-A177-3AD203B41FA5}">
+                      <a16:colId xmlns:a16="http://schemas.microsoft.com/office/drawing/2014/main" val="20001"/>
+                    </a:ext>
+                  </a:extLst>
+                </a:gridCol>
+                <a:gridCol w="901522">
+                  <a:extLst>
+                    <a:ext uri="{9D8B030D-6E8A-4147-A177-3AD203B41FA5}">
+                      <a16:colId xmlns:a16="http://schemas.microsoft.com/office/drawing/2014/main" val="20002"/>
+                    </a:ext>
+                  </a:extLst>
+                </a:gridCol>
+                <a:gridCol w="901522">
+                  <a:extLst>
+                    <a:ext uri="{9D8B030D-6E8A-4147-A177-3AD203B41FA5}">
+                      <a16:colId xmlns:a16="http://schemas.microsoft.com/office/drawing/2014/main" val="20003"/>
+                    </a:ext>
+                  </a:extLst>
+                </a:gridCol>
+                <a:gridCol w="901522">
+                  <a:extLst>
+                    <a:ext uri="{9D8B030D-6E8A-4147-A177-3AD203B41FA5}">
+                      <a16:colId xmlns:a16="http://schemas.microsoft.com/office/drawing/2014/main" val="20004"/>
+                    </a:ext>
+                  </a:extLst>
+                </a:gridCol>
               </a:tblGrid>
               <a:tr h="613987">
                 <a:tc>
@@ -17098,18 +17677,13 @@
                     <a:p>
                       <a:pPr algn="ctr"/>
                       <a:r>
-                        <a:rPr lang="en-US" sz="3200" dirty="0" smtClean="0">
+                        <a:rPr lang="en-US" sz="3200" dirty="0">
                           <a:solidFill>
                             <a:schemeClr val="tx1"/>
                           </a:solidFill>
                         </a:rPr>
                         <a:t>a</a:t>
                       </a:r>
-                      <a:endParaRPr lang="en-US" sz="3200" dirty="0">
-                        <a:solidFill>
-                          <a:schemeClr val="tx1"/>
-                        </a:solidFill>
-                      </a:endParaRPr>
                     </a:p>
                   </a:txBody>
                   <a:tcPr>
@@ -17169,18 +17743,13 @@
                     <a:p>
                       <a:pPr algn="ctr"/>
                       <a:r>
-                        <a:rPr lang="en-US" sz="3200" dirty="0" smtClean="0">
+                        <a:rPr lang="en-US" sz="3200" dirty="0">
                           <a:solidFill>
                             <a:schemeClr val="tx1"/>
                           </a:solidFill>
                         </a:rPr>
                         <a:t>c</a:t>
                       </a:r>
-                      <a:endParaRPr lang="en-US" sz="3200" dirty="0">
-                        <a:solidFill>
-                          <a:schemeClr val="tx1"/>
-                        </a:solidFill>
-                      </a:endParaRPr>
                     </a:p>
                   </a:txBody>
                   <a:tcPr>
@@ -17240,18 +17809,13 @@
                     <a:p>
                       <a:pPr algn="ctr"/>
                       <a:r>
-                        <a:rPr lang="en-US" sz="3200" dirty="0" smtClean="0">
+                        <a:rPr lang="en-US" sz="3200" dirty="0">
                           <a:solidFill>
                             <a:schemeClr val="tx1"/>
                           </a:solidFill>
                         </a:rPr>
                         <a:t>d</a:t>
                       </a:r>
-                      <a:endParaRPr lang="en-US" sz="3200" dirty="0">
-                        <a:solidFill>
-                          <a:schemeClr val="tx1"/>
-                        </a:solidFill>
-                      </a:endParaRPr>
                     </a:p>
                   </a:txBody>
                   <a:tcPr>
@@ -17374,18 +17938,13 @@
                     <a:p>
                       <a:pPr algn="ctr"/>
                       <a:r>
-                        <a:rPr lang="en-US" sz="3200" dirty="0" smtClean="0">
+                        <a:rPr lang="en-US" sz="3200" dirty="0">
                           <a:solidFill>
                             <a:schemeClr val="tx1"/>
                           </a:solidFill>
                         </a:rPr>
                         <a:t>e</a:t>
                       </a:r>
-                      <a:endParaRPr lang="en-US" sz="3200" dirty="0">
-                        <a:solidFill>
-                          <a:schemeClr val="tx1"/>
-                        </a:solidFill>
-                      </a:endParaRPr>
                     </a:p>
                   </a:txBody>
                   <a:tcPr>
@@ -17438,6 +17997,11 @@
                     </a:solidFill>
                   </a:tcPr>
                 </a:tc>
+                <a:extLst>
+                  <a:ext uri="{0D108BD9-81ED-4DB2-BD59-A6C34878D82A}">
+                    <a16:rowId xmlns:a16="http://schemas.microsoft.com/office/drawing/2014/main" val="10000"/>
+                  </a:ext>
+                </a:extLst>
               </a:tr>
             </a:tbl>
           </a:graphicData>
@@ -17543,11 +18107,41 @@
                 <a:tableStyleId>{5C22544A-7EE6-4342-B048-85BDC9FD1C3A}</a:tableStyleId>
               </a:tblPr>
               <a:tblGrid>
-                <a:gridCol w="901522"/>
-                <a:gridCol w="901522"/>
-                <a:gridCol w="901522"/>
-                <a:gridCol w="901522"/>
-                <a:gridCol w="901522"/>
+                <a:gridCol w="901522">
+                  <a:extLst>
+                    <a:ext uri="{9D8B030D-6E8A-4147-A177-3AD203B41FA5}">
+                      <a16:colId xmlns:a16="http://schemas.microsoft.com/office/drawing/2014/main" val="20000"/>
+                    </a:ext>
+                  </a:extLst>
+                </a:gridCol>
+                <a:gridCol w="901522">
+                  <a:extLst>
+                    <a:ext uri="{9D8B030D-6E8A-4147-A177-3AD203B41FA5}">
+                      <a16:colId xmlns:a16="http://schemas.microsoft.com/office/drawing/2014/main" val="20001"/>
+                    </a:ext>
+                  </a:extLst>
+                </a:gridCol>
+                <a:gridCol w="901522">
+                  <a:extLst>
+                    <a:ext uri="{9D8B030D-6E8A-4147-A177-3AD203B41FA5}">
+                      <a16:colId xmlns:a16="http://schemas.microsoft.com/office/drawing/2014/main" val="20002"/>
+                    </a:ext>
+                  </a:extLst>
+                </a:gridCol>
+                <a:gridCol w="901522">
+                  <a:extLst>
+                    <a:ext uri="{9D8B030D-6E8A-4147-A177-3AD203B41FA5}">
+                      <a16:colId xmlns:a16="http://schemas.microsoft.com/office/drawing/2014/main" val="20003"/>
+                    </a:ext>
+                  </a:extLst>
+                </a:gridCol>
+                <a:gridCol w="901522">
+                  <a:extLst>
+                    <a:ext uri="{9D8B030D-6E8A-4147-A177-3AD203B41FA5}">
+                      <a16:colId xmlns:a16="http://schemas.microsoft.com/office/drawing/2014/main" val="20004"/>
+                    </a:ext>
+                  </a:extLst>
+                </a:gridCol>
               </a:tblGrid>
               <a:tr h="613987">
                 <a:tc>
@@ -17557,18 +18151,13 @@
                     <a:p>
                       <a:pPr algn="ctr"/>
                       <a:r>
-                        <a:rPr lang="en-US" sz="3200" dirty="0" smtClean="0">
+                        <a:rPr lang="en-US" sz="3200" dirty="0">
                           <a:solidFill>
                             <a:schemeClr val="tx1"/>
                           </a:solidFill>
                         </a:rPr>
                         <a:t>a</a:t>
                       </a:r>
-                      <a:endParaRPr lang="en-US" sz="3200" dirty="0">
-                        <a:solidFill>
-                          <a:schemeClr val="tx1"/>
-                        </a:solidFill>
-                      </a:endParaRPr>
                     </a:p>
                   </a:txBody>
                   <a:tcPr>
@@ -17628,18 +18217,13 @@
                     <a:p>
                       <a:pPr algn="ctr"/>
                       <a:r>
-                        <a:rPr lang="en-US" sz="3200" dirty="0" smtClean="0">
+                        <a:rPr lang="en-US" sz="3200" dirty="0">
                           <a:solidFill>
                             <a:schemeClr val="tx1"/>
                           </a:solidFill>
                         </a:rPr>
                         <a:t>c</a:t>
                       </a:r>
-                      <a:endParaRPr lang="en-US" sz="3200" dirty="0">
-                        <a:solidFill>
-                          <a:schemeClr val="tx1"/>
-                        </a:solidFill>
-                      </a:endParaRPr>
                     </a:p>
                   </a:txBody>
                   <a:tcPr>
@@ -17699,18 +18283,13 @@
                     <a:p>
                       <a:pPr algn="ctr"/>
                       <a:r>
-                        <a:rPr lang="en-US" sz="3200" dirty="0" smtClean="0">
+                        <a:rPr lang="en-US" sz="3200" dirty="0">
                           <a:solidFill>
                             <a:schemeClr val="tx1"/>
                           </a:solidFill>
                         </a:rPr>
                         <a:t>d</a:t>
                       </a:r>
-                      <a:endParaRPr lang="en-US" sz="3200" dirty="0">
-                        <a:solidFill>
-                          <a:schemeClr val="tx1"/>
-                        </a:solidFill>
-                      </a:endParaRPr>
                     </a:p>
                   </a:txBody>
                   <a:tcPr>
@@ -17770,18 +18349,13 @@
                     <a:p>
                       <a:pPr algn="ctr"/>
                       <a:r>
-                        <a:rPr lang="en-US" sz="3200" dirty="0" smtClean="0">
+                        <a:rPr lang="en-US" sz="3200" dirty="0">
                           <a:solidFill>
                             <a:schemeClr val="tx1"/>
                           </a:solidFill>
                         </a:rPr>
                         <a:t>e</a:t>
                       </a:r>
-                      <a:endParaRPr lang="en-US" sz="3200" dirty="0">
-                        <a:solidFill>
-                          <a:schemeClr val="tx1"/>
-                        </a:solidFill>
-                      </a:endParaRPr>
                     </a:p>
                   </a:txBody>
                   <a:tcPr>
@@ -17897,6 +18471,11 @@
                     </a:solidFill>
                   </a:tcPr>
                 </a:tc>
+                <a:extLst>
+                  <a:ext uri="{0D108BD9-81ED-4DB2-BD59-A6C34878D82A}">
+                    <a16:rowId xmlns:a16="http://schemas.microsoft.com/office/drawing/2014/main" val="10000"/>
+                  </a:ext>
+                </a:extLst>
               </a:tr>
             </a:tbl>
           </a:graphicData>
